--- a/Praesentation/FMSynthese-Matze.pptx
+++ b/Praesentation/FMSynthese-Matze.pptx
@@ -5,7 +5,7 @@
     <p:sldMasterId id="2147483648" r:id="rId1"/>
   </p:sldMasterIdLst>
   <p:notesMasterIdLst>
-    <p:notesMasterId r:id="rId14"/>
+    <p:notesMasterId r:id="rId17"/>
   </p:notesMasterIdLst>
   <p:sldIdLst>
     <p:sldId id="259" r:id="rId2"/>
@@ -15,11 +15,14 @@
     <p:sldId id="261" r:id="rId6"/>
     <p:sldId id="266" r:id="rId7"/>
     <p:sldId id="263" r:id="rId8"/>
-    <p:sldId id="267" r:id="rId9"/>
-    <p:sldId id="264" r:id="rId10"/>
-    <p:sldId id="268" r:id="rId11"/>
-    <p:sldId id="269" r:id="rId12"/>
-    <p:sldId id="270" r:id="rId13"/>
+    <p:sldId id="271" r:id="rId9"/>
+    <p:sldId id="267" r:id="rId10"/>
+    <p:sldId id="264" r:id="rId11"/>
+    <p:sldId id="272" r:id="rId12"/>
+    <p:sldId id="268" r:id="rId13"/>
+    <p:sldId id="269" r:id="rId14"/>
+    <p:sldId id="270" r:id="rId15"/>
+    <p:sldId id="273" r:id="rId16"/>
   </p:sldIdLst>
   <p:sldSz cx="9144000" cy="5143500" type="screen16x9"/>
   <p:notesSz cx="6858000" cy="9144000"/>
@@ -234,7 +237,7 @@
             <a:fld id="{364A5697-ABCF-455C-8519-931EFDD64AAA}" type="datetimeFigureOut">
               <a:rPr lang="de-DE" smtClean="0"/>
               <a:pPr/>
-              <a:t>20.06.2015</a:t>
+              <a:t>21.06.2015</a:t>
             </a:fld>
             <a:endParaRPr lang="de-DE"/>
           </a:p>
@@ -825,7 +828,7 @@
           <a:p>
             <a:fld id="{118C39E7-DE90-41C1-AA3B-F993836B02BE}" type="datetime1">
               <a:rPr lang="de-DE" smtClean="0"/>
-              <a:t>20.06.2015</a:t>
+              <a:t>21.06.2015</a:t>
             </a:fld>
             <a:endParaRPr lang="de-DE"/>
           </a:p>
@@ -1005,7 +1008,7 @@
           <a:p>
             <a:fld id="{B1B93457-8CBC-4CBC-AFA6-88355C5DAFDC}" type="datetime1">
               <a:rPr lang="de-DE" smtClean="0"/>
-              <a:t>20.06.2015</a:t>
+              <a:t>21.06.2015</a:t>
             </a:fld>
             <a:endParaRPr lang="de-DE"/>
           </a:p>
@@ -1183,7 +1186,7 @@
           <a:p>
             <a:fld id="{296000BE-0612-4D88-A1AC-FF1287139C2E}" type="datetime1">
               <a:rPr lang="de-DE" smtClean="0"/>
-              <a:t>20.06.2015</a:t>
+              <a:t>21.06.2015</a:t>
             </a:fld>
             <a:endParaRPr lang="de-DE" dirty="0"/>
           </a:p>
@@ -1439,7 +1442,7 @@
           <a:p>
             <a:fld id="{C80D71F6-99A2-4718-B360-65885A8D0927}" type="datetime1">
               <a:rPr lang="de-DE" smtClean="0"/>
-              <a:t>20.06.2015</a:t>
+              <a:t>21.06.2015</a:t>
             </a:fld>
             <a:endParaRPr lang="de-DE"/>
           </a:p>
@@ -1734,7 +1737,7 @@
           <a:p>
             <a:fld id="{29DA34F2-331A-4BAF-BC0B-E5952E369A92}" type="datetime1">
               <a:rPr lang="de-DE" smtClean="0"/>
-              <a:t>20.06.2015</a:t>
+              <a:t>21.06.2015</a:t>
             </a:fld>
             <a:endParaRPr lang="de-DE"/>
           </a:p>
@@ -2163,7 +2166,7 @@
           <a:p>
             <a:fld id="{6E10866E-AA72-4753-8ABE-452D5C085871}" type="datetime1">
               <a:rPr lang="de-DE" smtClean="0"/>
-              <a:t>20.06.2015</a:t>
+              <a:t>21.06.2015</a:t>
             </a:fld>
             <a:endParaRPr lang="de-DE"/>
           </a:p>
@@ -2288,7 +2291,7 @@
           <a:p>
             <a:fld id="{A782DF66-3609-46AF-9A5C-DF0EDD34A7DB}" type="datetime1">
               <a:rPr lang="de-DE" smtClean="0"/>
-              <a:t>20.06.2015</a:t>
+              <a:t>21.06.2015</a:t>
             </a:fld>
             <a:endParaRPr lang="de-DE"/>
           </a:p>
@@ -2383,7 +2386,7 @@
           <a:p>
             <a:fld id="{D9A33BE7-191D-4D84-96A8-D32FBF7D1E60}" type="datetime1">
               <a:rPr lang="de-DE" smtClean="0"/>
-              <a:t>20.06.2015</a:t>
+              <a:t>21.06.2015</a:t>
             </a:fld>
             <a:endParaRPr lang="de-DE"/>
           </a:p>
@@ -2660,7 +2663,7 @@
           <a:p>
             <a:fld id="{B525E46A-CAE0-47F8-9D57-934823E6F137}" type="datetime1">
               <a:rPr lang="de-DE" smtClean="0"/>
-              <a:t>20.06.2015</a:t>
+              <a:t>21.06.2015</a:t>
             </a:fld>
             <a:endParaRPr lang="de-DE"/>
           </a:p>
@@ -2913,7 +2916,7 @@
           <a:p>
             <a:fld id="{A77F82AC-1FA4-4A3F-9E15-2C049775FF58}" type="datetime1">
               <a:rPr lang="de-DE" smtClean="0"/>
-              <a:t>20.06.2015</a:t>
+              <a:t>21.06.2015</a:t>
             </a:fld>
             <a:endParaRPr lang="de-DE"/>
           </a:p>
@@ -3126,7 +3129,7 @@
           <a:p>
             <a:fld id="{296000BE-0612-4D88-A1AC-FF1287139C2E}" type="datetime1">
               <a:rPr lang="de-DE" smtClean="0"/>
-              <a:t>20.06.2015</a:t>
+              <a:t>21.06.2015</a:t>
             </a:fld>
             <a:endParaRPr lang="de-DE" dirty="0"/>
           </a:p>
@@ -3654,24 +3657,264 @@
           <a:p>
             <a:r>
               <a:rPr lang="de-DE" dirty="0" smtClean="0"/>
-              <a:t>Vergleich Parallel- und Kaskadenschaltung</a:t>
+              <a:t>Kaskadenschaltung</a:t>
             </a:r>
             <a:endParaRPr lang="de-DE" dirty="0"/>
+          </a:p>
+        </p:txBody>
+      </p:sp>
+      <p:sp>
+        <p:nvSpPr>
+          <p:cNvPr id="4" name="Datumsplatzhalter 3"/>
+          <p:cNvSpPr>
+            <a:spLocks noGrp="1"/>
+          </p:cNvSpPr>
+          <p:nvPr>
+            <p:ph type="dt" sz="half" idx="10"/>
+          </p:nvPr>
+        </p:nvSpPr>
+        <p:spPr/>
+        <p:txBody>
+          <a:bodyPr/>
+          <a:lstStyle/>
+          <a:p>
+            <a:fld id="{296000BE-0612-4D88-A1AC-FF1287139C2E}" type="datetime1">
+              <a:rPr lang="de-DE" smtClean="0"/>
+              <a:t>21.06.2015</a:t>
+            </a:fld>
+            <a:endParaRPr lang="de-DE" dirty="0"/>
+          </a:p>
+        </p:txBody>
+      </p:sp>
+      <p:sp>
+        <p:nvSpPr>
+          <p:cNvPr id="5" name="Fußzeilenplatzhalter 4"/>
+          <p:cNvSpPr>
+            <a:spLocks noGrp="1"/>
+          </p:cNvSpPr>
+          <p:nvPr>
+            <p:ph type="ftr" sz="quarter" idx="11"/>
+          </p:nvPr>
+        </p:nvSpPr>
+        <p:spPr/>
+        <p:txBody>
+          <a:bodyPr/>
+          <a:lstStyle/>
+          <a:p>
+            <a:r>
+              <a:rPr lang="de-DE" smtClean="0"/>
+              <a:t>FM-Synthese</a:t>
+            </a:r>
+            <a:endParaRPr lang="de-DE" dirty="0"/>
+          </a:p>
+        </p:txBody>
+      </p:sp>
+      <p:sp>
+        <p:nvSpPr>
+          <p:cNvPr id="6" name="Foliennummernplatzhalter 5"/>
+          <p:cNvSpPr>
+            <a:spLocks noGrp="1"/>
+          </p:cNvSpPr>
+          <p:nvPr>
+            <p:ph type="sldNum" sz="quarter" idx="12"/>
+          </p:nvPr>
+        </p:nvSpPr>
+        <p:spPr/>
+        <p:txBody>
+          <a:bodyPr/>
+          <a:lstStyle/>
+          <a:p>
+            <a:fld id="{8740CB20-F870-467D-84CE-AB32061190A1}" type="slidenum">
+              <a:rPr lang="en-US" smtClean="0"/>
+              <a:t>10</a:t>
+            </a:fld>
+            <a:r>
+              <a:rPr lang="de-DE" smtClean="0"/>
+              <a:t>   </a:t>
+            </a:r>
+            <a:endParaRPr lang="de-DE" dirty="0"/>
+          </a:p>
+        </p:txBody>
+      </p:sp>
+      <p:sp>
+        <p:nvSpPr>
+          <p:cNvPr id="17" name="Pfeil nach unten 16"/>
+          <p:cNvSpPr/>
+          <p:nvPr/>
+        </p:nvSpPr>
+        <p:spPr>
+          <a:xfrm>
+            <a:off x="7193816" y="3579862"/>
+            <a:ext cx="543918" cy="978408"/>
+          </a:xfrm>
+          <a:prstGeom prst="downArrow">
+            <a:avLst/>
+          </a:prstGeom>
+          <a:solidFill>
+            <a:schemeClr val="accent1"/>
+          </a:solidFill>
+          <a:ln>
+            <a:solidFill>
+              <a:schemeClr val="accent1"/>
+            </a:solidFill>
+          </a:ln>
+        </p:spPr>
+        <p:style>
+          <a:lnRef idx="2">
+            <a:schemeClr val="accent1">
+              <a:shade val="50000"/>
+            </a:schemeClr>
+          </a:lnRef>
+          <a:fillRef idx="1">
+            <a:schemeClr val="accent1"/>
+          </a:fillRef>
+          <a:effectRef idx="0">
+            <a:schemeClr val="accent1"/>
+          </a:effectRef>
+          <a:fontRef idx="minor">
+            <a:schemeClr val="lt1"/>
+          </a:fontRef>
+        </p:style>
+        <p:txBody>
+          <a:bodyPr rtlCol="0" anchor="ctr"/>
+          <a:lstStyle/>
+          <a:p>
+            <a:pPr algn="ctr"/>
+            <a:endParaRPr lang="de-DE"/>
+          </a:p>
+        </p:txBody>
+      </p:sp>
+      <p:sp>
+        <p:nvSpPr>
+          <p:cNvPr id="10" name="Rechteck 9"/>
+          <p:cNvSpPr/>
+          <p:nvPr/>
+        </p:nvSpPr>
+        <p:spPr>
+          <a:xfrm>
+            <a:off x="7033727" y="3060416"/>
+            <a:ext cx="864096" cy="864096"/>
+          </a:xfrm>
+          <a:prstGeom prst="rect">
+            <a:avLst/>
+          </a:prstGeom>
+          <a:ln>
+            <a:solidFill>
+              <a:schemeClr val="accent1"/>
+            </a:solidFill>
+          </a:ln>
+        </p:spPr>
+        <p:style>
+          <a:lnRef idx="2">
+            <a:schemeClr val="accent1">
+              <a:shade val="50000"/>
+            </a:schemeClr>
+          </a:lnRef>
+          <a:fillRef idx="1">
+            <a:schemeClr val="accent1"/>
+          </a:fillRef>
+          <a:effectRef idx="0">
+            <a:schemeClr val="accent1"/>
+          </a:effectRef>
+          <a:fontRef idx="minor">
+            <a:schemeClr val="lt1"/>
+          </a:fontRef>
+        </p:style>
+        <p:txBody>
+          <a:bodyPr rtlCol="0" anchor="ctr"/>
+          <a:lstStyle/>
+          <a:p>
+            <a:pPr algn="ctr"/>
+            <a:r>
+              <a:rPr lang="de-DE" sz="3000" dirty="0" smtClean="0">
+                <a:ln w="0"/>
+                <a:solidFill>
+                  <a:schemeClr val="tx1"/>
+                </a:solidFill>
+                <a:effectLst>
+                  <a:outerShdw blurRad="38100" dist="19050" dir="2700000" algn="tl" rotWithShape="0">
+                    <a:schemeClr val="dk1">
+                      <a:alpha val="40000"/>
+                    </a:schemeClr>
+                  </a:outerShdw>
+                </a:effectLst>
+              </a:rPr>
+              <a:t>T</a:t>
+            </a:r>
+            <a:endParaRPr lang="de-DE" sz="3000" dirty="0">
+              <a:ln w="0"/>
+              <a:solidFill>
+                <a:schemeClr val="tx1"/>
+              </a:solidFill>
+              <a:effectLst>
+                <a:outerShdw blurRad="38100" dist="19050" dir="2700000" algn="tl" rotWithShape="0">
+                  <a:schemeClr val="dk1">
+                    <a:alpha val="40000"/>
+                  </a:schemeClr>
+                </a:outerShdw>
+              </a:effectLst>
+            </a:endParaRPr>
+          </a:p>
+        </p:txBody>
+      </p:sp>
+      <p:sp>
+        <p:nvSpPr>
+          <p:cNvPr id="11" name="Pfeil nach unten 10"/>
+          <p:cNvSpPr/>
+          <p:nvPr/>
+        </p:nvSpPr>
+        <p:spPr>
+          <a:xfrm>
+            <a:off x="7216209" y="2270734"/>
+            <a:ext cx="484632" cy="978408"/>
+          </a:xfrm>
+          <a:prstGeom prst="downArrow">
+            <a:avLst/>
+          </a:prstGeom>
+          <a:solidFill>
+            <a:schemeClr val="accent2"/>
+          </a:solidFill>
+          <a:ln>
+            <a:solidFill>
+              <a:schemeClr val="accent2"/>
+            </a:solidFill>
+          </a:ln>
+        </p:spPr>
+        <p:style>
+          <a:lnRef idx="2">
+            <a:schemeClr val="accent1">
+              <a:shade val="50000"/>
+            </a:schemeClr>
+          </a:lnRef>
+          <a:fillRef idx="1">
+            <a:schemeClr val="accent1"/>
+          </a:fillRef>
+          <a:effectRef idx="0">
+            <a:schemeClr val="accent1"/>
+          </a:effectRef>
+          <a:fontRef idx="minor">
+            <a:schemeClr val="lt1"/>
+          </a:fontRef>
+        </p:style>
+        <p:txBody>
+          <a:bodyPr rtlCol="0" anchor="ctr"/>
+          <a:lstStyle/>
+          <a:p>
+            <a:pPr algn="ctr"/>
+            <a:endParaRPr lang="de-DE"/>
           </a:p>
         </p:txBody>
       </p:sp>
       <p:pic>
         <p:nvPicPr>
-          <p:cNvPr id="7" name="Inhaltsplatzhalter 6"/>
+          <p:cNvPr id="8" name="Grafik 7"/>
           <p:cNvPicPr>
-            <a:picLocks noGrp="1" noChangeAspect="1"/>
+            <a:picLocks noChangeAspect="1"/>
           </p:cNvPicPr>
-          <p:nvPr>
-            <p:ph idx="1"/>
-          </p:nvPr>
+          <p:nvPr/>
         </p:nvPicPr>
         <p:blipFill>
-          <a:blip r:embed="rId2" cstate="print">
+          <a:blip r:embed="rId2">
             <a:extLst>
               <a:ext uri="{28A0092B-C50C-407E-A947-70E740481C1C}">
                 <a14:useLocalDpi xmlns:a14="http://schemas.microsoft.com/office/drawing/2010/main" val="0"/>
@@ -3684,79 +3927,39 @@
         </p:blipFill>
         <p:spPr>
           <a:xfrm>
-            <a:off x="4355976" y="1558920"/>
-            <a:ext cx="5038398" cy="2250695"/>
-          </a:xfrm>
+            <a:off x="233772" y="2739989"/>
+            <a:ext cx="5839640" cy="990738"/>
+          </a:xfrm>
+          <a:prstGeom prst="rect">
+            <a:avLst/>
+          </a:prstGeom>
         </p:spPr>
       </p:pic>
       <p:sp>
         <p:nvSpPr>
-          <p:cNvPr id="4" name="Datumsplatzhalter 3"/>
-          <p:cNvSpPr>
-            <a:spLocks noGrp="1"/>
-          </p:cNvSpPr>
-          <p:nvPr>
-            <p:ph type="dt" sz="half" idx="10"/>
-          </p:nvPr>
-        </p:nvSpPr>
-        <p:spPr/>
-        <p:txBody>
-          <a:bodyPr/>
-          <a:lstStyle/>
-          <a:p>
-            <a:fld id="{296000BE-0612-4D88-A1AC-FF1287139C2E}" type="datetime1">
-              <a:rPr lang="de-DE" smtClean="0"/>
-              <a:t>20.06.2015</a:t>
-            </a:fld>
-            <a:endParaRPr lang="de-DE" dirty="0"/>
-          </a:p>
-        </p:txBody>
-      </p:sp>
-      <p:sp>
-        <p:nvSpPr>
-          <p:cNvPr id="5" name="Fußzeilenplatzhalter 4"/>
-          <p:cNvSpPr>
-            <a:spLocks noGrp="1"/>
-          </p:cNvSpPr>
-          <p:nvPr>
-            <p:ph type="ftr" sz="quarter" idx="11"/>
-          </p:nvPr>
-        </p:nvSpPr>
-        <p:spPr/>
-        <p:txBody>
-          <a:bodyPr/>
-          <a:lstStyle/>
-          <a:p>
-            <a:r>
-              <a:rPr lang="de-DE" smtClean="0"/>
-              <a:t>FM-Synthese</a:t>
-            </a:r>
-            <a:endParaRPr lang="de-DE" dirty="0"/>
-          </a:p>
-        </p:txBody>
-      </p:sp>
-      <p:sp>
-        <p:nvSpPr>
-          <p:cNvPr id="6" name="Foliennummernplatzhalter 5"/>
-          <p:cNvSpPr>
-            <a:spLocks noGrp="1"/>
-          </p:cNvSpPr>
-          <p:nvPr>
-            <p:ph type="sldNum" sz="quarter" idx="12"/>
-          </p:nvPr>
-        </p:nvSpPr>
-        <p:spPr/>
-        <p:txBody>
-          <a:bodyPr/>
-          <a:lstStyle/>
-          <a:p>
-            <a:fld id="{8740CB20-F870-467D-84CE-AB32061190A1}" type="slidenum">
-              <a:rPr lang="en-US" smtClean="0"/>
-              <a:t>10</a:t>
-            </a:fld>
-            <a:r>
-              <a:rPr lang="de-DE" smtClean="0"/>
-              <a:t>   </a:t>
+          <p:cNvPr id="13" name="Textfeld 12"/>
+          <p:cNvSpPr txBox="1"/>
+          <p:nvPr/>
+        </p:nvSpPr>
+        <p:spPr>
+          <a:xfrm>
+            <a:off x="178114" y="3076477"/>
+            <a:ext cx="300082" cy="369332"/>
+          </a:xfrm>
+          <a:prstGeom prst="rect">
+            <a:avLst/>
+          </a:prstGeom>
+          <a:noFill/>
+        </p:spPr>
+        <p:txBody>
+          <a:bodyPr wrap="none" rtlCol="0">
+            <a:spAutoFit/>
+          </a:bodyPr>
+          <a:lstStyle/>
+          <a:p>
+            <a:r>
+              <a:rPr lang="de-DE" dirty="0" smtClean="0"/>
+              <a:t>=</a:t>
             </a:r>
             <a:endParaRPr lang="de-DE" dirty="0"/>
           </a:p>
@@ -3764,14 +3967,14 @@
       </p:sp>
       <p:pic>
         <p:nvPicPr>
-          <p:cNvPr id="8" name="Grafik 7"/>
+          <p:cNvPr id="14" name="Grafik 13"/>
           <p:cNvPicPr>
             <a:picLocks noChangeAspect="1"/>
           </p:cNvPicPr>
           <p:nvPr/>
         </p:nvPicPr>
         <p:blipFill>
-          <a:blip r:embed="rId3" cstate="print">
+          <a:blip r:embed="rId3">
             <a:extLst>
               <a:ext uri="{28A0092B-C50C-407E-A947-70E740481C1C}">
                 <a14:useLocalDpi xmlns:a14="http://schemas.microsoft.com/office/drawing/2010/main" val="0"/>
@@ -3784,18 +3987,254 @@
         </p:blipFill>
         <p:spPr>
           <a:xfrm>
-            <a:off x="-324544" y="1558920"/>
-            <a:ext cx="5112568" cy="2283827"/>
+            <a:off x="-213116" y="1929302"/>
+            <a:ext cx="7436666" cy="682864"/>
           </a:xfrm>
           <a:prstGeom prst="rect">
             <a:avLst/>
           </a:prstGeom>
         </p:spPr>
       </p:pic>
+      <p:sp>
+        <p:nvSpPr>
+          <p:cNvPr id="7" name="Rechteck 6"/>
+          <p:cNvSpPr/>
+          <p:nvPr/>
+        </p:nvSpPr>
+        <p:spPr>
+          <a:xfrm>
+            <a:off x="7033727" y="1801479"/>
+            <a:ext cx="864096" cy="864096"/>
+          </a:xfrm>
+          <a:prstGeom prst="rect">
+            <a:avLst/>
+          </a:prstGeom>
+          <a:solidFill>
+            <a:schemeClr val="accent2"/>
+          </a:solidFill>
+          <a:ln>
+            <a:solidFill>
+              <a:schemeClr val="accent2"/>
+            </a:solidFill>
+          </a:ln>
+        </p:spPr>
+        <p:style>
+          <a:lnRef idx="2">
+            <a:schemeClr val="accent1">
+              <a:shade val="50000"/>
+            </a:schemeClr>
+          </a:lnRef>
+          <a:fillRef idx="1">
+            <a:schemeClr val="accent1"/>
+          </a:fillRef>
+          <a:effectRef idx="0">
+            <a:schemeClr val="accent1"/>
+          </a:effectRef>
+          <a:fontRef idx="minor">
+            <a:schemeClr val="lt1"/>
+          </a:fontRef>
+        </p:style>
+        <p:txBody>
+          <a:bodyPr rtlCol="0" anchor="ctr"/>
+          <a:lstStyle/>
+          <a:p>
+            <a:pPr algn="ctr"/>
+            <a:r>
+              <a:rPr lang="de-DE" sz="3000" dirty="0" smtClean="0">
+                <a:ln w="0"/>
+                <a:solidFill>
+                  <a:schemeClr val="tx1"/>
+                </a:solidFill>
+                <a:effectLst>
+                  <a:outerShdw blurRad="38100" dist="19050" dir="2700000" algn="tl" rotWithShape="0">
+                    <a:schemeClr val="dk1">
+                      <a:alpha val="40000"/>
+                    </a:schemeClr>
+                  </a:outerShdw>
+                </a:effectLst>
+              </a:rPr>
+              <a:t>M1</a:t>
+            </a:r>
+            <a:endParaRPr lang="de-DE" sz="3000" dirty="0">
+              <a:ln w="0"/>
+              <a:solidFill>
+                <a:schemeClr val="tx1"/>
+              </a:solidFill>
+              <a:effectLst>
+                <a:outerShdw blurRad="38100" dist="19050" dir="2700000" algn="tl" rotWithShape="0">
+                  <a:schemeClr val="dk1">
+                    <a:alpha val="40000"/>
+                  </a:schemeClr>
+                </a:outerShdw>
+              </a:effectLst>
+            </a:endParaRPr>
+          </a:p>
+        </p:txBody>
+      </p:sp>
+      <p:sp>
+        <p:nvSpPr>
+          <p:cNvPr id="12" name="Pfeil nach unten 11"/>
+          <p:cNvSpPr/>
+          <p:nvPr/>
+        </p:nvSpPr>
+        <p:spPr>
+          <a:xfrm>
+            <a:off x="7223550" y="991043"/>
+            <a:ext cx="484632" cy="978408"/>
+          </a:xfrm>
+          <a:prstGeom prst="downArrow">
+            <a:avLst/>
+          </a:prstGeom>
+          <a:solidFill>
+            <a:srgbClr val="FFC000"/>
+          </a:solidFill>
+          <a:ln>
+            <a:solidFill>
+              <a:srgbClr val="FFC000"/>
+            </a:solidFill>
+          </a:ln>
+        </p:spPr>
+        <p:style>
+          <a:lnRef idx="2">
+            <a:schemeClr val="accent1">
+              <a:shade val="50000"/>
+            </a:schemeClr>
+          </a:lnRef>
+          <a:fillRef idx="1">
+            <a:schemeClr val="accent1"/>
+          </a:fillRef>
+          <a:effectRef idx="0">
+            <a:schemeClr val="accent1"/>
+          </a:effectRef>
+          <a:fontRef idx="minor">
+            <a:schemeClr val="lt1"/>
+          </a:fontRef>
+        </p:style>
+        <p:txBody>
+          <a:bodyPr rtlCol="0" anchor="ctr"/>
+          <a:lstStyle/>
+          <a:p>
+            <a:pPr algn="ctr"/>
+            <a:endParaRPr lang="de-DE"/>
+          </a:p>
+        </p:txBody>
+      </p:sp>
+      <p:sp>
+        <p:nvSpPr>
+          <p:cNvPr id="9" name="Rechteck 8"/>
+          <p:cNvSpPr/>
+          <p:nvPr/>
+        </p:nvSpPr>
+        <p:spPr>
+          <a:xfrm>
+            <a:off x="7033727" y="542541"/>
+            <a:ext cx="864096" cy="864096"/>
+          </a:xfrm>
+          <a:prstGeom prst="rect">
+            <a:avLst/>
+          </a:prstGeom>
+          <a:solidFill>
+            <a:srgbClr val="FFC000"/>
+          </a:solidFill>
+          <a:ln>
+            <a:solidFill>
+              <a:srgbClr val="FFC000"/>
+            </a:solidFill>
+          </a:ln>
+        </p:spPr>
+        <p:style>
+          <a:lnRef idx="2">
+            <a:schemeClr val="accent1">
+              <a:shade val="50000"/>
+            </a:schemeClr>
+          </a:lnRef>
+          <a:fillRef idx="1">
+            <a:schemeClr val="accent1"/>
+          </a:fillRef>
+          <a:effectRef idx="0">
+            <a:schemeClr val="accent1"/>
+          </a:effectRef>
+          <a:fontRef idx="minor">
+            <a:schemeClr val="lt1"/>
+          </a:fontRef>
+        </p:style>
+        <p:txBody>
+          <a:bodyPr rtlCol="0" anchor="ctr"/>
+          <a:lstStyle/>
+          <a:p>
+            <a:pPr algn="ctr"/>
+            <a:r>
+              <a:rPr lang="de-DE" sz="3000" dirty="0" smtClean="0">
+                <a:ln w="0"/>
+                <a:solidFill>
+                  <a:schemeClr val="tx1"/>
+                </a:solidFill>
+                <a:effectLst>
+                  <a:outerShdw blurRad="38100" dist="19050" dir="2700000" algn="tl" rotWithShape="0">
+                    <a:schemeClr val="dk1">
+                      <a:alpha val="40000"/>
+                    </a:schemeClr>
+                  </a:outerShdw>
+                </a:effectLst>
+              </a:rPr>
+              <a:t>M2</a:t>
+            </a:r>
+            <a:endParaRPr lang="de-DE" sz="3000" dirty="0">
+              <a:ln w="0"/>
+              <a:solidFill>
+                <a:schemeClr val="tx1"/>
+              </a:solidFill>
+              <a:effectLst>
+                <a:outerShdw blurRad="38100" dist="19050" dir="2700000" algn="tl" rotWithShape="0">
+                  <a:schemeClr val="dk1">
+                    <a:alpha val="40000"/>
+                  </a:schemeClr>
+                </a:outerShdw>
+              </a:effectLst>
+            </a:endParaRPr>
+          </a:p>
+        </p:txBody>
+      </p:sp>
+      <p:cxnSp>
+        <p:nvCxnSpPr>
+          <p:cNvPr id="16" name="Gerade Verbindung mit Pfeil 15"/>
+          <p:cNvCxnSpPr/>
+          <p:nvPr/>
+        </p:nvCxnSpPr>
+        <p:spPr>
+          <a:xfrm flipV="1">
+            <a:off x="2699792" y="3436095"/>
+            <a:ext cx="0" cy="488417"/>
+          </a:xfrm>
+          <a:prstGeom prst="straightConnector1">
+            <a:avLst/>
+          </a:prstGeom>
+          <a:ln w="57150">
+            <a:solidFill>
+              <a:srgbClr val="FF0000"/>
+            </a:solidFill>
+            <a:tailEnd type="triangle"/>
+          </a:ln>
+        </p:spPr>
+        <p:style>
+          <a:lnRef idx="1">
+            <a:schemeClr val="accent1"/>
+          </a:lnRef>
+          <a:fillRef idx="0">
+            <a:schemeClr val="accent1"/>
+          </a:fillRef>
+          <a:effectRef idx="0">
+            <a:schemeClr val="accent1"/>
+          </a:effectRef>
+          <a:fontRef idx="minor">
+            <a:schemeClr val="tx1"/>
+          </a:fontRef>
+        </p:style>
+      </p:cxnSp>
     </p:spTree>
     <p:extLst>
       <p:ext uri="{BB962C8B-B14F-4D97-AF65-F5344CB8AC3E}">
-        <p14:creationId xmlns:p14="http://schemas.microsoft.com/office/powerpoint/2010/main" val="2915661372"/>
+        <p14:creationId xmlns:p14="http://schemas.microsoft.com/office/powerpoint/2010/main" val="1734526446"/>
       </p:ext>
     </p:extLst>
   </p:cSld>
@@ -3813,7 +4252,7 @@
 </file>
 
 <file path=ppt/slides/slide11.xml><?xml version="1.0" encoding="utf-8"?>
-<p:sld xmlns:a="http://schemas.openxmlformats.org/drawingml/2006/main" xmlns:r="http://schemas.openxmlformats.org/officeDocument/2006/relationships" xmlns:p="http://schemas.openxmlformats.org/presentationml/2006/main">
+<p:sld xmlns:a="http://schemas.openxmlformats.org/drawingml/2006/main" xmlns:r="http://schemas.openxmlformats.org/officeDocument/2006/relationships" xmlns:p="http://schemas.openxmlformats.org/presentationml/2006/main" showMasterSp="0">
   <p:cSld>
     <p:spTree>
       <p:nvGrpSpPr>
@@ -3829,6 +4268,35 @@
           <a:chExt cx="0" cy="0"/>
         </a:xfrm>
       </p:grpSpPr>
+      <p:pic>
+        <p:nvPicPr>
+          <p:cNvPr id="13" name="Inhaltsplatzhalter 12"/>
+          <p:cNvPicPr>
+            <a:picLocks noGrp="1" noChangeAspect="1"/>
+          </p:cNvPicPr>
+          <p:nvPr>
+            <p:ph idx="1"/>
+          </p:nvPr>
+        </p:nvPicPr>
+        <p:blipFill>
+          <a:blip r:embed="rId2">
+            <a:extLst>
+              <a:ext uri="{28A0092B-C50C-407E-A947-70E740481C1C}">
+                <a14:useLocalDpi xmlns:a14="http://schemas.microsoft.com/office/drawing/2010/main" val="0"/>
+              </a:ext>
+            </a:extLst>
+          </a:blip>
+          <a:stretch>
+            <a:fillRect/>
+          </a:stretch>
+        </p:blipFill>
+        <p:spPr>
+          <a:xfrm>
+            <a:off x="233772" y="1446902"/>
+            <a:ext cx="6032462" cy="3394075"/>
+          </a:xfrm>
+        </p:spPr>
+      </p:pic>
       <p:sp>
         <p:nvSpPr>
           <p:cNvPr id="2" name="Titel 1"/>
@@ -3846,7 +4314,14 @@
           <a:p>
             <a:r>
               <a:rPr lang="de-DE" dirty="0" smtClean="0"/>
-              <a:t>Feedbackschaltung</a:t>
+              <a:t>Additionsterme der Seitenbänder </a:t>
+            </a:r>
+            <a:br>
+              <a:rPr lang="de-DE" dirty="0" smtClean="0"/>
+            </a:br>
+            <a:r>
+              <a:rPr lang="de-DE" dirty="0" smtClean="0"/>
+              <a:t>bei 2 Modulatoren in Reihe</a:t>
             </a:r>
             <a:endParaRPr lang="de-DE" dirty="0"/>
           </a:p>
@@ -3869,7 +4344,7 @@
           <a:p>
             <a:fld id="{296000BE-0612-4D88-A1AC-FF1287139C2E}" type="datetime1">
               <a:rPr lang="de-DE" smtClean="0"/>
-              <a:t>20.06.2015</a:t>
+              <a:t>21.06.2015</a:t>
             </a:fld>
             <a:endParaRPr lang="de-DE" dirty="0"/>
           </a:p>
@@ -3925,23 +4400,54 @@
           </a:p>
         </p:txBody>
       </p:sp>
-      <p:sp>
-        <p:nvSpPr>
-          <p:cNvPr id="10" name="Rechteck 9"/>
-          <p:cNvSpPr/>
+      <p:pic>
+        <p:nvPicPr>
+          <p:cNvPr id="8" name="Grafik 7"/>
+          <p:cNvPicPr>
+            <a:picLocks noChangeAspect="1"/>
+          </p:cNvPicPr>
           <p:nvPr/>
-        </p:nvSpPr>
-        <p:spPr>
-          <a:xfrm>
-            <a:off x="5524836" y="1851670"/>
-            <a:ext cx="864096" cy="864096"/>
+        </p:nvPicPr>
+        <p:blipFill>
+          <a:blip r:embed="rId3">
+            <a:extLst>
+              <a:ext uri="{28A0092B-C50C-407E-A947-70E740481C1C}">
+                <a14:useLocalDpi xmlns:a14="http://schemas.microsoft.com/office/drawing/2010/main" val="0"/>
+              </a:ext>
+            </a:extLst>
+          </a:blip>
+          <a:stretch>
+            <a:fillRect/>
+          </a:stretch>
+        </p:blipFill>
+        <p:spPr>
+          <a:xfrm>
+            <a:off x="6567242" y="1063229"/>
+            <a:ext cx="2991267" cy="619211"/>
           </a:xfrm>
           <a:prstGeom prst="rect">
             <a:avLst/>
           </a:prstGeom>
+        </p:spPr>
+      </p:pic>
+      <p:sp>
+        <p:nvSpPr>
+          <p:cNvPr id="9" name="Rechteck 8"/>
+          <p:cNvSpPr/>
+          <p:nvPr/>
+        </p:nvSpPr>
+        <p:spPr>
+          <a:xfrm>
+            <a:off x="539552" y="1887666"/>
+            <a:ext cx="4514701" cy="468000"/>
+          </a:xfrm>
+          <a:prstGeom prst="rect">
+            <a:avLst/>
+          </a:prstGeom>
+          <a:noFill/>
           <a:ln>
             <a:solidFill>
-              <a:schemeClr val="accent1"/>
+              <a:srgbClr val="FF0000"/>
             </a:solidFill>
           </a:ln>
         </p:spPr>
@@ -3966,386 +4472,106 @@
           <a:lstStyle/>
           <a:p>
             <a:pPr algn="ctr"/>
-            <a:r>
-              <a:rPr lang="de-DE" sz="3000" dirty="0" smtClean="0">
-                <a:ln w="0"/>
-                <a:solidFill>
-                  <a:schemeClr val="tx1"/>
-                </a:solidFill>
-                <a:effectLst>
-                  <a:outerShdw blurRad="38100" dist="19050" dir="2700000" algn="tl" rotWithShape="0">
-                    <a:schemeClr val="dk1">
-                      <a:alpha val="40000"/>
-                    </a:schemeClr>
-                  </a:outerShdw>
-                </a:effectLst>
-              </a:rPr>
-              <a:t>T</a:t>
-            </a:r>
-            <a:endParaRPr lang="de-DE" sz="3000" dirty="0">
-              <a:ln w="0"/>
-              <a:solidFill>
-                <a:schemeClr val="tx1"/>
-              </a:solidFill>
-              <a:effectLst>
-                <a:outerShdw blurRad="38100" dist="19050" dir="2700000" algn="tl" rotWithShape="0">
-                  <a:schemeClr val="dk1">
-                    <a:alpha val="40000"/>
-                  </a:schemeClr>
-                </a:outerShdw>
-              </a:effectLst>
-            </a:endParaRPr>
-          </a:p>
-        </p:txBody>
-      </p:sp>
-      <p:sp>
-        <p:nvSpPr>
-          <p:cNvPr id="17" name="Pfeil nach unten 16"/>
-          <p:cNvSpPr/>
+            <a:endParaRPr lang="de-DE"/>
+          </a:p>
+        </p:txBody>
+      </p:sp>
+      <p:pic>
+        <p:nvPicPr>
+          <p:cNvPr id="10" name="Grafik 9"/>
+          <p:cNvPicPr>
+            <a:picLocks noChangeAspect="1"/>
+          </p:cNvPicPr>
           <p:nvPr/>
-        </p:nvSpPr>
-        <p:spPr>
-          <a:xfrm>
-            <a:off x="5684925" y="2628215"/>
-            <a:ext cx="543918" cy="978408"/>
-          </a:xfrm>
-          <a:prstGeom prst="downArrow">
-            <a:avLst/>
-          </a:prstGeom>
-          <a:solidFill>
-            <a:schemeClr val="accent1"/>
-          </a:solidFill>
-          <a:ln>
-            <a:solidFill>
-              <a:schemeClr val="accent1"/>
-            </a:solidFill>
-          </a:ln>
-        </p:spPr>
-        <p:style>
-          <a:lnRef idx="2">
-            <a:schemeClr val="accent1">
-              <a:shade val="50000"/>
-            </a:schemeClr>
-          </a:lnRef>
-          <a:fillRef idx="1">
-            <a:schemeClr val="accent1"/>
-          </a:fillRef>
-          <a:effectRef idx="0">
-            <a:schemeClr val="accent1"/>
-          </a:effectRef>
-          <a:fontRef idx="minor">
-            <a:schemeClr val="lt1"/>
-          </a:fontRef>
-        </p:style>
-        <p:txBody>
-          <a:bodyPr rtlCol="0" anchor="ctr"/>
-          <a:lstStyle/>
-          <a:p>
-            <a:pPr algn="ctr"/>
-            <a:endParaRPr lang="de-DE"/>
-          </a:p>
-        </p:txBody>
-      </p:sp>
-      <p:sp>
-        <p:nvSpPr>
-          <p:cNvPr id="13" name="Pfeil nach rechts 12"/>
-          <p:cNvSpPr/>
-          <p:nvPr/>
-        </p:nvSpPr>
-        <p:spPr>
-          <a:xfrm>
-            <a:off x="6018829" y="2704000"/>
-            <a:ext cx="1080120" cy="460354"/>
-          </a:xfrm>
-          <a:prstGeom prst="rightArrow">
-            <a:avLst/>
-          </a:prstGeom>
-          <a:solidFill>
-            <a:schemeClr val="accent1"/>
-          </a:solidFill>
-          <a:ln>
-            <a:solidFill>
-              <a:schemeClr val="accent1"/>
-            </a:solidFill>
-          </a:ln>
-        </p:spPr>
-        <p:style>
-          <a:lnRef idx="2">
-            <a:schemeClr val="accent1">
-              <a:shade val="50000"/>
-            </a:schemeClr>
-          </a:lnRef>
-          <a:fillRef idx="1">
-            <a:schemeClr val="accent1"/>
-          </a:fillRef>
-          <a:effectRef idx="0">
-            <a:schemeClr val="accent1"/>
-          </a:effectRef>
-          <a:fontRef idx="minor">
-            <a:schemeClr val="lt1"/>
-          </a:fontRef>
-        </p:style>
-        <p:txBody>
-          <a:bodyPr rtlCol="0" anchor="ctr"/>
-          <a:lstStyle/>
-          <a:p>
-            <a:pPr algn="ctr"/>
-            <a:endParaRPr lang="de-DE"/>
-          </a:p>
-        </p:txBody>
-      </p:sp>
-      <p:sp>
-        <p:nvSpPr>
-          <p:cNvPr id="16" name="Pfeil nach unten 15"/>
-          <p:cNvSpPr/>
-          <p:nvPr/>
-        </p:nvSpPr>
-        <p:spPr>
-          <a:xfrm rot="10800000">
-            <a:off x="6734178" y="2137650"/>
-            <a:ext cx="472561" cy="920362"/>
-          </a:xfrm>
-          <a:prstGeom prst="downArrow">
-            <a:avLst/>
-          </a:prstGeom>
-          <a:solidFill>
-            <a:schemeClr val="accent1">
-              <a:lumMod val="75000"/>
-            </a:schemeClr>
-          </a:solidFill>
-          <a:ln>
-            <a:solidFill>
-              <a:schemeClr val="accent1">
-                <a:lumMod val="75000"/>
-              </a:schemeClr>
-            </a:solidFill>
-          </a:ln>
-        </p:spPr>
-        <p:style>
-          <a:lnRef idx="2">
-            <a:schemeClr val="accent1">
-              <a:shade val="50000"/>
-            </a:schemeClr>
-          </a:lnRef>
-          <a:fillRef idx="1">
-            <a:schemeClr val="accent1"/>
-          </a:fillRef>
-          <a:effectRef idx="0">
-            <a:schemeClr val="accent1"/>
-          </a:effectRef>
-          <a:fontRef idx="minor">
-            <a:schemeClr val="lt1"/>
-          </a:fontRef>
-        </p:style>
-        <p:txBody>
-          <a:bodyPr rtlCol="0" anchor="ctr"/>
-          <a:lstStyle/>
-          <a:p>
-            <a:pPr algn="ctr"/>
-            <a:endParaRPr lang="de-DE"/>
-          </a:p>
-        </p:txBody>
-      </p:sp>
-      <p:sp>
-        <p:nvSpPr>
-          <p:cNvPr id="18" name="Pfeil nach rechts 17"/>
-          <p:cNvSpPr/>
-          <p:nvPr/>
-        </p:nvSpPr>
-        <p:spPr>
-          <a:xfrm rot="10800000">
-            <a:off x="6228843" y="2046959"/>
-            <a:ext cx="881448" cy="458593"/>
-          </a:xfrm>
-          <a:prstGeom prst="rightArrow">
-            <a:avLst/>
-          </a:prstGeom>
-          <a:solidFill>
-            <a:schemeClr val="accent1">
-              <a:lumMod val="75000"/>
-            </a:schemeClr>
-          </a:solidFill>
-          <a:ln>
-            <a:solidFill>
-              <a:schemeClr val="accent1">
-                <a:lumMod val="75000"/>
-              </a:schemeClr>
-            </a:solidFill>
-          </a:ln>
-        </p:spPr>
-        <p:style>
-          <a:lnRef idx="2">
-            <a:schemeClr val="accent1">
-              <a:shade val="50000"/>
-            </a:schemeClr>
-          </a:lnRef>
-          <a:fillRef idx="1">
-            <a:schemeClr val="accent1"/>
-          </a:fillRef>
-          <a:effectRef idx="0">
-            <a:schemeClr val="accent1"/>
-          </a:effectRef>
-          <a:fontRef idx="minor">
-            <a:schemeClr val="lt1"/>
-          </a:fontRef>
-        </p:style>
-        <p:txBody>
-          <a:bodyPr rtlCol="0" anchor="ctr"/>
-          <a:lstStyle/>
-          <a:p>
-            <a:pPr algn="ctr"/>
-            <a:endParaRPr lang="de-DE"/>
-          </a:p>
-        </p:txBody>
-      </p:sp>
-      <p:sp>
-        <p:nvSpPr>
-          <p:cNvPr id="19" name="Rechteck 18"/>
-          <p:cNvSpPr/>
-          <p:nvPr/>
-        </p:nvSpPr>
-        <p:spPr>
-          <a:xfrm>
-            <a:off x="7110291" y="1558259"/>
-            <a:ext cx="589384" cy="2016224"/>
+        </p:nvPicPr>
+        <p:blipFill>
+          <a:blip r:embed="rId4">
+            <a:extLst>
+              <a:ext uri="{28A0092B-C50C-407E-A947-70E740481C1C}">
+                <a14:useLocalDpi xmlns:a14="http://schemas.microsoft.com/office/drawing/2010/main" val="0"/>
+              </a:ext>
+            </a:extLst>
+          </a:blip>
+          <a:stretch>
+            <a:fillRect/>
+          </a:stretch>
+        </p:blipFill>
+        <p:spPr>
+          <a:xfrm>
+            <a:off x="6569770" y="1890188"/>
+            <a:ext cx="2688299" cy="2016225"/>
           </a:xfrm>
           <a:prstGeom prst="rect">
             <a:avLst/>
           </a:prstGeom>
-          <a:solidFill>
-            <a:schemeClr val="bg1"/>
-          </a:solidFill>
-          <a:ln>
-            <a:solidFill>
-              <a:schemeClr val="bg1"/>
-            </a:solidFill>
-          </a:ln>
-        </p:spPr>
-        <p:style>
-          <a:lnRef idx="2">
-            <a:schemeClr val="accent1">
-              <a:shade val="50000"/>
-            </a:schemeClr>
-          </a:lnRef>
-          <a:fillRef idx="1">
-            <a:schemeClr val="accent1"/>
-          </a:fillRef>
-          <a:effectRef idx="0">
-            <a:schemeClr val="accent1"/>
-          </a:effectRef>
-          <a:fontRef idx="minor">
-            <a:schemeClr val="lt1"/>
-          </a:fontRef>
-        </p:style>
-        <p:txBody>
-          <a:bodyPr rtlCol="0" anchor="ctr"/>
-          <a:lstStyle/>
-          <a:p>
-            <a:pPr algn="ctr"/>
-            <a:endParaRPr lang="de-DE"/>
-          </a:p>
-        </p:txBody>
-      </p:sp>
-      <p:sp>
-        <p:nvSpPr>
-          <p:cNvPr id="20" name="Rechteck 19"/>
-          <p:cNvSpPr/>
+        </p:spPr>
+      </p:pic>
+      <p:sp>
+        <p:nvSpPr>
+          <p:cNvPr id="11" name="Textfeld 10"/>
+          <p:cNvSpPr txBox="1"/>
           <p:nvPr/>
         </p:nvSpPr>
         <p:spPr>
           <a:xfrm>
-            <a:off x="6565472" y="3076778"/>
-            <a:ext cx="1008112" cy="284600"/>
+            <a:off x="6978406" y="3837211"/>
+            <a:ext cx="1871025" cy="553998"/>
           </a:xfrm>
           <a:prstGeom prst="rect">
             <a:avLst/>
           </a:prstGeom>
-          <a:solidFill>
-            <a:schemeClr val="bg1"/>
-          </a:solidFill>
-          <a:ln>
-            <a:solidFill>
-              <a:schemeClr val="bg1"/>
-            </a:solidFill>
-          </a:ln>
-        </p:spPr>
-        <p:style>
-          <a:lnRef idx="2">
-            <a:schemeClr val="accent1">
-              <a:shade val="50000"/>
-            </a:schemeClr>
-          </a:lnRef>
-          <a:fillRef idx="1">
-            <a:schemeClr val="accent1"/>
-          </a:fillRef>
-          <a:effectRef idx="0">
-            <a:schemeClr val="accent1"/>
-          </a:effectRef>
-          <a:fontRef idx="minor">
-            <a:schemeClr val="lt1"/>
-          </a:fontRef>
-        </p:style>
-        <p:txBody>
-          <a:bodyPr rtlCol="0" anchor="ctr"/>
-          <a:lstStyle/>
-          <a:p>
-            <a:pPr algn="ctr"/>
-            <a:endParaRPr lang="de-DE"/>
-          </a:p>
-        </p:txBody>
-      </p:sp>
-      <p:sp>
-        <p:nvSpPr>
-          <p:cNvPr id="21" name="Rechteck 20"/>
-          <p:cNvSpPr/>
-          <p:nvPr/>
-        </p:nvSpPr>
-        <p:spPr>
-          <a:xfrm>
-            <a:off x="6483173" y="1985045"/>
-            <a:ext cx="869890" cy="175791"/>
-          </a:xfrm>
-          <a:prstGeom prst="rect">
-            <a:avLst/>
-          </a:prstGeom>
-          <a:solidFill>
-            <a:schemeClr val="bg1"/>
-          </a:solidFill>
-          <a:ln>
-            <a:solidFill>
-              <a:schemeClr val="bg1"/>
-            </a:solidFill>
-          </a:ln>
-        </p:spPr>
-        <p:style>
-          <a:lnRef idx="2">
-            <a:schemeClr val="accent1">
-              <a:shade val="50000"/>
-            </a:schemeClr>
-          </a:lnRef>
-          <a:fillRef idx="1">
-            <a:schemeClr val="accent1"/>
-          </a:fillRef>
-          <a:effectRef idx="0">
-            <a:schemeClr val="accent1"/>
-          </a:effectRef>
-          <a:fontRef idx="minor">
-            <a:schemeClr val="lt1"/>
-          </a:fontRef>
-        </p:style>
-        <p:txBody>
-          <a:bodyPr rtlCol="0" anchor="ctr"/>
-          <a:lstStyle/>
-          <a:p>
-            <a:pPr algn="ctr"/>
-            <a:endParaRPr lang="de-DE"/>
+          <a:noFill/>
+        </p:spPr>
+        <p:txBody>
+          <a:bodyPr wrap="none" rtlCol="0">
+            <a:spAutoFit/>
+          </a:bodyPr>
+          <a:lstStyle/>
+          <a:p>
+            <a:r>
+              <a:rPr lang="de-DE" sz="1000" dirty="0" smtClean="0"/>
+              <a:t>Bildquelle:</a:t>
+            </a:r>
+          </a:p>
+          <a:p>
+            <a:r>
+              <a:rPr lang="de-DE" sz="1000" dirty="0" smtClean="0"/>
+              <a:t>http</a:t>
+            </a:r>
+            <a:r>
+              <a:rPr lang="de-DE" sz="1000" dirty="0"/>
+              <a:t>://de.mathworks.com/help</a:t>
+            </a:r>
+            <a:r>
+              <a:rPr lang="de-DE" sz="1000" dirty="0" smtClean="0"/>
+              <a:t>/</a:t>
+            </a:r>
+          </a:p>
+          <a:p>
+            <a:r>
+              <a:rPr lang="de-DE" sz="1000" dirty="0" err="1" smtClean="0"/>
+              <a:t>matlab</a:t>
+            </a:r>
+            <a:r>
+              <a:rPr lang="de-DE" sz="1000" dirty="0" smtClean="0"/>
+              <a:t>/</a:t>
+            </a:r>
+            <a:r>
+              <a:rPr lang="de-DE" sz="1000" dirty="0" err="1" smtClean="0"/>
+              <a:t>ref</a:t>
+            </a:r>
+            <a:r>
+              <a:rPr lang="de-DE" sz="1000" dirty="0" smtClean="0"/>
+              <a:t>/besselj.html</a:t>
+            </a:r>
+            <a:endParaRPr lang="de-DE" sz="1000" dirty="0"/>
           </a:p>
         </p:txBody>
       </p:sp>
     </p:spTree>
     <p:extLst>
       <p:ext uri="{BB962C8B-B14F-4D97-AF65-F5344CB8AC3E}">
-        <p14:creationId xmlns:p14="http://schemas.microsoft.com/office/powerpoint/2010/main" val="1532789597"/>
+        <p14:creationId xmlns:p14="http://schemas.microsoft.com/office/powerpoint/2010/main" val="3906784120"/>
       </p:ext>
     </p:extLst>
   </p:cSld>
@@ -4396,7 +4622,11 @@
           <a:p>
             <a:r>
               <a:rPr lang="de-DE" dirty="0" smtClean="0"/>
-              <a:t>Spektrum der Feedbackschaltung</a:t>
+              <a:t>Vergleich: </a:t>
+            </a:r>
+            <a:r>
+              <a:rPr lang="de-DE" dirty="0" smtClean="0"/>
+              <a:t>Parallel- und Kaskadenschaltung</a:t>
             </a:r>
             <a:endParaRPr lang="de-DE" dirty="0"/>
           </a:p>
@@ -4426,8 +4656,8 @@
         </p:blipFill>
         <p:spPr>
           <a:xfrm>
-            <a:off x="-252536" y="1635646"/>
-            <a:ext cx="4997103" cy="2232248"/>
+            <a:off x="4355976" y="1558920"/>
+            <a:ext cx="5038398" cy="2250695"/>
           </a:xfrm>
         </p:spPr>
       </p:pic>
@@ -4448,7 +4678,7 @@
           <a:p>
             <a:fld id="{296000BE-0612-4D88-A1AC-FF1287139C2E}" type="datetime1">
               <a:rPr lang="de-DE" smtClean="0"/>
-              <a:t>20.06.2015</a:t>
+              <a:t>21.06.2015</a:t>
             </a:fld>
             <a:endParaRPr lang="de-DE" dirty="0"/>
           </a:p>
@@ -4526,6 +4756,886 @@
         </p:blipFill>
         <p:spPr>
           <a:xfrm>
+            <a:off x="-324544" y="1558920"/>
+            <a:ext cx="5112568" cy="2283827"/>
+          </a:xfrm>
+          <a:prstGeom prst="rect">
+            <a:avLst/>
+          </a:prstGeom>
+        </p:spPr>
+      </p:pic>
+    </p:spTree>
+    <p:extLst>
+      <p:ext uri="{BB962C8B-B14F-4D97-AF65-F5344CB8AC3E}">
+        <p14:creationId xmlns:p14="http://schemas.microsoft.com/office/powerpoint/2010/main" val="2915661372"/>
+      </p:ext>
+    </p:extLst>
+  </p:cSld>
+  <p:clrMapOvr>
+    <a:masterClrMapping/>
+  </p:clrMapOvr>
+  <p:timing>
+    <p:tnLst>
+      <p:par>
+        <p:cTn id="1" dur="indefinite" restart="never" nodeType="tmRoot"/>
+      </p:par>
+    </p:tnLst>
+  </p:timing>
+</p:sld>
+</file>
+
+<file path=ppt/slides/slide13.xml><?xml version="1.0" encoding="utf-8"?>
+<p:sld xmlns:a="http://schemas.openxmlformats.org/drawingml/2006/main" xmlns:r="http://schemas.openxmlformats.org/officeDocument/2006/relationships" xmlns:p="http://schemas.openxmlformats.org/presentationml/2006/main">
+  <p:cSld>
+    <p:spTree>
+      <p:nvGrpSpPr>
+        <p:cNvPr id="1" name=""/>
+        <p:cNvGrpSpPr/>
+        <p:nvPr/>
+      </p:nvGrpSpPr>
+      <p:grpSpPr>
+        <a:xfrm>
+          <a:off x="0" y="0"/>
+          <a:ext cx="0" cy="0"/>
+          <a:chOff x="0" y="0"/>
+          <a:chExt cx="0" cy="0"/>
+        </a:xfrm>
+      </p:grpSpPr>
+      <p:sp>
+        <p:nvSpPr>
+          <p:cNvPr id="2" name="Titel 1"/>
+          <p:cNvSpPr>
+            <a:spLocks noGrp="1"/>
+          </p:cNvSpPr>
+          <p:nvPr>
+            <p:ph type="title"/>
+          </p:nvPr>
+        </p:nvSpPr>
+        <p:spPr/>
+        <p:txBody>
+          <a:bodyPr/>
+          <a:lstStyle/>
+          <a:p>
+            <a:r>
+              <a:rPr lang="de-DE" dirty="0" smtClean="0"/>
+              <a:t>Feedbackschaltung</a:t>
+            </a:r>
+            <a:endParaRPr lang="de-DE" dirty="0"/>
+          </a:p>
+        </p:txBody>
+      </p:sp>
+      <p:sp>
+        <p:nvSpPr>
+          <p:cNvPr id="4" name="Datumsplatzhalter 3"/>
+          <p:cNvSpPr>
+            <a:spLocks noGrp="1"/>
+          </p:cNvSpPr>
+          <p:nvPr>
+            <p:ph type="dt" sz="half" idx="10"/>
+          </p:nvPr>
+        </p:nvSpPr>
+        <p:spPr/>
+        <p:txBody>
+          <a:bodyPr/>
+          <a:lstStyle/>
+          <a:p>
+            <a:fld id="{296000BE-0612-4D88-A1AC-FF1287139C2E}" type="datetime1">
+              <a:rPr lang="de-DE" smtClean="0"/>
+              <a:t>21.06.2015</a:t>
+            </a:fld>
+            <a:endParaRPr lang="de-DE" dirty="0"/>
+          </a:p>
+        </p:txBody>
+      </p:sp>
+      <p:sp>
+        <p:nvSpPr>
+          <p:cNvPr id="5" name="Fußzeilenplatzhalter 4"/>
+          <p:cNvSpPr>
+            <a:spLocks noGrp="1"/>
+          </p:cNvSpPr>
+          <p:nvPr>
+            <p:ph type="ftr" sz="quarter" idx="11"/>
+          </p:nvPr>
+        </p:nvSpPr>
+        <p:spPr/>
+        <p:txBody>
+          <a:bodyPr/>
+          <a:lstStyle/>
+          <a:p>
+            <a:r>
+              <a:rPr lang="de-DE" smtClean="0"/>
+              <a:t>FM-Synthese</a:t>
+            </a:r>
+            <a:endParaRPr lang="de-DE" dirty="0"/>
+          </a:p>
+        </p:txBody>
+      </p:sp>
+      <p:sp>
+        <p:nvSpPr>
+          <p:cNvPr id="6" name="Foliennummernplatzhalter 5"/>
+          <p:cNvSpPr>
+            <a:spLocks noGrp="1"/>
+          </p:cNvSpPr>
+          <p:nvPr>
+            <p:ph type="sldNum" sz="quarter" idx="12"/>
+          </p:nvPr>
+        </p:nvSpPr>
+        <p:spPr/>
+        <p:txBody>
+          <a:bodyPr/>
+          <a:lstStyle/>
+          <a:p>
+            <a:fld id="{8740CB20-F870-467D-84CE-AB32061190A1}" type="slidenum">
+              <a:rPr lang="en-US" smtClean="0"/>
+              <a:t>13</a:t>
+            </a:fld>
+            <a:r>
+              <a:rPr lang="de-DE" smtClean="0"/>
+              <a:t>   </a:t>
+            </a:r>
+            <a:endParaRPr lang="de-DE" dirty="0"/>
+          </a:p>
+        </p:txBody>
+      </p:sp>
+      <p:sp>
+        <p:nvSpPr>
+          <p:cNvPr id="10" name="Rechteck 9"/>
+          <p:cNvSpPr/>
+          <p:nvPr/>
+        </p:nvSpPr>
+        <p:spPr>
+          <a:xfrm>
+            <a:off x="6042708" y="1855586"/>
+            <a:ext cx="864096" cy="864096"/>
+          </a:xfrm>
+          <a:prstGeom prst="rect">
+            <a:avLst/>
+          </a:prstGeom>
+          <a:ln>
+            <a:solidFill>
+              <a:schemeClr val="accent1"/>
+            </a:solidFill>
+          </a:ln>
+        </p:spPr>
+        <p:style>
+          <a:lnRef idx="2">
+            <a:schemeClr val="accent1">
+              <a:shade val="50000"/>
+            </a:schemeClr>
+          </a:lnRef>
+          <a:fillRef idx="1">
+            <a:schemeClr val="accent1"/>
+          </a:fillRef>
+          <a:effectRef idx="0">
+            <a:schemeClr val="accent1"/>
+          </a:effectRef>
+          <a:fontRef idx="minor">
+            <a:schemeClr val="lt1"/>
+          </a:fontRef>
+        </p:style>
+        <p:txBody>
+          <a:bodyPr rtlCol="0" anchor="ctr"/>
+          <a:lstStyle/>
+          <a:p>
+            <a:pPr algn="ctr"/>
+            <a:r>
+              <a:rPr lang="de-DE" sz="3000" dirty="0" smtClean="0">
+                <a:ln w="0"/>
+                <a:solidFill>
+                  <a:schemeClr val="tx1"/>
+                </a:solidFill>
+                <a:effectLst>
+                  <a:outerShdw blurRad="38100" dist="19050" dir="2700000" algn="tl" rotWithShape="0">
+                    <a:schemeClr val="dk1">
+                      <a:alpha val="40000"/>
+                    </a:schemeClr>
+                  </a:outerShdw>
+                </a:effectLst>
+              </a:rPr>
+              <a:t>T</a:t>
+            </a:r>
+            <a:endParaRPr lang="de-DE" sz="3000" dirty="0">
+              <a:ln w="0"/>
+              <a:solidFill>
+                <a:schemeClr val="tx1"/>
+              </a:solidFill>
+              <a:effectLst>
+                <a:outerShdw blurRad="38100" dist="19050" dir="2700000" algn="tl" rotWithShape="0">
+                  <a:schemeClr val="dk1">
+                    <a:alpha val="40000"/>
+                  </a:schemeClr>
+                </a:outerShdw>
+              </a:effectLst>
+            </a:endParaRPr>
+          </a:p>
+        </p:txBody>
+      </p:sp>
+      <p:sp>
+        <p:nvSpPr>
+          <p:cNvPr id="17" name="Pfeil nach unten 16"/>
+          <p:cNvSpPr/>
+          <p:nvPr/>
+        </p:nvSpPr>
+        <p:spPr>
+          <a:xfrm>
+            <a:off x="6202797" y="2632131"/>
+            <a:ext cx="543918" cy="978408"/>
+          </a:xfrm>
+          <a:prstGeom prst="downArrow">
+            <a:avLst/>
+          </a:prstGeom>
+          <a:solidFill>
+            <a:schemeClr val="accent1"/>
+          </a:solidFill>
+          <a:ln>
+            <a:solidFill>
+              <a:schemeClr val="accent1"/>
+            </a:solidFill>
+          </a:ln>
+        </p:spPr>
+        <p:style>
+          <a:lnRef idx="2">
+            <a:schemeClr val="accent1">
+              <a:shade val="50000"/>
+            </a:schemeClr>
+          </a:lnRef>
+          <a:fillRef idx="1">
+            <a:schemeClr val="accent1"/>
+          </a:fillRef>
+          <a:effectRef idx="0">
+            <a:schemeClr val="accent1"/>
+          </a:effectRef>
+          <a:fontRef idx="minor">
+            <a:schemeClr val="lt1"/>
+          </a:fontRef>
+        </p:style>
+        <p:txBody>
+          <a:bodyPr rtlCol="0" anchor="ctr"/>
+          <a:lstStyle/>
+          <a:p>
+            <a:pPr algn="ctr"/>
+            <a:endParaRPr lang="de-DE"/>
+          </a:p>
+        </p:txBody>
+      </p:sp>
+      <p:sp>
+        <p:nvSpPr>
+          <p:cNvPr id="13" name="Pfeil nach rechts 12"/>
+          <p:cNvSpPr/>
+          <p:nvPr/>
+        </p:nvSpPr>
+        <p:spPr>
+          <a:xfrm>
+            <a:off x="6536701" y="2707916"/>
+            <a:ext cx="1080120" cy="460354"/>
+          </a:xfrm>
+          <a:prstGeom prst="rightArrow">
+            <a:avLst/>
+          </a:prstGeom>
+          <a:solidFill>
+            <a:schemeClr val="accent1"/>
+          </a:solidFill>
+          <a:ln>
+            <a:solidFill>
+              <a:schemeClr val="accent1"/>
+            </a:solidFill>
+          </a:ln>
+        </p:spPr>
+        <p:style>
+          <a:lnRef idx="2">
+            <a:schemeClr val="accent1">
+              <a:shade val="50000"/>
+            </a:schemeClr>
+          </a:lnRef>
+          <a:fillRef idx="1">
+            <a:schemeClr val="accent1"/>
+          </a:fillRef>
+          <a:effectRef idx="0">
+            <a:schemeClr val="accent1"/>
+          </a:effectRef>
+          <a:fontRef idx="minor">
+            <a:schemeClr val="lt1"/>
+          </a:fontRef>
+        </p:style>
+        <p:txBody>
+          <a:bodyPr rtlCol="0" anchor="ctr"/>
+          <a:lstStyle/>
+          <a:p>
+            <a:pPr algn="ctr"/>
+            <a:endParaRPr lang="de-DE"/>
+          </a:p>
+        </p:txBody>
+      </p:sp>
+      <p:sp>
+        <p:nvSpPr>
+          <p:cNvPr id="16" name="Pfeil nach unten 15"/>
+          <p:cNvSpPr/>
+          <p:nvPr/>
+        </p:nvSpPr>
+        <p:spPr>
+          <a:xfrm rot="10800000">
+            <a:off x="7252050" y="2141566"/>
+            <a:ext cx="472561" cy="920362"/>
+          </a:xfrm>
+          <a:prstGeom prst="downArrow">
+            <a:avLst/>
+          </a:prstGeom>
+          <a:solidFill>
+            <a:schemeClr val="accent1">
+              <a:lumMod val="75000"/>
+            </a:schemeClr>
+          </a:solidFill>
+          <a:ln>
+            <a:solidFill>
+              <a:schemeClr val="accent1">
+                <a:lumMod val="75000"/>
+              </a:schemeClr>
+            </a:solidFill>
+          </a:ln>
+        </p:spPr>
+        <p:style>
+          <a:lnRef idx="2">
+            <a:schemeClr val="accent1">
+              <a:shade val="50000"/>
+            </a:schemeClr>
+          </a:lnRef>
+          <a:fillRef idx="1">
+            <a:schemeClr val="accent1"/>
+          </a:fillRef>
+          <a:effectRef idx="0">
+            <a:schemeClr val="accent1"/>
+          </a:effectRef>
+          <a:fontRef idx="minor">
+            <a:schemeClr val="lt1"/>
+          </a:fontRef>
+        </p:style>
+        <p:txBody>
+          <a:bodyPr rtlCol="0" anchor="ctr"/>
+          <a:lstStyle/>
+          <a:p>
+            <a:pPr algn="ctr"/>
+            <a:endParaRPr lang="de-DE"/>
+          </a:p>
+        </p:txBody>
+      </p:sp>
+      <p:sp>
+        <p:nvSpPr>
+          <p:cNvPr id="18" name="Pfeil nach rechts 17"/>
+          <p:cNvSpPr/>
+          <p:nvPr/>
+        </p:nvSpPr>
+        <p:spPr>
+          <a:xfrm rot="10800000">
+            <a:off x="6746715" y="2050875"/>
+            <a:ext cx="881448" cy="458593"/>
+          </a:xfrm>
+          <a:prstGeom prst="rightArrow">
+            <a:avLst/>
+          </a:prstGeom>
+          <a:solidFill>
+            <a:schemeClr val="accent1">
+              <a:lumMod val="75000"/>
+            </a:schemeClr>
+          </a:solidFill>
+          <a:ln>
+            <a:solidFill>
+              <a:schemeClr val="accent1">
+                <a:lumMod val="75000"/>
+              </a:schemeClr>
+            </a:solidFill>
+          </a:ln>
+        </p:spPr>
+        <p:style>
+          <a:lnRef idx="2">
+            <a:schemeClr val="accent1">
+              <a:shade val="50000"/>
+            </a:schemeClr>
+          </a:lnRef>
+          <a:fillRef idx="1">
+            <a:schemeClr val="accent1"/>
+          </a:fillRef>
+          <a:effectRef idx="0">
+            <a:schemeClr val="accent1"/>
+          </a:effectRef>
+          <a:fontRef idx="minor">
+            <a:schemeClr val="lt1"/>
+          </a:fontRef>
+        </p:style>
+        <p:txBody>
+          <a:bodyPr rtlCol="0" anchor="ctr"/>
+          <a:lstStyle/>
+          <a:p>
+            <a:pPr algn="ctr"/>
+            <a:endParaRPr lang="de-DE"/>
+          </a:p>
+        </p:txBody>
+      </p:sp>
+      <p:sp>
+        <p:nvSpPr>
+          <p:cNvPr id="19" name="Rechteck 18"/>
+          <p:cNvSpPr/>
+          <p:nvPr/>
+        </p:nvSpPr>
+        <p:spPr>
+          <a:xfrm>
+            <a:off x="7628163" y="1562175"/>
+            <a:ext cx="589384" cy="2016224"/>
+          </a:xfrm>
+          <a:prstGeom prst="rect">
+            <a:avLst/>
+          </a:prstGeom>
+          <a:solidFill>
+            <a:schemeClr val="bg1"/>
+          </a:solidFill>
+          <a:ln>
+            <a:solidFill>
+              <a:schemeClr val="bg1"/>
+            </a:solidFill>
+          </a:ln>
+        </p:spPr>
+        <p:style>
+          <a:lnRef idx="2">
+            <a:schemeClr val="accent1">
+              <a:shade val="50000"/>
+            </a:schemeClr>
+          </a:lnRef>
+          <a:fillRef idx="1">
+            <a:schemeClr val="accent1"/>
+          </a:fillRef>
+          <a:effectRef idx="0">
+            <a:schemeClr val="accent1"/>
+          </a:effectRef>
+          <a:fontRef idx="minor">
+            <a:schemeClr val="lt1"/>
+          </a:fontRef>
+        </p:style>
+        <p:txBody>
+          <a:bodyPr rtlCol="0" anchor="ctr"/>
+          <a:lstStyle/>
+          <a:p>
+            <a:pPr algn="ctr"/>
+            <a:endParaRPr lang="de-DE"/>
+          </a:p>
+        </p:txBody>
+      </p:sp>
+      <p:sp>
+        <p:nvSpPr>
+          <p:cNvPr id="20" name="Rechteck 19"/>
+          <p:cNvSpPr/>
+          <p:nvPr/>
+        </p:nvSpPr>
+        <p:spPr>
+          <a:xfrm>
+            <a:off x="7083344" y="3080694"/>
+            <a:ext cx="1008112" cy="284600"/>
+          </a:xfrm>
+          <a:prstGeom prst="rect">
+            <a:avLst/>
+          </a:prstGeom>
+          <a:solidFill>
+            <a:schemeClr val="bg1"/>
+          </a:solidFill>
+          <a:ln>
+            <a:solidFill>
+              <a:schemeClr val="bg1"/>
+            </a:solidFill>
+          </a:ln>
+        </p:spPr>
+        <p:style>
+          <a:lnRef idx="2">
+            <a:schemeClr val="accent1">
+              <a:shade val="50000"/>
+            </a:schemeClr>
+          </a:lnRef>
+          <a:fillRef idx="1">
+            <a:schemeClr val="accent1"/>
+          </a:fillRef>
+          <a:effectRef idx="0">
+            <a:schemeClr val="accent1"/>
+          </a:effectRef>
+          <a:fontRef idx="minor">
+            <a:schemeClr val="lt1"/>
+          </a:fontRef>
+        </p:style>
+        <p:txBody>
+          <a:bodyPr rtlCol="0" anchor="ctr"/>
+          <a:lstStyle/>
+          <a:p>
+            <a:pPr algn="ctr"/>
+            <a:endParaRPr lang="de-DE"/>
+          </a:p>
+        </p:txBody>
+      </p:sp>
+      <p:sp>
+        <p:nvSpPr>
+          <p:cNvPr id="21" name="Rechteck 20"/>
+          <p:cNvSpPr/>
+          <p:nvPr/>
+        </p:nvSpPr>
+        <p:spPr>
+          <a:xfrm>
+            <a:off x="7001045" y="1988961"/>
+            <a:ext cx="869890" cy="175791"/>
+          </a:xfrm>
+          <a:prstGeom prst="rect">
+            <a:avLst/>
+          </a:prstGeom>
+          <a:solidFill>
+            <a:schemeClr val="bg1"/>
+          </a:solidFill>
+          <a:ln>
+            <a:solidFill>
+              <a:schemeClr val="bg1"/>
+            </a:solidFill>
+          </a:ln>
+        </p:spPr>
+        <p:style>
+          <a:lnRef idx="2">
+            <a:schemeClr val="accent1">
+              <a:shade val="50000"/>
+            </a:schemeClr>
+          </a:lnRef>
+          <a:fillRef idx="1">
+            <a:schemeClr val="accent1"/>
+          </a:fillRef>
+          <a:effectRef idx="0">
+            <a:schemeClr val="accent1"/>
+          </a:effectRef>
+          <a:fontRef idx="minor">
+            <a:schemeClr val="lt1"/>
+          </a:fontRef>
+        </p:style>
+        <p:txBody>
+          <a:bodyPr rtlCol="0" anchor="ctr"/>
+          <a:lstStyle/>
+          <a:p>
+            <a:pPr algn="ctr"/>
+            <a:endParaRPr lang="de-DE"/>
+          </a:p>
+        </p:txBody>
+      </p:sp>
+      <p:pic>
+        <p:nvPicPr>
+          <p:cNvPr id="3" name="Grafik 2"/>
+          <p:cNvPicPr>
+            <a:picLocks noChangeAspect="1"/>
+          </p:cNvPicPr>
+          <p:nvPr/>
+        </p:nvPicPr>
+        <p:blipFill>
+          <a:blip r:embed="rId2">
+            <a:extLst>
+              <a:ext uri="{28A0092B-C50C-407E-A947-70E740481C1C}">
+                <a14:useLocalDpi xmlns:a14="http://schemas.microsoft.com/office/drawing/2010/main" val="0"/>
+              </a:ext>
+            </a:extLst>
+          </a:blip>
+          <a:stretch>
+            <a:fillRect/>
+          </a:stretch>
+        </p:blipFill>
+        <p:spPr>
+          <a:xfrm>
+            <a:off x="385888" y="1562175"/>
+            <a:ext cx="5216096" cy="514681"/>
+          </a:xfrm>
+          <a:prstGeom prst="rect">
+            <a:avLst/>
+          </a:prstGeom>
+        </p:spPr>
+      </p:pic>
+      <p:pic>
+        <p:nvPicPr>
+          <p:cNvPr id="7" name="Grafik 6"/>
+          <p:cNvPicPr>
+            <a:picLocks noChangeAspect="1"/>
+          </p:cNvPicPr>
+          <p:nvPr/>
+        </p:nvPicPr>
+        <p:blipFill>
+          <a:blip r:embed="rId3">
+            <a:extLst>
+              <a:ext uri="{28A0092B-C50C-407E-A947-70E740481C1C}">
+                <a14:useLocalDpi xmlns:a14="http://schemas.microsoft.com/office/drawing/2010/main" val="0"/>
+              </a:ext>
+            </a:extLst>
+          </a:blip>
+          <a:stretch>
+            <a:fillRect/>
+          </a:stretch>
+        </p:blipFill>
+        <p:spPr>
+          <a:xfrm>
+            <a:off x="3016751" y="2140827"/>
+            <a:ext cx="2610214" cy="552527"/>
+          </a:xfrm>
+          <a:prstGeom prst="rect">
+            <a:avLst/>
+          </a:prstGeom>
+        </p:spPr>
+      </p:pic>
+      <p:pic>
+        <p:nvPicPr>
+          <p:cNvPr id="8" name="Grafik 7"/>
+          <p:cNvPicPr>
+            <a:picLocks noChangeAspect="1"/>
+          </p:cNvPicPr>
+          <p:nvPr/>
+        </p:nvPicPr>
+        <p:blipFill>
+          <a:blip r:embed="rId4">
+            <a:extLst>
+              <a:ext uri="{28A0092B-C50C-407E-A947-70E740481C1C}">
+                <a14:useLocalDpi xmlns:a14="http://schemas.microsoft.com/office/drawing/2010/main" val="0"/>
+              </a:ext>
+            </a:extLst>
+          </a:blip>
+          <a:stretch>
+            <a:fillRect/>
+          </a:stretch>
+        </p:blipFill>
+        <p:spPr>
+          <a:xfrm>
+            <a:off x="-1216036" y="3121335"/>
+            <a:ext cx="4420217" cy="819264"/>
+          </a:xfrm>
+          <a:prstGeom prst="rect">
+            <a:avLst/>
+          </a:prstGeom>
+        </p:spPr>
+      </p:pic>
+      <p:sp>
+        <p:nvSpPr>
+          <p:cNvPr id="9" name="Rechteck 8"/>
+          <p:cNvSpPr/>
+          <p:nvPr/>
+        </p:nvSpPr>
+        <p:spPr>
+          <a:xfrm>
+            <a:off x="-900608" y="3325141"/>
+            <a:ext cx="1601924" cy="506516"/>
+          </a:xfrm>
+          <a:prstGeom prst="rect">
+            <a:avLst/>
+          </a:prstGeom>
+          <a:solidFill>
+            <a:schemeClr val="bg1"/>
+          </a:solidFill>
+          <a:ln>
+            <a:solidFill>
+              <a:schemeClr val="bg1"/>
+            </a:solidFill>
+          </a:ln>
+        </p:spPr>
+        <p:style>
+          <a:lnRef idx="2">
+            <a:schemeClr val="accent1">
+              <a:shade val="50000"/>
+            </a:schemeClr>
+          </a:lnRef>
+          <a:fillRef idx="1">
+            <a:schemeClr val="accent1"/>
+          </a:fillRef>
+          <a:effectRef idx="0">
+            <a:schemeClr val="accent1"/>
+          </a:effectRef>
+          <a:fontRef idx="minor">
+            <a:schemeClr val="lt1"/>
+          </a:fontRef>
+        </p:style>
+        <p:txBody>
+          <a:bodyPr rtlCol="0" anchor="ctr"/>
+          <a:lstStyle/>
+          <a:p>
+            <a:pPr algn="ctr"/>
+            <a:endParaRPr lang="de-DE"/>
+          </a:p>
+        </p:txBody>
+      </p:sp>
+    </p:spTree>
+    <p:extLst>
+      <p:ext uri="{BB962C8B-B14F-4D97-AF65-F5344CB8AC3E}">
+        <p14:creationId xmlns:p14="http://schemas.microsoft.com/office/powerpoint/2010/main" val="1532789597"/>
+      </p:ext>
+    </p:extLst>
+  </p:cSld>
+  <p:clrMapOvr>
+    <a:masterClrMapping/>
+  </p:clrMapOvr>
+  <p:timing>
+    <p:tnLst>
+      <p:par>
+        <p:cTn id="1" dur="indefinite" restart="never" nodeType="tmRoot"/>
+      </p:par>
+    </p:tnLst>
+  </p:timing>
+</p:sld>
+</file>
+
+<file path=ppt/slides/slide14.xml><?xml version="1.0" encoding="utf-8"?>
+<p:sld xmlns:a="http://schemas.openxmlformats.org/drawingml/2006/main" xmlns:r="http://schemas.openxmlformats.org/officeDocument/2006/relationships" xmlns:p="http://schemas.openxmlformats.org/presentationml/2006/main">
+  <p:cSld>
+    <p:spTree>
+      <p:nvGrpSpPr>
+        <p:cNvPr id="1" name=""/>
+        <p:cNvGrpSpPr/>
+        <p:nvPr/>
+      </p:nvGrpSpPr>
+      <p:grpSpPr>
+        <a:xfrm>
+          <a:off x="0" y="0"/>
+          <a:ext cx="0" cy="0"/>
+          <a:chOff x="0" y="0"/>
+          <a:chExt cx="0" cy="0"/>
+        </a:xfrm>
+      </p:grpSpPr>
+      <p:sp>
+        <p:nvSpPr>
+          <p:cNvPr id="2" name="Titel 1"/>
+          <p:cNvSpPr>
+            <a:spLocks noGrp="1"/>
+          </p:cNvSpPr>
+          <p:nvPr>
+            <p:ph type="title"/>
+          </p:nvPr>
+        </p:nvSpPr>
+        <p:spPr/>
+        <p:txBody>
+          <a:bodyPr/>
+          <a:lstStyle/>
+          <a:p>
+            <a:r>
+              <a:rPr lang="de-DE" dirty="0" smtClean="0"/>
+              <a:t>Spektrum der Feedbackschaltung</a:t>
+            </a:r>
+            <a:endParaRPr lang="de-DE" dirty="0"/>
+          </a:p>
+        </p:txBody>
+      </p:sp>
+      <p:pic>
+        <p:nvPicPr>
+          <p:cNvPr id="7" name="Inhaltsplatzhalter 6"/>
+          <p:cNvPicPr>
+            <a:picLocks noGrp="1" noChangeAspect="1"/>
+          </p:cNvPicPr>
+          <p:nvPr>
+            <p:ph idx="1"/>
+          </p:nvPr>
+        </p:nvPicPr>
+        <p:blipFill>
+          <a:blip r:embed="rId2" cstate="print">
+            <a:extLst>
+              <a:ext uri="{28A0092B-C50C-407E-A947-70E740481C1C}">
+                <a14:useLocalDpi xmlns:a14="http://schemas.microsoft.com/office/drawing/2010/main" val="0"/>
+              </a:ext>
+            </a:extLst>
+          </a:blip>
+          <a:stretch>
+            <a:fillRect/>
+          </a:stretch>
+        </p:blipFill>
+        <p:spPr>
+          <a:xfrm>
+            <a:off x="-252536" y="1635646"/>
+            <a:ext cx="4997103" cy="2232248"/>
+          </a:xfrm>
+        </p:spPr>
+      </p:pic>
+      <p:sp>
+        <p:nvSpPr>
+          <p:cNvPr id="4" name="Datumsplatzhalter 3"/>
+          <p:cNvSpPr>
+            <a:spLocks noGrp="1"/>
+          </p:cNvSpPr>
+          <p:nvPr>
+            <p:ph type="dt" sz="half" idx="10"/>
+          </p:nvPr>
+        </p:nvSpPr>
+        <p:spPr/>
+        <p:txBody>
+          <a:bodyPr/>
+          <a:lstStyle/>
+          <a:p>
+            <a:fld id="{296000BE-0612-4D88-A1AC-FF1287139C2E}" type="datetime1">
+              <a:rPr lang="de-DE" smtClean="0"/>
+              <a:t>21.06.2015</a:t>
+            </a:fld>
+            <a:endParaRPr lang="de-DE" dirty="0"/>
+          </a:p>
+        </p:txBody>
+      </p:sp>
+      <p:sp>
+        <p:nvSpPr>
+          <p:cNvPr id="5" name="Fußzeilenplatzhalter 4"/>
+          <p:cNvSpPr>
+            <a:spLocks noGrp="1"/>
+          </p:cNvSpPr>
+          <p:nvPr>
+            <p:ph type="ftr" sz="quarter" idx="11"/>
+          </p:nvPr>
+        </p:nvSpPr>
+        <p:spPr/>
+        <p:txBody>
+          <a:bodyPr/>
+          <a:lstStyle/>
+          <a:p>
+            <a:r>
+              <a:rPr lang="de-DE" smtClean="0"/>
+              <a:t>FM-Synthese</a:t>
+            </a:r>
+            <a:endParaRPr lang="de-DE" dirty="0"/>
+          </a:p>
+        </p:txBody>
+      </p:sp>
+      <p:sp>
+        <p:nvSpPr>
+          <p:cNvPr id="6" name="Foliennummernplatzhalter 5"/>
+          <p:cNvSpPr>
+            <a:spLocks noGrp="1"/>
+          </p:cNvSpPr>
+          <p:nvPr>
+            <p:ph type="sldNum" sz="quarter" idx="12"/>
+          </p:nvPr>
+        </p:nvSpPr>
+        <p:spPr/>
+        <p:txBody>
+          <a:bodyPr/>
+          <a:lstStyle/>
+          <a:p>
+            <a:fld id="{8740CB20-F870-467D-84CE-AB32061190A1}" type="slidenum">
+              <a:rPr lang="en-US" smtClean="0"/>
+              <a:t>14</a:t>
+            </a:fld>
+            <a:r>
+              <a:rPr lang="de-DE" smtClean="0"/>
+              <a:t>   </a:t>
+            </a:r>
+            <a:endParaRPr lang="de-DE" dirty="0"/>
+          </a:p>
+        </p:txBody>
+      </p:sp>
+      <p:pic>
+        <p:nvPicPr>
+          <p:cNvPr id="8" name="Grafik 7"/>
+          <p:cNvPicPr>
+            <a:picLocks noChangeAspect="1"/>
+          </p:cNvPicPr>
+          <p:nvPr/>
+        </p:nvPicPr>
+        <p:blipFill>
+          <a:blip r:embed="rId3" cstate="print">
+            <a:extLst>
+              <a:ext uri="{28A0092B-C50C-407E-A947-70E740481C1C}">
+                <a14:useLocalDpi xmlns:a14="http://schemas.microsoft.com/office/drawing/2010/main" val="0"/>
+              </a:ext>
+            </a:extLst>
+          </a:blip>
+          <a:stretch>
+            <a:fillRect/>
+          </a:stretch>
+        </p:blipFill>
+        <p:spPr>
+          <a:xfrm>
             <a:off x="4427983" y="1639568"/>
             <a:ext cx="4988323" cy="2228326"/>
           </a:xfrm>
@@ -4538,6 +5648,168 @@
     <p:extLst>
       <p:ext uri="{BB962C8B-B14F-4D97-AF65-F5344CB8AC3E}">
         <p14:creationId xmlns:p14="http://schemas.microsoft.com/office/powerpoint/2010/main" val="1929486445"/>
+      </p:ext>
+    </p:extLst>
+  </p:cSld>
+  <p:clrMapOvr>
+    <a:masterClrMapping/>
+  </p:clrMapOvr>
+  <p:timing>
+    <p:tnLst>
+      <p:par>
+        <p:cTn id="1" dur="indefinite" restart="never" nodeType="tmRoot"/>
+      </p:par>
+    </p:tnLst>
+  </p:timing>
+</p:sld>
+</file>
+
+<file path=ppt/slides/slide15.xml><?xml version="1.0" encoding="utf-8"?>
+<p:sld xmlns:a="http://schemas.openxmlformats.org/drawingml/2006/main" xmlns:r="http://schemas.openxmlformats.org/officeDocument/2006/relationships" xmlns:p="http://schemas.openxmlformats.org/presentationml/2006/main">
+  <p:cSld>
+    <p:spTree>
+      <p:nvGrpSpPr>
+        <p:cNvPr id="1" name=""/>
+        <p:cNvGrpSpPr/>
+        <p:nvPr/>
+      </p:nvGrpSpPr>
+      <p:grpSpPr>
+        <a:xfrm>
+          <a:off x="0" y="0"/>
+          <a:ext cx="0" cy="0"/>
+          <a:chOff x="0" y="0"/>
+          <a:chExt cx="0" cy="0"/>
+        </a:xfrm>
+      </p:grpSpPr>
+      <p:sp>
+        <p:nvSpPr>
+          <p:cNvPr id="2" name="Titel 1"/>
+          <p:cNvSpPr>
+            <a:spLocks noGrp="1"/>
+          </p:cNvSpPr>
+          <p:nvPr>
+            <p:ph type="title"/>
+          </p:nvPr>
+        </p:nvSpPr>
+        <p:spPr/>
+        <p:txBody>
+          <a:bodyPr/>
+          <a:lstStyle/>
+          <a:p>
+            <a:r>
+              <a:rPr lang="de-DE" dirty="0" smtClean="0"/>
+              <a:t>Praxisbeispiel: Modulationsmatrix FM8</a:t>
+            </a:r>
+            <a:endParaRPr lang="de-DE" dirty="0"/>
+          </a:p>
+        </p:txBody>
+      </p:sp>
+      <p:pic>
+        <p:nvPicPr>
+          <p:cNvPr id="7" name="Inhaltsplatzhalter 6"/>
+          <p:cNvPicPr>
+            <a:picLocks noGrp="1" noChangeAspect="1"/>
+          </p:cNvPicPr>
+          <p:nvPr>
+            <p:ph idx="1"/>
+          </p:nvPr>
+        </p:nvPicPr>
+        <p:blipFill>
+          <a:blip r:embed="rId2">
+            <a:extLst>
+              <a:ext uri="{28A0092B-C50C-407E-A947-70E740481C1C}">
+                <a14:useLocalDpi xmlns:a14="http://schemas.microsoft.com/office/drawing/2010/main" val="0"/>
+              </a:ext>
+            </a:extLst>
+          </a:blip>
+          <a:stretch>
+            <a:fillRect/>
+          </a:stretch>
+        </p:blipFill>
+        <p:spPr>
+          <a:xfrm>
+            <a:off x="1547664" y="987574"/>
+            <a:ext cx="6112528" cy="3606651"/>
+          </a:xfrm>
+        </p:spPr>
+      </p:pic>
+      <p:sp>
+        <p:nvSpPr>
+          <p:cNvPr id="4" name="Datumsplatzhalter 3"/>
+          <p:cNvSpPr>
+            <a:spLocks noGrp="1"/>
+          </p:cNvSpPr>
+          <p:nvPr>
+            <p:ph type="dt" sz="half" idx="10"/>
+          </p:nvPr>
+        </p:nvSpPr>
+        <p:spPr/>
+        <p:txBody>
+          <a:bodyPr/>
+          <a:lstStyle/>
+          <a:p>
+            <a:fld id="{296000BE-0612-4D88-A1AC-FF1287139C2E}" type="datetime1">
+              <a:rPr lang="de-DE" smtClean="0"/>
+              <a:t>21.06.2015</a:t>
+            </a:fld>
+            <a:endParaRPr lang="de-DE" dirty="0"/>
+          </a:p>
+        </p:txBody>
+      </p:sp>
+      <p:sp>
+        <p:nvSpPr>
+          <p:cNvPr id="5" name="Fußzeilenplatzhalter 4"/>
+          <p:cNvSpPr>
+            <a:spLocks noGrp="1"/>
+          </p:cNvSpPr>
+          <p:nvPr>
+            <p:ph type="ftr" sz="quarter" idx="11"/>
+          </p:nvPr>
+        </p:nvSpPr>
+        <p:spPr/>
+        <p:txBody>
+          <a:bodyPr/>
+          <a:lstStyle/>
+          <a:p>
+            <a:r>
+              <a:rPr lang="de-DE" smtClean="0"/>
+              <a:t>FM-Synthese</a:t>
+            </a:r>
+            <a:endParaRPr lang="de-DE" dirty="0"/>
+          </a:p>
+        </p:txBody>
+      </p:sp>
+      <p:sp>
+        <p:nvSpPr>
+          <p:cNvPr id="6" name="Foliennummernplatzhalter 5"/>
+          <p:cNvSpPr>
+            <a:spLocks noGrp="1"/>
+          </p:cNvSpPr>
+          <p:nvPr>
+            <p:ph type="sldNum" sz="quarter" idx="12"/>
+          </p:nvPr>
+        </p:nvSpPr>
+        <p:spPr/>
+        <p:txBody>
+          <a:bodyPr/>
+          <a:lstStyle/>
+          <a:p>
+            <a:fld id="{8740CB20-F870-467D-84CE-AB32061190A1}" type="slidenum">
+              <a:rPr lang="en-US" smtClean="0"/>
+              <a:t>15</a:t>
+            </a:fld>
+            <a:r>
+              <a:rPr lang="de-DE" smtClean="0"/>
+              <a:t>   </a:t>
+            </a:r>
+            <a:endParaRPr lang="de-DE" dirty="0"/>
+          </a:p>
+        </p:txBody>
+      </p:sp>
+    </p:spTree>
+    <p:extLst>
+      <p:ext uri="{BB962C8B-B14F-4D97-AF65-F5344CB8AC3E}">
+        <p14:creationId xmlns:p14="http://schemas.microsoft.com/office/powerpoint/2010/main" val="1320970226"/>
       </p:ext>
     </p:extLst>
   </p:cSld>
@@ -4673,7 +5945,7 @@
           <a:p>
             <a:fld id="{ADBF581A-36B1-4C7D-8A13-2529E78B81D4}" type="datetime1">
               <a:rPr lang="de-DE" smtClean="0"/>
-              <a:t>20.06.2015</a:t>
+              <a:t>21.06.2015</a:t>
             </a:fld>
             <a:endParaRPr lang="de-DE"/>
           </a:p>
@@ -4785,7 +6057,14 @@
           <a:p>
             <a:r>
               <a:rPr lang="de-DE" dirty="0" smtClean="0"/>
-              <a:t>Parallelschaltung</a:t>
+              <a:t>Parallelschaltung: </a:t>
+            </a:r>
+            <a:br>
+              <a:rPr lang="de-DE" dirty="0" smtClean="0"/>
+            </a:br>
+            <a:r>
+              <a:rPr lang="de-DE" dirty="0" smtClean="0"/>
+              <a:t>2 Träger mit jeweils eigenem Modulator</a:t>
             </a:r>
             <a:endParaRPr lang="de-DE" dirty="0"/>
           </a:p>
@@ -4809,7 +6088,7 @@
         </p:blipFill>
         <p:spPr>
           <a:xfrm rot="4551629">
-            <a:off x="6119668" y="3101242"/>
+            <a:off x="6264940" y="3350830"/>
             <a:ext cx="993734" cy="1146147"/>
           </a:xfrm>
           <a:prstGeom prst="rect">
@@ -4834,7 +6113,7 @@
           <a:p>
             <a:fld id="{296000BE-0612-4D88-A1AC-FF1287139C2E}" type="datetime1">
               <a:rPr lang="de-DE" smtClean="0"/>
-              <a:t>20.06.2015</a:t>
+              <a:t>21.06.2015</a:t>
             </a:fld>
             <a:endParaRPr lang="de-DE" dirty="0"/>
           </a:p>
@@ -4898,7 +6177,7 @@
         </p:nvSpPr>
         <p:spPr>
           <a:xfrm>
-            <a:off x="4930784" y="2450068"/>
+            <a:off x="5076056" y="2699656"/>
             <a:ext cx="864096" cy="864096"/>
           </a:xfrm>
           <a:prstGeom prst="rect">
@@ -4971,7 +6250,7 @@
         </p:nvSpPr>
         <p:spPr>
           <a:xfrm>
-            <a:off x="6732240" y="2450068"/>
+            <a:off x="6877512" y="2699656"/>
             <a:ext cx="864096" cy="864096"/>
           </a:xfrm>
           <a:prstGeom prst="rect">
@@ -5044,7 +6323,7 @@
         </p:nvSpPr>
         <p:spPr>
           <a:xfrm>
-            <a:off x="6921972" y="1660996"/>
+            <a:off x="7067244" y="1910584"/>
             <a:ext cx="484632" cy="978408"/>
           </a:xfrm>
           <a:prstGeom prst="downArrow">
@@ -5092,7 +6371,7 @@
         </p:nvSpPr>
         <p:spPr>
           <a:xfrm rot="19285559">
-            <a:off x="5697130" y="3059216"/>
+            <a:off x="5842402" y="3308804"/>
             <a:ext cx="484632" cy="1323423"/>
           </a:xfrm>
           <a:prstGeom prst="downArrow">
@@ -5140,7 +6419,7 @@
         </p:nvSpPr>
         <p:spPr>
           <a:xfrm>
-            <a:off x="5684266" y="3853530"/>
+            <a:off x="5829538" y="4103118"/>
             <a:ext cx="1153228" cy="978408"/>
           </a:xfrm>
           <a:prstGeom prst="downArrow">
@@ -5176,7 +6455,19 @@
           <a:lstStyle/>
           <a:p>
             <a:pPr algn="ctr"/>
-            <a:endParaRPr lang="de-DE"/>
+            <a:r>
+              <a:rPr lang="de-DE" sz="3000" dirty="0" smtClean="0">
+                <a:solidFill>
+                  <a:schemeClr val="tx1"/>
+                </a:solidFill>
+              </a:rPr>
+              <a:t>+</a:t>
+            </a:r>
+            <a:endParaRPr lang="de-DE" sz="3000" dirty="0">
+              <a:solidFill>
+                <a:schemeClr val="tx1"/>
+              </a:solidFill>
+            </a:endParaRPr>
           </a:p>
         </p:txBody>
       </p:sp>
@@ -5188,7 +6479,7 @@
         </p:nvSpPr>
         <p:spPr>
           <a:xfrm>
-            <a:off x="5120516" y="1660996"/>
+            <a:off x="5265788" y="1910584"/>
             <a:ext cx="484632" cy="978408"/>
           </a:xfrm>
           <a:prstGeom prst="downArrow">
@@ -5236,7 +6527,7 @@
         </p:nvSpPr>
         <p:spPr>
           <a:xfrm>
-            <a:off x="4930784" y="1098026"/>
+            <a:off x="5076056" y="1347614"/>
             <a:ext cx="864096" cy="864096"/>
           </a:xfrm>
           <a:prstGeom prst="rect">
@@ -5312,7 +6603,7 @@
         </p:nvSpPr>
         <p:spPr>
           <a:xfrm>
-            <a:off x="6732240" y="1098026"/>
+            <a:off x="6877512" y="1347614"/>
             <a:ext cx="864096" cy="864096"/>
           </a:xfrm>
           <a:prstGeom prst="rect">
@@ -5377,6 +6668,96 @@
                 </a:outerShdw>
               </a:effectLst>
             </a:endParaRPr>
+          </a:p>
+        </p:txBody>
+      </p:sp>
+      <p:pic>
+        <p:nvPicPr>
+          <p:cNvPr id="14" name="Grafik 13"/>
+          <p:cNvPicPr>
+            <a:picLocks noChangeAspect="1"/>
+          </p:cNvPicPr>
+          <p:nvPr/>
+        </p:nvPicPr>
+        <p:blipFill>
+          <a:blip r:embed="rId3">
+            <a:extLst>
+              <a:ext uri="{28A0092B-C50C-407E-A947-70E740481C1C}">
+                <a14:useLocalDpi xmlns:a14="http://schemas.microsoft.com/office/drawing/2010/main" val="0"/>
+              </a:ext>
+            </a:extLst>
+          </a:blip>
+          <a:stretch>
+            <a:fillRect/>
+          </a:stretch>
+        </p:blipFill>
+        <p:spPr>
+          <a:xfrm>
+            <a:off x="534679" y="3016835"/>
+            <a:ext cx="3789237" cy="982723"/>
+          </a:xfrm>
+          <a:prstGeom prst="rect">
+            <a:avLst/>
+          </a:prstGeom>
+        </p:spPr>
+      </p:pic>
+      <p:pic>
+        <p:nvPicPr>
+          <p:cNvPr id="15" name="Grafik 14"/>
+          <p:cNvPicPr>
+            <a:picLocks noChangeAspect="1"/>
+          </p:cNvPicPr>
+          <p:nvPr/>
+        </p:nvPicPr>
+        <p:blipFill>
+          <a:blip r:embed="rId4">
+            <a:extLst>
+              <a:ext uri="{28A0092B-C50C-407E-A947-70E740481C1C}">
+                <a14:useLocalDpi xmlns:a14="http://schemas.microsoft.com/office/drawing/2010/main" val="0"/>
+              </a:ext>
+            </a:extLst>
+          </a:blip>
+          <a:stretch>
+            <a:fillRect/>
+          </a:stretch>
+        </p:blipFill>
+        <p:spPr>
+          <a:xfrm>
+            <a:off x="132155" y="2307480"/>
+            <a:ext cx="2856993" cy="788429"/>
+          </a:xfrm>
+          <a:prstGeom prst="rect">
+            <a:avLst/>
+          </a:prstGeom>
+        </p:spPr>
+      </p:pic>
+      <p:sp>
+        <p:nvSpPr>
+          <p:cNvPr id="18" name="Textfeld 17"/>
+          <p:cNvSpPr txBox="1"/>
+          <p:nvPr/>
+        </p:nvSpPr>
+        <p:spPr>
+          <a:xfrm>
+            <a:off x="467544" y="1851670"/>
+            <a:ext cx="3105017" cy="369332"/>
+          </a:xfrm>
+          <a:prstGeom prst="rect">
+            <a:avLst/>
+          </a:prstGeom>
+          <a:noFill/>
+        </p:spPr>
+        <p:txBody>
+          <a:bodyPr wrap="none" rtlCol="0">
+            <a:spAutoFit/>
+          </a:bodyPr>
+          <a:lstStyle/>
+          <a:p>
+            <a:r>
+              <a:rPr lang="de-DE" dirty="0" smtClean="0"/>
+              <a:t>Pro Träger-Modulator-Paar gilt:</a:t>
+            </a:r>
+            <a:endParaRPr lang="de-DE" dirty="0"/>
           </a:p>
         </p:txBody>
       </p:sp>
@@ -5434,7 +6815,11 @@
           <a:p>
             <a:r>
               <a:rPr lang="de-DE" dirty="0" smtClean="0"/>
-              <a:t>Vergleich Einzel- vs. Parallelschaltung</a:t>
+              <a:t>Vergleich: </a:t>
+            </a:r>
+            <a:r>
+              <a:rPr lang="de-DE" dirty="0" smtClean="0"/>
+              <a:t>Einzel- vs. Parallelschaltung</a:t>
             </a:r>
             <a:endParaRPr lang="de-DE" dirty="0"/>
           </a:p>
@@ -5486,7 +6871,7 @@
           <a:p>
             <a:fld id="{296000BE-0612-4D88-A1AC-FF1287139C2E}" type="datetime1">
               <a:rPr lang="de-DE" smtClean="0"/>
-              <a:t>20.06.2015</a:t>
+              <a:t>21.06.2015</a:t>
             </a:fld>
             <a:endParaRPr lang="de-DE" dirty="0"/>
           </a:p>
@@ -5661,7 +7046,14 @@
           <a:p>
             <a:r>
               <a:rPr lang="de-DE" dirty="0" smtClean="0"/>
-              <a:t>Parallelschaltung</a:t>
+              <a:t>Parallelschaltung:</a:t>
+            </a:r>
+            <a:br>
+              <a:rPr lang="de-DE" dirty="0" smtClean="0"/>
+            </a:br>
+            <a:r>
+              <a:rPr lang="de-DE" dirty="0" smtClean="0"/>
+              <a:t>2 Träger mit demselben Modulator</a:t>
             </a:r>
             <a:endParaRPr lang="de-DE" dirty="0"/>
           </a:p>
@@ -5685,7 +7077,7 @@
         </p:blipFill>
         <p:spPr>
           <a:xfrm rot="4551629">
-            <a:off x="6119668" y="3101242"/>
+            <a:off x="6352228" y="3269551"/>
             <a:ext cx="993734" cy="1146147"/>
           </a:xfrm>
           <a:prstGeom prst="rect">
@@ -5710,7 +7102,7 @@
           <a:p>
             <a:fld id="{296000BE-0612-4D88-A1AC-FF1287139C2E}" type="datetime1">
               <a:rPr lang="de-DE" smtClean="0"/>
-              <a:t>20.06.2015</a:t>
+              <a:t>21.06.2015</a:t>
             </a:fld>
             <a:endParaRPr lang="de-DE" dirty="0"/>
           </a:p>
@@ -5774,7 +7166,7 @@
         </p:nvSpPr>
         <p:spPr>
           <a:xfrm>
-            <a:off x="4930784" y="2450068"/>
+            <a:off x="5163344" y="2618377"/>
             <a:ext cx="864096" cy="864096"/>
           </a:xfrm>
           <a:prstGeom prst="rect">
@@ -5847,7 +7239,7 @@
         </p:nvSpPr>
         <p:spPr>
           <a:xfrm>
-            <a:off x="6732240" y="2450068"/>
+            <a:off x="6964800" y="2618377"/>
             <a:ext cx="864096" cy="864096"/>
           </a:xfrm>
           <a:prstGeom prst="rect">
@@ -5920,7 +7312,7 @@
         </p:nvSpPr>
         <p:spPr>
           <a:xfrm rot="18774344">
-            <a:off x="6607417" y="1670922"/>
+            <a:off x="6839977" y="1839231"/>
             <a:ext cx="484632" cy="978408"/>
           </a:xfrm>
           <a:prstGeom prst="downArrow">
@@ -5968,7 +7360,7 @@
         </p:nvSpPr>
         <p:spPr>
           <a:xfrm rot="19285559">
-            <a:off x="5697130" y="3059216"/>
+            <a:off x="5929690" y="3227525"/>
             <a:ext cx="484632" cy="1323423"/>
           </a:xfrm>
           <a:prstGeom prst="downArrow">
@@ -6016,7 +7408,7 @@
         </p:nvSpPr>
         <p:spPr>
           <a:xfrm>
-            <a:off x="5684266" y="3853530"/>
+            <a:off x="5916826" y="4021839"/>
             <a:ext cx="1153228" cy="978408"/>
           </a:xfrm>
           <a:prstGeom prst="downArrow">
@@ -6052,7 +7444,15 @@
           <a:lstStyle/>
           <a:p>
             <a:pPr algn="ctr"/>
-            <a:endParaRPr lang="de-DE"/>
+            <a:r>
+              <a:rPr lang="de-DE" sz="3000" dirty="0">
+                <a:solidFill>
+                  <a:schemeClr val="tx1"/>
+                </a:solidFill>
+              </a:rPr>
+              <a:t>+</a:t>
+            </a:r>
+            <a:endParaRPr lang="de-DE" sz="3000" dirty="0"/>
           </a:p>
         </p:txBody>
       </p:sp>
@@ -6064,7 +7464,7 @@
         </p:nvSpPr>
         <p:spPr>
           <a:xfrm rot="2675186">
-            <a:off x="5417062" y="1655140"/>
+            <a:off x="5649622" y="1823449"/>
             <a:ext cx="484632" cy="978408"/>
           </a:xfrm>
           <a:prstGeom prst="downArrow">
@@ -6112,7 +7512,7 @@
         </p:nvSpPr>
         <p:spPr>
           <a:xfrm>
-            <a:off x="5794880" y="1107297"/>
+            <a:off x="6027440" y="1275606"/>
             <a:ext cx="864096" cy="864096"/>
           </a:xfrm>
           <a:prstGeom prst="rect">
@@ -6180,6 +7580,96 @@
           </a:p>
         </p:txBody>
       </p:sp>
+      <p:sp>
+        <p:nvSpPr>
+          <p:cNvPr id="24" name="Textfeld 23"/>
+          <p:cNvSpPr txBox="1"/>
+          <p:nvPr/>
+        </p:nvSpPr>
+        <p:spPr>
+          <a:xfrm>
+            <a:off x="467544" y="1851670"/>
+            <a:ext cx="3105017" cy="369332"/>
+          </a:xfrm>
+          <a:prstGeom prst="rect">
+            <a:avLst/>
+          </a:prstGeom>
+          <a:noFill/>
+        </p:spPr>
+        <p:txBody>
+          <a:bodyPr wrap="none" rtlCol="0">
+            <a:spAutoFit/>
+          </a:bodyPr>
+          <a:lstStyle/>
+          <a:p>
+            <a:r>
+              <a:rPr lang="de-DE" dirty="0" smtClean="0"/>
+              <a:t>Pro Träger-Modulator-Paar gilt:</a:t>
+            </a:r>
+            <a:endParaRPr lang="de-DE" dirty="0"/>
+          </a:p>
+        </p:txBody>
+      </p:sp>
+      <p:pic>
+        <p:nvPicPr>
+          <p:cNvPr id="25" name="Grafik 24"/>
+          <p:cNvPicPr>
+            <a:picLocks noChangeAspect="1"/>
+          </p:cNvPicPr>
+          <p:nvPr/>
+        </p:nvPicPr>
+        <p:blipFill>
+          <a:blip r:embed="rId3">
+            <a:extLst>
+              <a:ext uri="{28A0092B-C50C-407E-A947-70E740481C1C}">
+                <a14:useLocalDpi xmlns:a14="http://schemas.microsoft.com/office/drawing/2010/main" val="0"/>
+              </a:ext>
+            </a:extLst>
+          </a:blip>
+          <a:stretch>
+            <a:fillRect/>
+          </a:stretch>
+        </p:blipFill>
+        <p:spPr>
+          <a:xfrm>
+            <a:off x="534679" y="3016835"/>
+            <a:ext cx="3789237" cy="982723"/>
+          </a:xfrm>
+          <a:prstGeom prst="rect">
+            <a:avLst/>
+          </a:prstGeom>
+        </p:spPr>
+      </p:pic>
+      <p:pic>
+        <p:nvPicPr>
+          <p:cNvPr id="26" name="Grafik 25"/>
+          <p:cNvPicPr>
+            <a:picLocks noChangeAspect="1"/>
+          </p:cNvPicPr>
+          <p:nvPr/>
+        </p:nvPicPr>
+        <p:blipFill>
+          <a:blip r:embed="rId4">
+            <a:extLst>
+              <a:ext uri="{28A0092B-C50C-407E-A947-70E740481C1C}">
+                <a14:useLocalDpi xmlns:a14="http://schemas.microsoft.com/office/drawing/2010/main" val="0"/>
+              </a:ext>
+            </a:extLst>
+          </a:blip>
+          <a:stretch>
+            <a:fillRect/>
+          </a:stretch>
+        </p:blipFill>
+        <p:spPr>
+          <a:xfrm>
+            <a:off x="132155" y="2307480"/>
+            <a:ext cx="2856993" cy="788429"/>
+          </a:xfrm>
+          <a:prstGeom prst="rect">
+            <a:avLst/>
+          </a:prstGeom>
+        </p:spPr>
+      </p:pic>
     </p:spTree>
     <p:extLst>
       <p:ext uri="{BB962C8B-B14F-4D97-AF65-F5344CB8AC3E}">
@@ -6227,16 +7717,35 @@
             <p:ph type="title"/>
           </p:nvPr>
         </p:nvSpPr>
-        <p:spPr/>
-        <p:txBody>
-          <a:bodyPr/>
-          <a:lstStyle/>
-          <a:p>
-            <a:r>
-              <a:rPr lang="de-DE" dirty="0" smtClean="0"/>
-              <a:t>Vergleich Einzel- vs. Parallelschaltung</a:t>
-            </a:r>
-            <a:endParaRPr lang="de-DE" dirty="0"/>
+        <p:spPr>
+          <a:xfrm>
+            <a:off x="464840" y="483518"/>
+            <a:ext cx="8229600" cy="857250"/>
+          </a:xfrm>
+        </p:spPr>
+        <p:txBody>
+          <a:bodyPr/>
+          <a:lstStyle/>
+          <a:p>
+            <a:r>
+              <a:rPr lang="de-DE" sz="2800" dirty="0" smtClean="0"/>
+              <a:t>Vergleich: </a:t>
+            </a:r>
+            <a:br>
+              <a:rPr lang="de-DE" sz="2800" dirty="0" smtClean="0"/>
+            </a:br>
+            <a:r>
+              <a:rPr lang="de-DE" sz="2800" dirty="0" smtClean="0"/>
+              <a:t>2 Träger mit 2 Modulatoren mit gleichen Einstellungen  </a:t>
+            </a:r>
+            <a:br>
+              <a:rPr lang="de-DE" sz="2800" dirty="0" smtClean="0"/>
+            </a:br>
+            <a:r>
+              <a:rPr lang="de-DE" sz="2800" dirty="0" smtClean="0"/>
+              <a:t>vs. 2 Träger mit demselben Modulator</a:t>
+            </a:r>
+            <a:endParaRPr lang="de-DE" sz="2800" dirty="0"/>
           </a:p>
         </p:txBody>
       </p:sp>
@@ -6257,7 +7766,7 @@
           <a:p>
             <a:fld id="{296000BE-0612-4D88-A1AC-FF1287139C2E}" type="datetime1">
               <a:rPr lang="de-DE" smtClean="0"/>
-              <a:t>20.06.2015</a:t>
+              <a:t>21.06.2015</a:t>
             </a:fld>
             <a:endParaRPr lang="de-DE" dirty="0"/>
           </a:p>
@@ -6335,7 +7844,7 @@
         </p:blipFill>
         <p:spPr>
           <a:xfrm>
-            <a:off x="-258730" y="1476635"/>
+            <a:off x="-247642" y="1890654"/>
             <a:ext cx="4830730" cy="2157927"/>
           </a:xfrm>
           <a:prstGeom prst="rect">
@@ -6365,7 +7874,7 @@
         </p:blipFill>
         <p:spPr>
           <a:xfrm>
-            <a:off x="4506186" y="1473158"/>
+            <a:off x="4499992" y="1888915"/>
             <a:ext cx="4838512" cy="2161404"/>
           </a:xfrm>
           <a:prstGeom prst="rect">
@@ -6427,7 +7936,14 @@
           <a:p>
             <a:r>
               <a:rPr lang="de-DE" dirty="0" smtClean="0"/>
-              <a:t>Parallelschaltung</a:t>
+              <a:t>Parallelschaltung: </a:t>
+            </a:r>
+            <a:br>
+              <a:rPr lang="de-DE" dirty="0" smtClean="0"/>
+            </a:br>
+            <a:r>
+              <a:rPr lang="de-DE" dirty="0" smtClean="0"/>
+              <a:t>1 Träger mit 2 unabhängigen Modulatoren</a:t>
             </a:r>
             <a:endParaRPr lang="de-DE" dirty="0"/>
           </a:p>
@@ -6450,7 +7966,7 @@
           <a:p>
             <a:fld id="{296000BE-0612-4D88-A1AC-FF1287139C2E}" type="datetime1">
               <a:rPr lang="de-DE" smtClean="0"/>
-              <a:t>20.06.2015</a:t>
+              <a:t>21.06.2015</a:t>
             </a:fld>
             <a:endParaRPr lang="de-DE" dirty="0"/>
           </a:p>
@@ -6514,7 +8030,7 @@
         </p:nvSpPr>
         <p:spPr>
           <a:xfrm>
-            <a:off x="5825393" y="2461561"/>
+            <a:off x="6833505" y="2807745"/>
             <a:ext cx="864096" cy="864096"/>
           </a:xfrm>
           <a:prstGeom prst="rect">
@@ -6587,7 +8103,7 @@
         </p:nvSpPr>
         <p:spPr>
           <a:xfrm rot="2741239">
-            <a:off x="6609413" y="1732961"/>
+            <a:off x="7617525" y="2079145"/>
             <a:ext cx="484632" cy="978408"/>
           </a:xfrm>
           <a:prstGeom prst="downArrow">
@@ -6635,7 +8151,7 @@
         </p:nvSpPr>
         <p:spPr>
           <a:xfrm>
-            <a:off x="5985482" y="3238106"/>
+            <a:off x="6993594" y="3584290"/>
             <a:ext cx="543918" cy="978408"/>
           </a:xfrm>
           <a:prstGeom prst="downArrow">
@@ -6677,16 +8193,16 @@
       </p:sp>
       <p:sp>
         <p:nvSpPr>
-          <p:cNvPr id="11" name="Pfeil nach unten 10"/>
+          <p:cNvPr id="7" name="Rechteck 6"/>
           <p:cNvSpPr/>
           <p:nvPr/>
         </p:nvSpPr>
         <p:spPr>
-          <a:xfrm rot="18978034">
-            <a:off x="5413210" y="1736953"/>
-            <a:ext cx="484632" cy="978408"/>
-          </a:xfrm>
-          <a:prstGeom prst="downArrow">
+          <a:xfrm>
+            <a:off x="5938896" y="1444210"/>
+            <a:ext cx="864096" cy="864096"/>
+          </a:xfrm>
+          <a:prstGeom prst="rect">
             <a:avLst/>
           </a:prstGeom>
           <a:solidFill>
@@ -6719,19 +8235,47 @@
           <a:lstStyle/>
           <a:p>
             <a:pPr algn="ctr"/>
-            <a:endParaRPr lang="de-DE"/>
-          </a:p>
-        </p:txBody>
-      </p:sp>
-      <p:sp>
-        <p:nvSpPr>
-          <p:cNvPr id="7" name="Rechteck 6"/>
+            <a:r>
+              <a:rPr lang="de-DE" sz="3000" dirty="0" smtClean="0">
+                <a:ln w="0"/>
+                <a:solidFill>
+                  <a:schemeClr val="tx1"/>
+                </a:solidFill>
+                <a:effectLst>
+                  <a:outerShdw blurRad="38100" dist="19050" dir="2700000" algn="tl" rotWithShape="0">
+                    <a:schemeClr val="dk1">
+                      <a:alpha val="40000"/>
+                    </a:schemeClr>
+                  </a:outerShdw>
+                </a:effectLst>
+              </a:rPr>
+              <a:t>M1</a:t>
+            </a:r>
+            <a:endParaRPr lang="de-DE" sz="3000" dirty="0">
+              <a:ln w="0"/>
+              <a:solidFill>
+                <a:schemeClr val="tx1"/>
+              </a:solidFill>
+              <a:effectLst>
+                <a:outerShdw blurRad="38100" dist="19050" dir="2700000" algn="tl" rotWithShape="0">
+                  <a:schemeClr val="dk1">
+                    <a:alpha val="40000"/>
+                  </a:schemeClr>
+                </a:outerShdw>
+              </a:effectLst>
+            </a:endParaRPr>
+          </a:p>
+        </p:txBody>
+      </p:sp>
+      <p:sp>
+        <p:nvSpPr>
+          <p:cNvPr id="9" name="Rechteck 8"/>
           <p:cNvSpPr/>
           <p:nvPr/>
         </p:nvSpPr>
         <p:spPr>
           <a:xfrm>
-            <a:off x="4930784" y="1098026"/>
+            <a:off x="7740352" y="1444210"/>
             <a:ext cx="864096" cy="864096"/>
           </a:xfrm>
           <a:prstGeom prst="rect">
@@ -6781,7 +8325,7 @@
                   </a:outerShdw>
                 </a:effectLst>
               </a:rPr>
-              <a:t>M1</a:t>
+              <a:t>M2</a:t>
             </a:r>
             <a:endParaRPr lang="de-DE" sz="3000" dirty="0">
               <a:ln w="0"/>
@@ -6799,18 +8343,78 @@
           </a:p>
         </p:txBody>
       </p:sp>
-      <p:sp>
-        <p:nvSpPr>
-          <p:cNvPr id="9" name="Rechteck 8"/>
+      <p:pic>
+        <p:nvPicPr>
+          <p:cNvPr id="8" name="Grafik 7"/>
+          <p:cNvPicPr>
+            <a:picLocks noChangeAspect="1"/>
+          </p:cNvPicPr>
+          <p:nvPr/>
+        </p:nvPicPr>
+        <p:blipFill>
+          <a:blip r:embed="rId2">
+            <a:extLst>
+              <a:ext uri="{28A0092B-C50C-407E-A947-70E740481C1C}">
+                <a14:useLocalDpi xmlns:a14="http://schemas.microsoft.com/office/drawing/2010/main" val="0"/>
+              </a:ext>
+            </a:extLst>
+          </a:blip>
+          <a:stretch>
+            <a:fillRect/>
+          </a:stretch>
+        </p:blipFill>
+        <p:spPr>
+          <a:xfrm>
+            <a:off x="233772" y="3269538"/>
+            <a:ext cx="5115639" cy="924054"/>
+          </a:xfrm>
+          <a:prstGeom prst="rect">
+            <a:avLst/>
+          </a:prstGeom>
+        </p:spPr>
+      </p:pic>
+      <p:pic>
+        <p:nvPicPr>
+          <p:cNvPr id="13" name="Grafik 12"/>
+          <p:cNvPicPr>
+            <a:picLocks noChangeAspect="1"/>
+          </p:cNvPicPr>
+          <p:nvPr/>
+        </p:nvPicPr>
+        <p:blipFill>
+          <a:blip r:embed="rId3">
+            <a:extLst>
+              <a:ext uri="{28A0092B-C50C-407E-A947-70E740481C1C}">
+                <a14:useLocalDpi xmlns:a14="http://schemas.microsoft.com/office/drawing/2010/main" val="0"/>
+              </a:ext>
+            </a:extLst>
+          </a:blip>
+          <a:stretch>
+            <a:fillRect/>
+          </a:stretch>
+        </p:blipFill>
+        <p:spPr>
+          <a:xfrm>
+            <a:off x="-74873" y="2589539"/>
+            <a:ext cx="5706271" cy="457264"/>
+          </a:xfrm>
+          <a:prstGeom prst="rect">
+            <a:avLst/>
+          </a:prstGeom>
+        </p:spPr>
+      </p:pic>
+      <p:sp>
+        <p:nvSpPr>
+          <p:cNvPr id="11" name="Pfeil nach unten 10"/>
           <p:cNvSpPr/>
           <p:nvPr/>
         </p:nvSpPr>
         <p:spPr>
-          <a:xfrm>
-            <a:off x="6732240" y="1098026"/>
-            <a:ext cx="864096" cy="864096"/>
-          </a:xfrm>
-          <a:prstGeom prst="rect">
+          <a:xfrm rot="18978034">
+            <a:off x="6421322" y="2083137"/>
+            <a:ext cx="484632" cy="978408"/>
+          </a:xfrm>
+          <a:prstGeom prst="downArrow">
             <a:avLst/>
           </a:prstGeom>
           <a:solidFill>
@@ -6843,35 +8447,7 @@
           <a:lstStyle/>
           <a:p>
             <a:pPr algn="ctr"/>
-            <a:r>
-              <a:rPr lang="de-DE" sz="3000" dirty="0" smtClean="0">
-                <a:ln w="0"/>
-                <a:solidFill>
-                  <a:schemeClr val="tx1"/>
-                </a:solidFill>
-                <a:effectLst>
-                  <a:outerShdw blurRad="38100" dist="19050" dir="2700000" algn="tl" rotWithShape="0">
-                    <a:schemeClr val="dk1">
-                      <a:alpha val="40000"/>
-                    </a:schemeClr>
-                  </a:outerShdw>
-                </a:effectLst>
-              </a:rPr>
-              <a:t>M2</a:t>
-            </a:r>
-            <a:endParaRPr lang="de-DE" sz="3000" dirty="0">
-              <a:ln w="0"/>
-              <a:solidFill>
-                <a:schemeClr val="tx1"/>
-              </a:solidFill>
-              <a:effectLst>
-                <a:outerShdw blurRad="38100" dist="19050" dir="2700000" algn="tl" rotWithShape="0">
-                  <a:schemeClr val="dk1">
-                    <a:alpha val="40000"/>
-                  </a:schemeClr>
-                </a:outerShdw>
-              </a:effectLst>
-            </a:endParaRPr>
+            <a:endParaRPr lang="de-DE"/>
           </a:p>
         </p:txBody>
       </p:sp>
@@ -6912,6 +8488,35 @@
           <a:chExt cx="0" cy="0"/>
         </a:xfrm>
       </p:grpSpPr>
+      <p:pic>
+        <p:nvPicPr>
+          <p:cNvPr id="14" name="Inhaltsplatzhalter 13"/>
+          <p:cNvPicPr>
+            <a:picLocks noGrp="1" noChangeAspect="1"/>
+          </p:cNvPicPr>
+          <p:nvPr>
+            <p:ph idx="1"/>
+          </p:nvPr>
+        </p:nvPicPr>
+        <p:blipFill>
+          <a:blip r:embed="rId2">
+            <a:extLst>
+              <a:ext uri="{28A0092B-C50C-407E-A947-70E740481C1C}">
+                <a14:useLocalDpi xmlns:a14="http://schemas.microsoft.com/office/drawing/2010/main" val="0"/>
+              </a:ext>
+            </a:extLst>
+          </a:blip>
+          <a:stretch>
+            <a:fillRect/>
+          </a:stretch>
+        </p:blipFill>
+        <p:spPr>
+          <a:xfrm>
+            <a:off x="282225" y="1347614"/>
+            <a:ext cx="5915387" cy="3394075"/>
+          </a:xfrm>
+        </p:spPr>
+      </p:pic>
       <p:sp>
         <p:nvSpPr>
           <p:cNvPr id="2" name="Titel 1"/>
@@ -6927,7 +8532,365 @@
           <a:bodyPr/>
           <a:lstStyle/>
           <a:p>
+            <a:r>
+              <a:rPr lang="de-DE" dirty="0" smtClean="0"/>
+              <a:t>Additionsterme der Seitenbänder</a:t>
+            </a:r>
+            <a:br>
+              <a:rPr lang="de-DE" dirty="0" smtClean="0"/>
+            </a:br>
+            <a:r>
+              <a:rPr lang="de-DE" dirty="0" smtClean="0"/>
+              <a:t>bei 2 parallelen Modulatoren</a:t>
+            </a:r>
+            <a:endParaRPr lang="de-DE" dirty="0"/>
+          </a:p>
+        </p:txBody>
+      </p:sp>
+      <p:sp>
+        <p:nvSpPr>
+          <p:cNvPr id="4" name="Datumsplatzhalter 3"/>
+          <p:cNvSpPr>
+            <a:spLocks noGrp="1"/>
+          </p:cNvSpPr>
+          <p:nvPr>
+            <p:ph type="dt" sz="half" idx="10"/>
+          </p:nvPr>
+        </p:nvSpPr>
+        <p:spPr/>
+        <p:txBody>
+          <a:bodyPr/>
+          <a:lstStyle/>
+          <a:p>
+            <a:fld id="{296000BE-0612-4D88-A1AC-FF1287139C2E}" type="datetime1">
+              <a:rPr lang="de-DE" smtClean="0"/>
+              <a:t>21.06.2015</a:t>
+            </a:fld>
+            <a:endParaRPr lang="de-DE" dirty="0"/>
+          </a:p>
+        </p:txBody>
+      </p:sp>
+      <p:sp>
+        <p:nvSpPr>
+          <p:cNvPr id="5" name="Fußzeilenplatzhalter 4"/>
+          <p:cNvSpPr>
+            <a:spLocks noGrp="1"/>
+          </p:cNvSpPr>
+          <p:nvPr>
+            <p:ph type="ftr" sz="quarter" idx="11"/>
+          </p:nvPr>
+        </p:nvSpPr>
+        <p:spPr/>
+        <p:txBody>
+          <a:bodyPr/>
+          <a:lstStyle/>
+          <a:p>
+            <a:r>
+              <a:rPr lang="de-DE" smtClean="0"/>
+              <a:t>FM-Synthese</a:t>
+            </a:r>
+            <a:endParaRPr lang="de-DE" dirty="0"/>
+          </a:p>
+        </p:txBody>
+      </p:sp>
+      <p:sp>
+        <p:nvSpPr>
+          <p:cNvPr id="6" name="Foliennummernplatzhalter 5"/>
+          <p:cNvSpPr>
+            <a:spLocks noGrp="1"/>
+          </p:cNvSpPr>
+          <p:nvPr>
+            <p:ph type="sldNum" sz="quarter" idx="12"/>
+          </p:nvPr>
+        </p:nvSpPr>
+        <p:spPr/>
+        <p:txBody>
+          <a:bodyPr/>
+          <a:lstStyle/>
+          <a:p>
+            <a:fld id="{8740CB20-F870-467D-84CE-AB32061190A1}" type="slidenum">
+              <a:rPr lang="en-US" smtClean="0"/>
+              <a:t>8</a:t>
+            </a:fld>
+            <a:r>
+              <a:rPr lang="de-DE" smtClean="0"/>
+              <a:t>   </a:t>
+            </a:r>
+            <a:endParaRPr lang="de-DE" dirty="0"/>
+          </a:p>
+        </p:txBody>
+      </p:sp>
+      <p:pic>
+        <p:nvPicPr>
+          <p:cNvPr id="8" name="Grafik 7"/>
+          <p:cNvPicPr>
+            <a:picLocks noChangeAspect="1"/>
+          </p:cNvPicPr>
+          <p:nvPr/>
+        </p:nvPicPr>
+        <p:blipFill>
+          <a:blip r:embed="rId3">
+            <a:extLst>
+              <a:ext uri="{28A0092B-C50C-407E-A947-70E740481C1C}">
+                <a14:useLocalDpi xmlns:a14="http://schemas.microsoft.com/office/drawing/2010/main" val="0"/>
+              </a:ext>
+            </a:extLst>
+          </a:blip>
+          <a:stretch>
+            <a:fillRect/>
+          </a:stretch>
+        </p:blipFill>
+        <p:spPr>
+          <a:xfrm>
+            <a:off x="6606250" y="1200150"/>
+            <a:ext cx="2631227" cy="544680"/>
+          </a:xfrm>
+          <a:prstGeom prst="rect">
+            <a:avLst/>
+          </a:prstGeom>
+        </p:spPr>
+      </p:pic>
+      <p:sp>
+        <p:nvSpPr>
+          <p:cNvPr id="9" name="Rechteck 8"/>
+          <p:cNvSpPr/>
+          <p:nvPr/>
+        </p:nvSpPr>
+        <p:spPr>
+          <a:xfrm>
+            <a:off x="554832" y="2499741"/>
+            <a:ext cx="5472608" cy="432049"/>
+          </a:xfrm>
+          <a:prstGeom prst="rect">
+            <a:avLst/>
+          </a:prstGeom>
+          <a:noFill/>
+          <a:ln>
+            <a:solidFill>
+              <a:srgbClr val="FF0000"/>
+            </a:solidFill>
+          </a:ln>
+        </p:spPr>
+        <p:style>
+          <a:lnRef idx="2">
+            <a:schemeClr val="accent1">
+              <a:shade val="50000"/>
+            </a:schemeClr>
+          </a:lnRef>
+          <a:fillRef idx="1">
+            <a:schemeClr val="accent1"/>
+          </a:fillRef>
+          <a:effectRef idx="0">
+            <a:schemeClr val="accent1"/>
+          </a:effectRef>
+          <a:fontRef idx="minor">
+            <a:schemeClr val="lt1"/>
+          </a:fontRef>
+        </p:style>
+        <p:txBody>
+          <a:bodyPr rtlCol="0" anchor="ctr"/>
+          <a:lstStyle/>
+          <a:p>
+            <a:pPr algn="ctr"/>
             <a:endParaRPr lang="de-DE"/>
+          </a:p>
+        </p:txBody>
+      </p:sp>
+      <p:sp>
+        <p:nvSpPr>
+          <p:cNvPr id="10" name="Rechteck 9"/>
+          <p:cNvSpPr/>
+          <p:nvPr/>
+        </p:nvSpPr>
+        <p:spPr>
+          <a:xfrm>
+            <a:off x="554832" y="1803647"/>
+            <a:ext cx="5472608" cy="468000"/>
+          </a:xfrm>
+          <a:prstGeom prst="rect">
+            <a:avLst/>
+          </a:prstGeom>
+          <a:noFill/>
+          <a:ln>
+            <a:solidFill>
+              <a:srgbClr val="FF0000"/>
+            </a:solidFill>
+          </a:ln>
+        </p:spPr>
+        <p:style>
+          <a:lnRef idx="2">
+            <a:schemeClr val="accent1">
+              <a:shade val="50000"/>
+            </a:schemeClr>
+          </a:lnRef>
+          <a:fillRef idx="1">
+            <a:schemeClr val="accent1"/>
+          </a:fillRef>
+          <a:effectRef idx="0">
+            <a:schemeClr val="accent1"/>
+          </a:effectRef>
+          <a:fontRef idx="minor">
+            <a:schemeClr val="lt1"/>
+          </a:fontRef>
+        </p:style>
+        <p:txBody>
+          <a:bodyPr rtlCol="0" anchor="ctr"/>
+          <a:lstStyle/>
+          <a:p>
+            <a:pPr algn="ctr"/>
+            <a:endParaRPr lang="de-DE"/>
+          </a:p>
+        </p:txBody>
+      </p:sp>
+      <p:pic>
+        <p:nvPicPr>
+          <p:cNvPr id="11" name="Grafik 10"/>
+          <p:cNvPicPr>
+            <a:picLocks noChangeAspect="1"/>
+          </p:cNvPicPr>
+          <p:nvPr/>
+        </p:nvPicPr>
+        <p:blipFill>
+          <a:blip r:embed="rId4">
+            <a:extLst>
+              <a:ext uri="{28A0092B-C50C-407E-A947-70E740481C1C}">
+                <a14:useLocalDpi xmlns:a14="http://schemas.microsoft.com/office/drawing/2010/main" val="0"/>
+              </a:ext>
+            </a:extLst>
+          </a:blip>
+          <a:stretch>
+            <a:fillRect/>
+          </a:stretch>
+        </p:blipFill>
+        <p:spPr>
+          <a:xfrm>
+            <a:off x="6569770" y="1890188"/>
+            <a:ext cx="2688299" cy="2016225"/>
+          </a:xfrm>
+          <a:prstGeom prst="rect">
+            <a:avLst/>
+          </a:prstGeom>
+        </p:spPr>
+      </p:pic>
+      <p:sp>
+        <p:nvSpPr>
+          <p:cNvPr id="12" name="Textfeld 11"/>
+          <p:cNvSpPr txBox="1"/>
+          <p:nvPr/>
+        </p:nvSpPr>
+        <p:spPr>
+          <a:xfrm>
+            <a:off x="6978406" y="3837211"/>
+            <a:ext cx="1871025" cy="553998"/>
+          </a:xfrm>
+          <a:prstGeom prst="rect">
+            <a:avLst/>
+          </a:prstGeom>
+          <a:noFill/>
+        </p:spPr>
+        <p:txBody>
+          <a:bodyPr wrap="none" rtlCol="0">
+            <a:spAutoFit/>
+          </a:bodyPr>
+          <a:lstStyle/>
+          <a:p>
+            <a:r>
+              <a:rPr lang="de-DE" sz="1000" dirty="0" smtClean="0"/>
+              <a:t>Bildquelle:</a:t>
+            </a:r>
+          </a:p>
+          <a:p>
+            <a:r>
+              <a:rPr lang="de-DE" sz="1000" dirty="0" smtClean="0"/>
+              <a:t>http</a:t>
+            </a:r>
+            <a:r>
+              <a:rPr lang="de-DE" sz="1000" dirty="0"/>
+              <a:t>://de.mathworks.com/help</a:t>
+            </a:r>
+            <a:r>
+              <a:rPr lang="de-DE" sz="1000" dirty="0" smtClean="0"/>
+              <a:t>/</a:t>
+            </a:r>
+          </a:p>
+          <a:p>
+            <a:r>
+              <a:rPr lang="de-DE" sz="1000" dirty="0" err="1" smtClean="0"/>
+              <a:t>matlab</a:t>
+            </a:r>
+            <a:r>
+              <a:rPr lang="de-DE" sz="1000" dirty="0" smtClean="0"/>
+              <a:t>/</a:t>
+            </a:r>
+            <a:r>
+              <a:rPr lang="de-DE" sz="1000" dirty="0" err="1" smtClean="0"/>
+              <a:t>ref</a:t>
+            </a:r>
+            <a:r>
+              <a:rPr lang="de-DE" sz="1000" dirty="0" smtClean="0"/>
+              <a:t>/besselj.html</a:t>
+            </a:r>
+            <a:endParaRPr lang="de-DE" sz="1000" dirty="0"/>
+          </a:p>
+        </p:txBody>
+      </p:sp>
+    </p:spTree>
+    <p:extLst>
+      <p:ext uri="{BB962C8B-B14F-4D97-AF65-F5344CB8AC3E}">
+        <p14:creationId xmlns:p14="http://schemas.microsoft.com/office/powerpoint/2010/main" val="2812397854"/>
+      </p:ext>
+    </p:extLst>
+  </p:cSld>
+  <p:clrMapOvr>
+    <a:masterClrMapping/>
+  </p:clrMapOvr>
+  <p:timing>
+    <p:tnLst>
+      <p:par>
+        <p:cTn id="1" dur="indefinite" restart="never" nodeType="tmRoot"/>
+      </p:par>
+    </p:tnLst>
+  </p:timing>
+</p:sld>
+</file>
+
+<file path=ppt/slides/slide9.xml><?xml version="1.0" encoding="utf-8"?>
+<p:sld xmlns:a="http://schemas.openxmlformats.org/drawingml/2006/main" xmlns:r="http://schemas.openxmlformats.org/officeDocument/2006/relationships" xmlns:p="http://schemas.openxmlformats.org/presentationml/2006/main" showMasterSp="0">
+  <p:cSld>
+    <p:spTree>
+      <p:nvGrpSpPr>
+        <p:cNvPr id="1" name=""/>
+        <p:cNvGrpSpPr/>
+        <p:nvPr/>
+      </p:nvGrpSpPr>
+      <p:grpSpPr>
+        <a:xfrm>
+          <a:off x="0" y="0"/>
+          <a:ext cx="0" cy="0"/>
+          <a:chOff x="0" y="0"/>
+          <a:chExt cx="0" cy="0"/>
+        </a:xfrm>
+      </p:grpSpPr>
+      <p:sp>
+        <p:nvSpPr>
+          <p:cNvPr id="2" name="Titel 1"/>
+          <p:cNvSpPr>
+            <a:spLocks noGrp="1"/>
+          </p:cNvSpPr>
+          <p:nvPr>
+            <p:ph type="title"/>
+          </p:nvPr>
+        </p:nvSpPr>
+        <p:spPr/>
+        <p:txBody>
+          <a:bodyPr/>
+          <a:lstStyle/>
+          <a:p>
+            <a:r>
+              <a:rPr lang="de-DE" dirty="0" smtClean="0"/>
+              <a:t>Spektrum der Parallelschaltung für 1 T, 2 M</a:t>
+            </a:r>
+            <a:endParaRPr lang="de-DE" dirty="0"/>
           </a:p>
         </p:txBody>
       </p:sp>
@@ -6977,7 +8940,7 @@
           <a:p>
             <a:fld id="{296000BE-0612-4D88-A1AC-FF1287139C2E}" type="datetime1">
               <a:rPr lang="de-DE" smtClean="0"/>
-              <a:t>20.06.2015</a:t>
+              <a:t>21.06.2015</a:t>
             </a:fld>
             <a:endParaRPr lang="de-DE" dirty="0"/>
           </a:p>
@@ -7028,7 +8991,7 @@
           <a:p>
             <a:fld id="{8740CB20-F870-467D-84CE-AB32061190A1}" type="slidenum">
               <a:rPr lang="en-US" smtClean="0"/>
-              <a:t>8</a:t>
+              <a:t>9</a:t>
             </a:fld>
             <a:r>
               <a:rPr lang="de-DE" smtClean="0"/>
@@ -7102,508 +9065,6 @@
     <p:extLst>
       <p:ext uri="{BB962C8B-B14F-4D97-AF65-F5344CB8AC3E}">
         <p14:creationId xmlns:p14="http://schemas.microsoft.com/office/powerpoint/2010/main" val="700755454"/>
-      </p:ext>
-    </p:extLst>
-  </p:cSld>
-  <p:clrMapOvr>
-    <a:masterClrMapping/>
-  </p:clrMapOvr>
-  <p:timing>
-    <p:tnLst>
-      <p:par>
-        <p:cTn id="1" dur="indefinite" restart="never" nodeType="tmRoot"/>
-      </p:par>
-    </p:tnLst>
-  </p:timing>
-</p:sld>
-</file>
-
-<file path=ppt/slides/slide9.xml><?xml version="1.0" encoding="utf-8"?>
-<p:sld xmlns:a="http://schemas.openxmlformats.org/drawingml/2006/main" xmlns:r="http://schemas.openxmlformats.org/officeDocument/2006/relationships" xmlns:p="http://schemas.openxmlformats.org/presentationml/2006/main">
-  <p:cSld>
-    <p:spTree>
-      <p:nvGrpSpPr>
-        <p:cNvPr id="1" name=""/>
-        <p:cNvGrpSpPr/>
-        <p:nvPr/>
-      </p:nvGrpSpPr>
-      <p:grpSpPr>
-        <a:xfrm>
-          <a:off x="0" y="0"/>
-          <a:ext cx="0" cy="0"/>
-          <a:chOff x="0" y="0"/>
-          <a:chExt cx="0" cy="0"/>
-        </a:xfrm>
-      </p:grpSpPr>
-      <p:sp>
-        <p:nvSpPr>
-          <p:cNvPr id="2" name="Titel 1"/>
-          <p:cNvSpPr>
-            <a:spLocks noGrp="1"/>
-          </p:cNvSpPr>
-          <p:nvPr>
-            <p:ph type="title"/>
-          </p:nvPr>
-        </p:nvSpPr>
-        <p:spPr/>
-        <p:txBody>
-          <a:bodyPr/>
-          <a:lstStyle/>
-          <a:p>
-            <a:r>
-              <a:rPr lang="de-DE" dirty="0" smtClean="0"/>
-              <a:t>Kaskadenschaltung</a:t>
-            </a:r>
-            <a:endParaRPr lang="de-DE" dirty="0"/>
-          </a:p>
-        </p:txBody>
-      </p:sp>
-      <p:sp>
-        <p:nvSpPr>
-          <p:cNvPr id="4" name="Datumsplatzhalter 3"/>
-          <p:cNvSpPr>
-            <a:spLocks noGrp="1"/>
-          </p:cNvSpPr>
-          <p:nvPr>
-            <p:ph type="dt" sz="half" idx="10"/>
-          </p:nvPr>
-        </p:nvSpPr>
-        <p:spPr/>
-        <p:txBody>
-          <a:bodyPr/>
-          <a:lstStyle/>
-          <a:p>
-            <a:fld id="{296000BE-0612-4D88-A1AC-FF1287139C2E}" type="datetime1">
-              <a:rPr lang="de-DE" smtClean="0"/>
-              <a:t>20.06.2015</a:t>
-            </a:fld>
-            <a:endParaRPr lang="de-DE" dirty="0"/>
-          </a:p>
-        </p:txBody>
-      </p:sp>
-      <p:sp>
-        <p:nvSpPr>
-          <p:cNvPr id="5" name="Fußzeilenplatzhalter 4"/>
-          <p:cNvSpPr>
-            <a:spLocks noGrp="1"/>
-          </p:cNvSpPr>
-          <p:nvPr>
-            <p:ph type="ftr" sz="quarter" idx="11"/>
-          </p:nvPr>
-        </p:nvSpPr>
-        <p:spPr/>
-        <p:txBody>
-          <a:bodyPr/>
-          <a:lstStyle/>
-          <a:p>
-            <a:r>
-              <a:rPr lang="de-DE" smtClean="0"/>
-              <a:t>FM-Synthese</a:t>
-            </a:r>
-            <a:endParaRPr lang="de-DE" dirty="0"/>
-          </a:p>
-        </p:txBody>
-      </p:sp>
-      <p:sp>
-        <p:nvSpPr>
-          <p:cNvPr id="6" name="Foliennummernplatzhalter 5"/>
-          <p:cNvSpPr>
-            <a:spLocks noGrp="1"/>
-          </p:cNvSpPr>
-          <p:nvPr>
-            <p:ph type="sldNum" sz="quarter" idx="12"/>
-          </p:nvPr>
-        </p:nvSpPr>
-        <p:spPr/>
-        <p:txBody>
-          <a:bodyPr/>
-          <a:lstStyle/>
-          <a:p>
-            <a:fld id="{8740CB20-F870-467D-84CE-AB32061190A1}" type="slidenum">
-              <a:rPr lang="en-US" smtClean="0"/>
-              <a:t>9</a:t>
-            </a:fld>
-            <a:r>
-              <a:rPr lang="de-DE" smtClean="0"/>
-              <a:t>   </a:t>
-            </a:r>
-            <a:endParaRPr lang="de-DE" dirty="0"/>
-          </a:p>
-        </p:txBody>
-      </p:sp>
-      <p:sp>
-        <p:nvSpPr>
-          <p:cNvPr id="17" name="Pfeil nach unten 16"/>
-          <p:cNvSpPr/>
-          <p:nvPr/>
-        </p:nvSpPr>
-        <p:spPr>
-          <a:xfrm>
-            <a:off x="6005047" y="3711432"/>
-            <a:ext cx="543918" cy="978408"/>
-          </a:xfrm>
-          <a:prstGeom prst="downArrow">
-            <a:avLst/>
-          </a:prstGeom>
-          <a:solidFill>
-            <a:schemeClr val="accent1"/>
-          </a:solidFill>
-          <a:ln>
-            <a:solidFill>
-              <a:schemeClr val="accent1"/>
-            </a:solidFill>
-          </a:ln>
-        </p:spPr>
-        <p:style>
-          <a:lnRef idx="2">
-            <a:schemeClr val="accent1">
-              <a:shade val="50000"/>
-            </a:schemeClr>
-          </a:lnRef>
-          <a:fillRef idx="1">
-            <a:schemeClr val="accent1"/>
-          </a:fillRef>
-          <a:effectRef idx="0">
-            <a:schemeClr val="accent1"/>
-          </a:effectRef>
-          <a:fontRef idx="minor">
-            <a:schemeClr val="lt1"/>
-          </a:fontRef>
-        </p:style>
-        <p:txBody>
-          <a:bodyPr rtlCol="0" anchor="ctr"/>
-          <a:lstStyle/>
-          <a:p>
-            <a:pPr algn="ctr"/>
-            <a:endParaRPr lang="de-DE"/>
-          </a:p>
-        </p:txBody>
-      </p:sp>
-      <p:sp>
-        <p:nvSpPr>
-          <p:cNvPr id="10" name="Rechteck 9"/>
-          <p:cNvSpPr/>
-          <p:nvPr/>
-        </p:nvSpPr>
-        <p:spPr>
-          <a:xfrm>
-            <a:off x="5844958" y="3191986"/>
-            <a:ext cx="864096" cy="864096"/>
-          </a:xfrm>
-          <a:prstGeom prst="rect">
-            <a:avLst/>
-          </a:prstGeom>
-          <a:ln>
-            <a:solidFill>
-              <a:schemeClr val="accent1"/>
-            </a:solidFill>
-          </a:ln>
-        </p:spPr>
-        <p:style>
-          <a:lnRef idx="2">
-            <a:schemeClr val="accent1">
-              <a:shade val="50000"/>
-            </a:schemeClr>
-          </a:lnRef>
-          <a:fillRef idx="1">
-            <a:schemeClr val="accent1"/>
-          </a:fillRef>
-          <a:effectRef idx="0">
-            <a:schemeClr val="accent1"/>
-          </a:effectRef>
-          <a:fontRef idx="minor">
-            <a:schemeClr val="lt1"/>
-          </a:fontRef>
-        </p:style>
-        <p:txBody>
-          <a:bodyPr rtlCol="0" anchor="ctr"/>
-          <a:lstStyle/>
-          <a:p>
-            <a:pPr algn="ctr"/>
-            <a:r>
-              <a:rPr lang="de-DE" sz="3000" dirty="0" smtClean="0">
-                <a:ln w="0"/>
-                <a:solidFill>
-                  <a:schemeClr val="tx1"/>
-                </a:solidFill>
-                <a:effectLst>
-                  <a:outerShdw blurRad="38100" dist="19050" dir="2700000" algn="tl" rotWithShape="0">
-                    <a:schemeClr val="dk1">
-                      <a:alpha val="40000"/>
-                    </a:schemeClr>
-                  </a:outerShdw>
-                </a:effectLst>
-              </a:rPr>
-              <a:t>T</a:t>
-            </a:r>
-            <a:endParaRPr lang="de-DE" sz="3000" dirty="0">
-              <a:ln w="0"/>
-              <a:solidFill>
-                <a:schemeClr val="tx1"/>
-              </a:solidFill>
-              <a:effectLst>
-                <a:outerShdw blurRad="38100" dist="19050" dir="2700000" algn="tl" rotWithShape="0">
-                  <a:schemeClr val="dk1">
-                    <a:alpha val="40000"/>
-                  </a:schemeClr>
-                </a:outerShdw>
-              </a:effectLst>
-            </a:endParaRPr>
-          </a:p>
-        </p:txBody>
-      </p:sp>
-      <p:sp>
-        <p:nvSpPr>
-          <p:cNvPr id="11" name="Pfeil nach unten 10"/>
-          <p:cNvSpPr/>
-          <p:nvPr/>
-        </p:nvSpPr>
-        <p:spPr>
-          <a:xfrm>
-            <a:off x="6027440" y="2402304"/>
-            <a:ext cx="484632" cy="978408"/>
-          </a:xfrm>
-          <a:prstGeom prst="downArrow">
-            <a:avLst/>
-          </a:prstGeom>
-          <a:solidFill>
-            <a:schemeClr val="accent2"/>
-          </a:solidFill>
-          <a:ln>
-            <a:solidFill>
-              <a:schemeClr val="accent2"/>
-            </a:solidFill>
-          </a:ln>
-        </p:spPr>
-        <p:style>
-          <a:lnRef idx="2">
-            <a:schemeClr val="accent1">
-              <a:shade val="50000"/>
-            </a:schemeClr>
-          </a:lnRef>
-          <a:fillRef idx="1">
-            <a:schemeClr val="accent1"/>
-          </a:fillRef>
-          <a:effectRef idx="0">
-            <a:schemeClr val="accent1"/>
-          </a:effectRef>
-          <a:fontRef idx="minor">
-            <a:schemeClr val="lt1"/>
-          </a:fontRef>
-        </p:style>
-        <p:txBody>
-          <a:bodyPr rtlCol="0" anchor="ctr"/>
-          <a:lstStyle/>
-          <a:p>
-            <a:pPr algn="ctr"/>
-            <a:endParaRPr lang="de-DE"/>
-          </a:p>
-        </p:txBody>
-      </p:sp>
-      <p:sp>
-        <p:nvSpPr>
-          <p:cNvPr id="7" name="Rechteck 6"/>
-          <p:cNvSpPr/>
-          <p:nvPr/>
-        </p:nvSpPr>
-        <p:spPr>
-          <a:xfrm>
-            <a:off x="5844958" y="1933049"/>
-            <a:ext cx="864096" cy="864096"/>
-          </a:xfrm>
-          <a:prstGeom prst="rect">
-            <a:avLst/>
-          </a:prstGeom>
-          <a:solidFill>
-            <a:schemeClr val="accent2"/>
-          </a:solidFill>
-          <a:ln>
-            <a:solidFill>
-              <a:schemeClr val="accent2"/>
-            </a:solidFill>
-          </a:ln>
-        </p:spPr>
-        <p:style>
-          <a:lnRef idx="2">
-            <a:schemeClr val="accent1">
-              <a:shade val="50000"/>
-            </a:schemeClr>
-          </a:lnRef>
-          <a:fillRef idx="1">
-            <a:schemeClr val="accent1"/>
-          </a:fillRef>
-          <a:effectRef idx="0">
-            <a:schemeClr val="accent1"/>
-          </a:effectRef>
-          <a:fontRef idx="minor">
-            <a:schemeClr val="lt1"/>
-          </a:fontRef>
-        </p:style>
-        <p:txBody>
-          <a:bodyPr rtlCol="0" anchor="ctr"/>
-          <a:lstStyle/>
-          <a:p>
-            <a:pPr algn="ctr"/>
-            <a:r>
-              <a:rPr lang="de-DE" sz="3000" dirty="0" smtClean="0">
-                <a:ln w="0"/>
-                <a:solidFill>
-                  <a:schemeClr val="tx1"/>
-                </a:solidFill>
-                <a:effectLst>
-                  <a:outerShdw blurRad="38100" dist="19050" dir="2700000" algn="tl" rotWithShape="0">
-                    <a:schemeClr val="dk1">
-                      <a:alpha val="40000"/>
-                    </a:schemeClr>
-                  </a:outerShdw>
-                </a:effectLst>
-              </a:rPr>
-              <a:t>M1</a:t>
-            </a:r>
-            <a:endParaRPr lang="de-DE" sz="3000" dirty="0">
-              <a:ln w="0"/>
-              <a:solidFill>
-                <a:schemeClr val="tx1"/>
-              </a:solidFill>
-              <a:effectLst>
-                <a:outerShdw blurRad="38100" dist="19050" dir="2700000" algn="tl" rotWithShape="0">
-                  <a:schemeClr val="dk1">
-                    <a:alpha val="40000"/>
-                  </a:schemeClr>
-                </a:outerShdw>
-              </a:effectLst>
-            </a:endParaRPr>
-          </a:p>
-        </p:txBody>
-      </p:sp>
-      <p:sp>
-        <p:nvSpPr>
-          <p:cNvPr id="12" name="Pfeil nach unten 11"/>
-          <p:cNvSpPr/>
-          <p:nvPr/>
-        </p:nvSpPr>
-        <p:spPr>
-          <a:xfrm rot="2741239">
-            <a:off x="6345908" y="1246424"/>
-            <a:ext cx="484632" cy="978408"/>
-          </a:xfrm>
-          <a:prstGeom prst="downArrow">
-            <a:avLst/>
-          </a:prstGeom>
-          <a:solidFill>
-            <a:srgbClr val="FFC000"/>
-          </a:solidFill>
-          <a:ln>
-            <a:solidFill>
-              <a:srgbClr val="FFC000"/>
-            </a:solidFill>
-          </a:ln>
-        </p:spPr>
-        <p:style>
-          <a:lnRef idx="2">
-            <a:schemeClr val="accent1">
-              <a:shade val="50000"/>
-            </a:schemeClr>
-          </a:lnRef>
-          <a:fillRef idx="1">
-            <a:schemeClr val="accent1"/>
-          </a:fillRef>
-          <a:effectRef idx="0">
-            <a:schemeClr val="accent1"/>
-          </a:effectRef>
-          <a:fontRef idx="minor">
-            <a:schemeClr val="lt1"/>
-          </a:fontRef>
-        </p:style>
-        <p:txBody>
-          <a:bodyPr rtlCol="0" anchor="ctr"/>
-          <a:lstStyle/>
-          <a:p>
-            <a:pPr algn="ctr"/>
-            <a:endParaRPr lang="de-DE"/>
-          </a:p>
-        </p:txBody>
-      </p:sp>
-      <p:sp>
-        <p:nvSpPr>
-          <p:cNvPr id="9" name="Rechteck 8"/>
-          <p:cNvSpPr/>
-          <p:nvPr/>
-        </p:nvSpPr>
-        <p:spPr>
-          <a:xfrm>
-            <a:off x="6682401" y="788449"/>
-            <a:ext cx="864096" cy="864096"/>
-          </a:xfrm>
-          <a:prstGeom prst="rect">
-            <a:avLst/>
-          </a:prstGeom>
-          <a:solidFill>
-            <a:srgbClr val="FFC000"/>
-          </a:solidFill>
-          <a:ln>
-            <a:solidFill>
-              <a:srgbClr val="FFC000"/>
-            </a:solidFill>
-          </a:ln>
-        </p:spPr>
-        <p:style>
-          <a:lnRef idx="2">
-            <a:schemeClr val="accent1">
-              <a:shade val="50000"/>
-            </a:schemeClr>
-          </a:lnRef>
-          <a:fillRef idx="1">
-            <a:schemeClr val="accent1"/>
-          </a:fillRef>
-          <a:effectRef idx="0">
-            <a:schemeClr val="accent1"/>
-          </a:effectRef>
-          <a:fontRef idx="minor">
-            <a:schemeClr val="lt1"/>
-          </a:fontRef>
-        </p:style>
-        <p:txBody>
-          <a:bodyPr rtlCol="0" anchor="ctr"/>
-          <a:lstStyle/>
-          <a:p>
-            <a:pPr algn="ctr"/>
-            <a:r>
-              <a:rPr lang="de-DE" sz="3000" dirty="0" smtClean="0">
-                <a:ln w="0"/>
-                <a:solidFill>
-                  <a:schemeClr val="tx1"/>
-                </a:solidFill>
-                <a:effectLst>
-                  <a:outerShdw blurRad="38100" dist="19050" dir="2700000" algn="tl" rotWithShape="0">
-                    <a:schemeClr val="dk1">
-                      <a:alpha val="40000"/>
-                    </a:schemeClr>
-                  </a:outerShdw>
-                </a:effectLst>
-              </a:rPr>
-              <a:t>M2</a:t>
-            </a:r>
-            <a:endParaRPr lang="de-DE" sz="3000" dirty="0">
-              <a:ln w="0"/>
-              <a:solidFill>
-                <a:schemeClr val="tx1"/>
-              </a:solidFill>
-              <a:effectLst>
-                <a:outerShdw blurRad="38100" dist="19050" dir="2700000" algn="tl" rotWithShape="0">
-                  <a:schemeClr val="dk1">
-                    <a:alpha val="40000"/>
-                  </a:schemeClr>
-                </a:outerShdw>
-              </a:effectLst>
-            </a:endParaRPr>
-          </a:p>
-        </p:txBody>
-      </p:sp>
-    </p:spTree>
-    <p:extLst>
-      <p:ext uri="{BB962C8B-B14F-4D97-AF65-F5344CB8AC3E}">
-        <p14:creationId xmlns:p14="http://schemas.microsoft.com/office/powerpoint/2010/main" val="1734526446"/>
       </p:ext>
     </p:extLst>
   </p:cSld>

--- a/Praesentation/FMSynthese-Matze.pptx
+++ b/Praesentation/FMSynthese-Matze.pptx
@@ -5,7 +5,7 @@
     <p:sldMasterId id="2147483648" r:id="rId1"/>
   </p:sldMasterIdLst>
   <p:notesMasterIdLst>
-    <p:notesMasterId r:id="rId17"/>
+    <p:notesMasterId r:id="rId18"/>
   </p:notesMasterIdLst>
   <p:sldIdLst>
     <p:sldId id="259" r:id="rId2"/>
@@ -18,11 +18,12 @@
     <p:sldId id="271" r:id="rId9"/>
     <p:sldId id="267" r:id="rId10"/>
     <p:sldId id="264" r:id="rId11"/>
-    <p:sldId id="272" r:id="rId12"/>
-    <p:sldId id="268" r:id="rId13"/>
-    <p:sldId id="269" r:id="rId14"/>
-    <p:sldId id="270" r:id="rId15"/>
-    <p:sldId id="273" r:id="rId16"/>
+    <p:sldId id="274" r:id="rId12"/>
+    <p:sldId id="272" r:id="rId13"/>
+    <p:sldId id="268" r:id="rId14"/>
+    <p:sldId id="269" r:id="rId15"/>
+    <p:sldId id="270" r:id="rId16"/>
+    <p:sldId id="273" r:id="rId17"/>
   </p:sldIdLst>
   <p:sldSz cx="9144000" cy="5143500" type="screen16x9"/>
   <p:notesSz cx="6858000" cy="9144000"/>
@@ -3640,274 +3641,9 @@
           <a:chExt cx="0" cy="0"/>
         </a:xfrm>
       </p:grpSpPr>
-      <p:sp>
-        <p:nvSpPr>
-          <p:cNvPr id="2" name="Titel 1"/>
-          <p:cNvSpPr>
-            <a:spLocks noGrp="1"/>
-          </p:cNvSpPr>
-          <p:nvPr>
-            <p:ph type="title"/>
-          </p:nvPr>
-        </p:nvSpPr>
-        <p:spPr/>
-        <p:txBody>
-          <a:bodyPr/>
-          <a:lstStyle/>
-          <a:p>
-            <a:r>
-              <a:rPr lang="de-DE" dirty="0" smtClean="0"/>
-              <a:t>Kaskadenschaltung</a:t>
-            </a:r>
-            <a:endParaRPr lang="de-DE" dirty="0"/>
-          </a:p>
-        </p:txBody>
-      </p:sp>
-      <p:sp>
-        <p:nvSpPr>
-          <p:cNvPr id="4" name="Datumsplatzhalter 3"/>
-          <p:cNvSpPr>
-            <a:spLocks noGrp="1"/>
-          </p:cNvSpPr>
-          <p:nvPr>
-            <p:ph type="dt" sz="half" idx="10"/>
-          </p:nvPr>
-        </p:nvSpPr>
-        <p:spPr/>
-        <p:txBody>
-          <a:bodyPr/>
-          <a:lstStyle/>
-          <a:p>
-            <a:fld id="{296000BE-0612-4D88-A1AC-FF1287139C2E}" type="datetime1">
-              <a:rPr lang="de-DE" smtClean="0"/>
-              <a:t>21.06.2015</a:t>
-            </a:fld>
-            <a:endParaRPr lang="de-DE" dirty="0"/>
-          </a:p>
-        </p:txBody>
-      </p:sp>
-      <p:sp>
-        <p:nvSpPr>
-          <p:cNvPr id="5" name="Fußzeilenplatzhalter 4"/>
-          <p:cNvSpPr>
-            <a:spLocks noGrp="1"/>
-          </p:cNvSpPr>
-          <p:nvPr>
-            <p:ph type="ftr" sz="quarter" idx="11"/>
-          </p:nvPr>
-        </p:nvSpPr>
-        <p:spPr/>
-        <p:txBody>
-          <a:bodyPr/>
-          <a:lstStyle/>
-          <a:p>
-            <a:r>
-              <a:rPr lang="de-DE" smtClean="0"/>
-              <a:t>FM-Synthese</a:t>
-            </a:r>
-            <a:endParaRPr lang="de-DE" dirty="0"/>
-          </a:p>
-        </p:txBody>
-      </p:sp>
-      <p:sp>
-        <p:nvSpPr>
-          <p:cNvPr id="6" name="Foliennummernplatzhalter 5"/>
-          <p:cNvSpPr>
-            <a:spLocks noGrp="1"/>
-          </p:cNvSpPr>
-          <p:nvPr>
-            <p:ph type="sldNum" sz="quarter" idx="12"/>
-          </p:nvPr>
-        </p:nvSpPr>
-        <p:spPr/>
-        <p:txBody>
-          <a:bodyPr/>
-          <a:lstStyle/>
-          <a:p>
-            <a:fld id="{8740CB20-F870-467D-84CE-AB32061190A1}" type="slidenum">
-              <a:rPr lang="en-US" smtClean="0"/>
-              <a:t>10</a:t>
-            </a:fld>
-            <a:r>
-              <a:rPr lang="de-DE" smtClean="0"/>
-              <a:t>   </a:t>
-            </a:r>
-            <a:endParaRPr lang="de-DE" dirty="0"/>
-          </a:p>
-        </p:txBody>
-      </p:sp>
-      <p:sp>
-        <p:nvSpPr>
-          <p:cNvPr id="17" name="Pfeil nach unten 16"/>
-          <p:cNvSpPr/>
-          <p:nvPr/>
-        </p:nvSpPr>
-        <p:spPr>
-          <a:xfrm>
-            <a:off x="7193816" y="3579862"/>
-            <a:ext cx="543918" cy="978408"/>
-          </a:xfrm>
-          <a:prstGeom prst="downArrow">
-            <a:avLst/>
-          </a:prstGeom>
-          <a:solidFill>
-            <a:schemeClr val="accent1"/>
-          </a:solidFill>
-          <a:ln>
-            <a:solidFill>
-              <a:schemeClr val="accent1"/>
-            </a:solidFill>
-          </a:ln>
-        </p:spPr>
-        <p:style>
-          <a:lnRef idx="2">
-            <a:schemeClr val="accent1">
-              <a:shade val="50000"/>
-            </a:schemeClr>
-          </a:lnRef>
-          <a:fillRef idx="1">
-            <a:schemeClr val="accent1"/>
-          </a:fillRef>
-          <a:effectRef idx="0">
-            <a:schemeClr val="accent1"/>
-          </a:effectRef>
-          <a:fontRef idx="minor">
-            <a:schemeClr val="lt1"/>
-          </a:fontRef>
-        </p:style>
-        <p:txBody>
-          <a:bodyPr rtlCol="0" anchor="ctr"/>
-          <a:lstStyle/>
-          <a:p>
-            <a:pPr algn="ctr"/>
-            <a:endParaRPr lang="de-DE"/>
-          </a:p>
-        </p:txBody>
-      </p:sp>
-      <p:sp>
-        <p:nvSpPr>
-          <p:cNvPr id="10" name="Rechteck 9"/>
-          <p:cNvSpPr/>
-          <p:nvPr/>
-        </p:nvSpPr>
-        <p:spPr>
-          <a:xfrm>
-            <a:off x="7033727" y="3060416"/>
-            <a:ext cx="864096" cy="864096"/>
-          </a:xfrm>
-          <a:prstGeom prst="rect">
-            <a:avLst/>
-          </a:prstGeom>
-          <a:ln>
-            <a:solidFill>
-              <a:schemeClr val="accent1"/>
-            </a:solidFill>
-          </a:ln>
-        </p:spPr>
-        <p:style>
-          <a:lnRef idx="2">
-            <a:schemeClr val="accent1">
-              <a:shade val="50000"/>
-            </a:schemeClr>
-          </a:lnRef>
-          <a:fillRef idx="1">
-            <a:schemeClr val="accent1"/>
-          </a:fillRef>
-          <a:effectRef idx="0">
-            <a:schemeClr val="accent1"/>
-          </a:effectRef>
-          <a:fontRef idx="minor">
-            <a:schemeClr val="lt1"/>
-          </a:fontRef>
-        </p:style>
-        <p:txBody>
-          <a:bodyPr rtlCol="0" anchor="ctr"/>
-          <a:lstStyle/>
-          <a:p>
-            <a:pPr algn="ctr"/>
-            <a:r>
-              <a:rPr lang="de-DE" sz="3000" dirty="0" smtClean="0">
-                <a:ln w="0"/>
-                <a:solidFill>
-                  <a:schemeClr val="tx1"/>
-                </a:solidFill>
-                <a:effectLst>
-                  <a:outerShdw blurRad="38100" dist="19050" dir="2700000" algn="tl" rotWithShape="0">
-                    <a:schemeClr val="dk1">
-                      <a:alpha val="40000"/>
-                    </a:schemeClr>
-                  </a:outerShdw>
-                </a:effectLst>
-              </a:rPr>
-              <a:t>T</a:t>
-            </a:r>
-            <a:endParaRPr lang="de-DE" sz="3000" dirty="0">
-              <a:ln w="0"/>
-              <a:solidFill>
-                <a:schemeClr val="tx1"/>
-              </a:solidFill>
-              <a:effectLst>
-                <a:outerShdw blurRad="38100" dist="19050" dir="2700000" algn="tl" rotWithShape="0">
-                  <a:schemeClr val="dk1">
-                    <a:alpha val="40000"/>
-                  </a:schemeClr>
-                </a:outerShdw>
-              </a:effectLst>
-            </a:endParaRPr>
-          </a:p>
-        </p:txBody>
-      </p:sp>
-      <p:sp>
-        <p:nvSpPr>
-          <p:cNvPr id="11" name="Pfeil nach unten 10"/>
-          <p:cNvSpPr/>
-          <p:nvPr/>
-        </p:nvSpPr>
-        <p:spPr>
-          <a:xfrm>
-            <a:off x="7216209" y="2270734"/>
-            <a:ext cx="484632" cy="978408"/>
-          </a:xfrm>
-          <a:prstGeom prst="downArrow">
-            <a:avLst/>
-          </a:prstGeom>
-          <a:solidFill>
-            <a:schemeClr val="accent2"/>
-          </a:solidFill>
-          <a:ln>
-            <a:solidFill>
-              <a:schemeClr val="accent2"/>
-            </a:solidFill>
-          </a:ln>
-        </p:spPr>
-        <p:style>
-          <a:lnRef idx="2">
-            <a:schemeClr val="accent1">
-              <a:shade val="50000"/>
-            </a:schemeClr>
-          </a:lnRef>
-          <a:fillRef idx="1">
-            <a:schemeClr val="accent1"/>
-          </a:fillRef>
-          <a:effectRef idx="0">
-            <a:schemeClr val="accent1"/>
-          </a:effectRef>
-          <a:fontRef idx="minor">
-            <a:schemeClr val="lt1"/>
-          </a:fontRef>
-        </p:style>
-        <p:txBody>
-          <a:bodyPr rtlCol="0" anchor="ctr"/>
-          <a:lstStyle/>
-          <a:p>
-            <a:pPr algn="ctr"/>
-            <a:endParaRPr lang="de-DE"/>
-          </a:p>
-        </p:txBody>
-      </p:sp>
       <p:pic>
         <p:nvPicPr>
-          <p:cNvPr id="8" name="Grafik 7"/>
+          <p:cNvPr id="15" name="Grafik 14"/>
           <p:cNvPicPr>
             <a:picLocks noChangeAspect="1"/>
           </p:cNvPicPr>
@@ -3927,8 +3663,8 @@
         </p:blipFill>
         <p:spPr>
           <a:xfrm>
-            <a:off x="233772" y="2739989"/>
-            <a:ext cx="5839640" cy="990738"/>
+            <a:off x="107504" y="2721750"/>
+            <a:ext cx="5572903" cy="847843"/>
           </a:xfrm>
           <a:prstGeom prst="rect">
             <a:avLst/>
@@ -3937,13 +3673,278 @@
       </p:pic>
       <p:sp>
         <p:nvSpPr>
+          <p:cNvPr id="2" name="Titel 1"/>
+          <p:cNvSpPr>
+            <a:spLocks noGrp="1"/>
+          </p:cNvSpPr>
+          <p:nvPr>
+            <p:ph type="title"/>
+          </p:nvPr>
+        </p:nvSpPr>
+        <p:spPr/>
+        <p:txBody>
+          <a:bodyPr/>
+          <a:lstStyle/>
+          <a:p>
+            <a:r>
+              <a:rPr lang="de-DE" dirty="0" smtClean="0"/>
+              <a:t>Kaskadenschaltung</a:t>
+            </a:r>
+            <a:endParaRPr lang="de-DE" dirty="0"/>
+          </a:p>
+        </p:txBody>
+      </p:sp>
+      <p:sp>
+        <p:nvSpPr>
+          <p:cNvPr id="4" name="Datumsplatzhalter 3"/>
+          <p:cNvSpPr>
+            <a:spLocks noGrp="1"/>
+          </p:cNvSpPr>
+          <p:nvPr>
+            <p:ph type="dt" sz="half" idx="10"/>
+          </p:nvPr>
+        </p:nvSpPr>
+        <p:spPr/>
+        <p:txBody>
+          <a:bodyPr/>
+          <a:lstStyle/>
+          <a:p>
+            <a:fld id="{296000BE-0612-4D88-A1AC-FF1287139C2E}" type="datetime1">
+              <a:rPr lang="de-DE" smtClean="0"/>
+              <a:t>21.06.2015</a:t>
+            </a:fld>
+            <a:endParaRPr lang="de-DE" dirty="0"/>
+          </a:p>
+        </p:txBody>
+      </p:sp>
+      <p:sp>
+        <p:nvSpPr>
+          <p:cNvPr id="5" name="Fußzeilenplatzhalter 4"/>
+          <p:cNvSpPr>
+            <a:spLocks noGrp="1"/>
+          </p:cNvSpPr>
+          <p:nvPr>
+            <p:ph type="ftr" sz="quarter" idx="11"/>
+          </p:nvPr>
+        </p:nvSpPr>
+        <p:spPr/>
+        <p:txBody>
+          <a:bodyPr/>
+          <a:lstStyle/>
+          <a:p>
+            <a:r>
+              <a:rPr lang="de-DE" smtClean="0"/>
+              <a:t>FM-Synthese</a:t>
+            </a:r>
+            <a:endParaRPr lang="de-DE" dirty="0"/>
+          </a:p>
+        </p:txBody>
+      </p:sp>
+      <p:sp>
+        <p:nvSpPr>
+          <p:cNvPr id="6" name="Foliennummernplatzhalter 5"/>
+          <p:cNvSpPr>
+            <a:spLocks noGrp="1"/>
+          </p:cNvSpPr>
+          <p:nvPr>
+            <p:ph type="sldNum" sz="quarter" idx="12"/>
+          </p:nvPr>
+        </p:nvSpPr>
+        <p:spPr/>
+        <p:txBody>
+          <a:bodyPr/>
+          <a:lstStyle/>
+          <a:p>
+            <a:fld id="{8740CB20-F870-467D-84CE-AB32061190A1}" type="slidenum">
+              <a:rPr lang="en-US" smtClean="0"/>
+              <a:t>10</a:t>
+            </a:fld>
+            <a:r>
+              <a:rPr lang="de-DE" smtClean="0"/>
+              <a:t>   </a:t>
+            </a:r>
+            <a:endParaRPr lang="de-DE" dirty="0"/>
+          </a:p>
+        </p:txBody>
+      </p:sp>
+      <p:sp>
+        <p:nvSpPr>
+          <p:cNvPr id="17" name="Pfeil nach unten 16"/>
+          <p:cNvSpPr/>
+          <p:nvPr/>
+        </p:nvSpPr>
+        <p:spPr>
+          <a:xfrm>
+            <a:off x="7193816" y="3579862"/>
+            <a:ext cx="543918" cy="978408"/>
+          </a:xfrm>
+          <a:prstGeom prst="downArrow">
+            <a:avLst/>
+          </a:prstGeom>
+          <a:solidFill>
+            <a:schemeClr val="accent1"/>
+          </a:solidFill>
+          <a:ln>
+            <a:solidFill>
+              <a:schemeClr val="accent1"/>
+            </a:solidFill>
+          </a:ln>
+        </p:spPr>
+        <p:style>
+          <a:lnRef idx="2">
+            <a:schemeClr val="accent1">
+              <a:shade val="50000"/>
+            </a:schemeClr>
+          </a:lnRef>
+          <a:fillRef idx="1">
+            <a:schemeClr val="accent1"/>
+          </a:fillRef>
+          <a:effectRef idx="0">
+            <a:schemeClr val="accent1"/>
+          </a:effectRef>
+          <a:fontRef idx="minor">
+            <a:schemeClr val="lt1"/>
+          </a:fontRef>
+        </p:style>
+        <p:txBody>
+          <a:bodyPr rtlCol="0" anchor="ctr"/>
+          <a:lstStyle/>
+          <a:p>
+            <a:pPr algn="ctr"/>
+            <a:endParaRPr lang="de-DE"/>
+          </a:p>
+        </p:txBody>
+      </p:sp>
+      <p:sp>
+        <p:nvSpPr>
+          <p:cNvPr id="10" name="Rechteck 9"/>
+          <p:cNvSpPr/>
+          <p:nvPr/>
+        </p:nvSpPr>
+        <p:spPr>
+          <a:xfrm>
+            <a:off x="7033727" y="3060416"/>
+            <a:ext cx="864096" cy="864096"/>
+          </a:xfrm>
+          <a:prstGeom prst="rect">
+            <a:avLst/>
+          </a:prstGeom>
+          <a:ln>
+            <a:solidFill>
+              <a:schemeClr val="accent1"/>
+            </a:solidFill>
+          </a:ln>
+        </p:spPr>
+        <p:style>
+          <a:lnRef idx="2">
+            <a:schemeClr val="accent1">
+              <a:shade val="50000"/>
+            </a:schemeClr>
+          </a:lnRef>
+          <a:fillRef idx="1">
+            <a:schemeClr val="accent1"/>
+          </a:fillRef>
+          <a:effectRef idx="0">
+            <a:schemeClr val="accent1"/>
+          </a:effectRef>
+          <a:fontRef idx="minor">
+            <a:schemeClr val="lt1"/>
+          </a:fontRef>
+        </p:style>
+        <p:txBody>
+          <a:bodyPr rtlCol="0" anchor="ctr"/>
+          <a:lstStyle/>
+          <a:p>
+            <a:pPr algn="ctr"/>
+            <a:r>
+              <a:rPr lang="de-DE" sz="3000" dirty="0" smtClean="0">
+                <a:ln w="0"/>
+                <a:solidFill>
+                  <a:schemeClr val="tx1"/>
+                </a:solidFill>
+                <a:effectLst>
+                  <a:outerShdw blurRad="38100" dist="19050" dir="2700000" algn="tl" rotWithShape="0">
+                    <a:schemeClr val="dk1">
+                      <a:alpha val="40000"/>
+                    </a:schemeClr>
+                  </a:outerShdw>
+                </a:effectLst>
+              </a:rPr>
+              <a:t>T</a:t>
+            </a:r>
+            <a:endParaRPr lang="de-DE" sz="3000" dirty="0">
+              <a:ln w="0"/>
+              <a:solidFill>
+                <a:schemeClr val="tx1"/>
+              </a:solidFill>
+              <a:effectLst>
+                <a:outerShdw blurRad="38100" dist="19050" dir="2700000" algn="tl" rotWithShape="0">
+                  <a:schemeClr val="dk1">
+                    <a:alpha val="40000"/>
+                  </a:schemeClr>
+                </a:outerShdw>
+              </a:effectLst>
+            </a:endParaRPr>
+          </a:p>
+        </p:txBody>
+      </p:sp>
+      <p:sp>
+        <p:nvSpPr>
+          <p:cNvPr id="11" name="Pfeil nach unten 10"/>
+          <p:cNvSpPr/>
+          <p:nvPr/>
+        </p:nvSpPr>
+        <p:spPr>
+          <a:xfrm>
+            <a:off x="7216209" y="2270734"/>
+            <a:ext cx="484632" cy="978408"/>
+          </a:xfrm>
+          <a:prstGeom prst="downArrow">
+            <a:avLst/>
+          </a:prstGeom>
+          <a:solidFill>
+            <a:schemeClr val="accent2"/>
+          </a:solidFill>
+          <a:ln>
+            <a:solidFill>
+              <a:schemeClr val="accent2"/>
+            </a:solidFill>
+          </a:ln>
+        </p:spPr>
+        <p:style>
+          <a:lnRef idx="2">
+            <a:schemeClr val="accent1">
+              <a:shade val="50000"/>
+            </a:schemeClr>
+          </a:lnRef>
+          <a:fillRef idx="1">
+            <a:schemeClr val="accent1"/>
+          </a:fillRef>
+          <a:effectRef idx="0">
+            <a:schemeClr val="accent1"/>
+          </a:effectRef>
+          <a:fontRef idx="minor">
+            <a:schemeClr val="lt1"/>
+          </a:fontRef>
+        </p:style>
+        <p:txBody>
+          <a:bodyPr rtlCol="0" anchor="ctr"/>
+          <a:lstStyle/>
+          <a:p>
+            <a:pPr algn="ctr"/>
+            <a:endParaRPr lang="de-DE"/>
+          </a:p>
+        </p:txBody>
+      </p:sp>
+      <p:sp>
+        <p:nvSpPr>
           <p:cNvPr id="13" name="Textfeld 12"/>
           <p:cNvSpPr txBox="1"/>
           <p:nvPr/>
         </p:nvSpPr>
         <p:spPr>
           <a:xfrm>
-            <a:off x="178114" y="3076477"/>
+            <a:off x="139977" y="2961005"/>
             <a:ext cx="300082" cy="369332"/>
           </a:xfrm>
           <a:prstGeom prst="rect">
@@ -3952,7 +3953,7 @@
           <a:noFill/>
         </p:spPr>
         <p:txBody>
-          <a:bodyPr wrap="none" rtlCol="0">
+          <a:bodyPr wrap="square" rtlCol="0">
             <a:spAutoFit/>
           </a:bodyPr>
           <a:lstStyle/>
@@ -4195,42 +4196,6 @@
           </a:p>
         </p:txBody>
       </p:sp>
-      <p:cxnSp>
-        <p:nvCxnSpPr>
-          <p:cNvPr id="16" name="Gerade Verbindung mit Pfeil 15"/>
-          <p:cNvCxnSpPr/>
-          <p:nvPr/>
-        </p:nvCxnSpPr>
-        <p:spPr>
-          <a:xfrm flipV="1">
-            <a:off x="2699792" y="3436095"/>
-            <a:ext cx="0" cy="488417"/>
-          </a:xfrm>
-          <a:prstGeom prst="straightConnector1">
-            <a:avLst/>
-          </a:prstGeom>
-          <a:ln w="57150">
-            <a:solidFill>
-              <a:srgbClr val="FF0000"/>
-            </a:solidFill>
-            <a:tailEnd type="triangle"/>
-          </a:ln>
-        </p:spPr>
-        <p:style>
-          <a:lnRef idx="1">
-            <a:schemeClr val="accent1"/>
-          </a:lnRef>
-          <a:fillRef idx="0">
-            <a:schemeClr val="accent1"/>
-          </a:fillRef>
-          <a:effectRef idx="0">
-            <a:schemeClr val="accent1"/>
-          </a:effectRef>
-          <a:fontRef idx="minor">
-            <a:schemeClr val="tx1"/>
-          </a:fontRef>
-        </p:style>
-      </p:cxnSp>
     </p:spTree>
     <p:extLst>
       <p:ext uri="{BB962C8B-B14F-4D97-AF65-F5344CB8AC3E}">
@@ -4252,6 +4217,335 @@
 </file>
 
 <file path=ppt/slides/slide11.xml><?xml version="1.0" encoding="utf-8"?>
+<p:sld xmlns:a="http://schemas.openxmlformats.org/drawingml/2006/main" xmlns:r="http://schemas.openxmlformats.org/officeDocument/2006/relationships" xmlns:p="http://schemas.openxmlformats.org/presentationml/2006/main">
+  <p:cSld>
+    <p:spTree>
+      <p:nvGrpSpPr>
+        <p:cNvPr id="1" name=""/>
+        <p:cNvGrpSpPr/>
+        <p:nvPr/>
+      </p:nvGrpSpPr>
+      <p:grpSpPr>
+        <a:xfrm>
+          <a:off x="0" y="0"/>
+          <a:ext cx="0" cy="0"/>
+          <a:chOff x="0" y="0"/>
+          <a:chExt cx="0" cy="0"/>
+        </a:xfrm>
+      </p:grpSpPr>
+      <p:pic>
+        <p:nvPicPr>
+          <p:cNvPr id="15" name="Grafik 14"/>
+          <p:cNvPicPr>
+            <a:picLocks noChangeAspect="1"/>
+          </p:cNvPicPr>
+          <p:nvPr/>
+        </p:nvPicPr>
+        <p:blipFill>
+          <a:blip r:embed="rId2">
+            <a:extLst>
+              <a:ext uri="{28A0092B-C50C-407E-A947-70E740481C1C}">
+                <a14:useLocalDpi xmlns:a14="http://schemas.microsoft.com/office/drawing/2010/main" val="0"/>
+              </a:ext>
+            </a:extLst>
+          </a:blip>
+          <a:stretch>
+            <a:fillRect/>
+          </a:stretch>
+        </p:blipFill>
+        <p:spPr>
+          <a:xfrm>
+            <a:off x="2004538" y="3009349"/>
+            <a:ext cx="5572903" cy="847843"/>
+          </a:xfrm>
+          <a:prstGeom prst="rect">
+            <a:avLst/>
+          </a:prstGeom>
+        </p:spPr>
+      </p:pic>
+      <p:sp>
+        <p:nvSpPr>
+          <p:cNvPr id="2" name="Titel 1"/>
+          <p:cNvSpPr>
+            <a:spLocks noGrp="1"/>
+          </p:cNvSpPr>
+          <p:nvPr>
+            <p:ph type="title"/>
+          </p:nvPr>
+        </p:nvSpPr>
+        <p:spPr/>
+        <p:txBody>
+          <a:bodyPr/>
+          <a:lstStyle/>
+          <a:p>
+            <a:r>
+              <a:rPr lang="de-DE" sz="2800" dirty="0" smtClean="0"/>
+              <a:t>Vergleich: </a:t>
+            </a:r>
+            <a:br>
+              <a:rPr lang="de-DE" sz="2800" dirty="0" smtClean="0"/>
+            </a:br>
+            <a:r>
+              <a:rPr lang="de-DE" sz="2800" dirty="0" smtClean="0"/>
+              <a:t>Formel Spektrum Parallelschaltung </a:t>
+            </a:r>
+            <a:br>
+              <a:rPr lang="de-DE" sz="2800" dirty="0" smtClean="0"/>
+            </a:br>
+            <a:r>
+              <a:rPr lang="de-DE" sz="2800" dirty="0" smtClean="0"/>
+              <a:t>vs. Formel Spektrum Kaskadenschaltung</a:t>
+            </a:r>
+            <a:endParaRPr lang="de-DE" sz="2800" dirty="0"/>
+          </a:p>
+        </p:txBody>
+      </p:sp>
+      <p:sp>
+        <p:nvSpPr>
+          <p:cNvPr id="4" name="Datumsplatzhalter 3"/>
+          <p:cNvSpPr>
+            <a:spLocks noGrp="1"/>
+          </p:cNvSpPr>
+          <p:nvPr>
+            <p:ph type="dt" sz="half" idx="10"/>
+          </p:nvPr>
+        </p:nvSpPr>
+        <p:spPr/>
+        <p:txBody>
+          <a:bodyPr/>
+          <a:lstStyle/>
+          <a:p>
+            <a:fld id="{296000BE-0612-4D88-A1AC-FF1287139C2E}" type="datetime1">
+              <a:rPr lang="de-DE" smtClean="0"/>
+              <a:t>21.06.2015</a:t>
+            </a:fld>
+            <a:endParaRPr lang="de-DE" dirty="0"/>
+          </a:p>
+        </p:txBody>
+      </p:sp>
+      <p:sp>
+        <p:nvSpPr>
+          <p:cNvPr id="5" name="Fußzeilenplatzhalter 4"/>
+          <p:cNvSpPr>
+            <a:spLocks noGrp="1"/>
+          </p:cNvSpPr>
+          <p:nvPr>
+            <p:ph type="ftr" sz="quarter" idx="11"/>
+          </p:nvPr>
+        </p:nvSpPr>
+        <p:spPr/>
+        <p:txBody>
+          <a:bodyPr/>
+          <a:lstStyle/>
+          <a:p>
+            <a:r>
+              <a:rPr lang="de-DE" smtClean="0"/>
+              <a:t>FM-Synthese</a:t>
+            </a:r>
+            <a:endParaRPr lang="de-DE" dirty="0"/>
+          </a:p>
+        </p:txBody>
+      </p:sp>
+      <p:sp>
+        <p:nvSpPr>
+          <p:cNvPr id="6" name="Foliennummernplatzhalter 5"/>
+          <p:cNvSpPr>
+            <a:spLocks noGrp="1"/>
+          </p:cNvSpPr>
+          <p:nvPr>
+            <p:ph type="sldNum" sz="quarter" idx="12"/>
+          </p:nvPr>
+        </p:nvSpPr>
+        <p:spPr/>
+        <p:txBody>
+          <a:bodyPr/>
+          <a:lstStyle/>
+          <a:p>
+            <a:fld id="{8740CB20-F870-467D-84CE-AB32061190A1}" type="slidenum">
+              <a:rPr lang="en-US" smtClean="0"/>
+              <a:t>11</a:t>
+            </a:fld>
+            <a:r>
+              <a:rPr lang="de-DE" smtClean="0"/>
+              <a:t>   </a:t>
+            </a:r>
+            <a:endParaRPr lang="de-DE" dirty="0"/>
+          </a:p>
+        </p:txBody>
+      </p:sp>
+      <p:pic>
+        <p:nvPicPr>
+          <p:cNvPr id="9" name="Grafik 8"/>
+          <p:cNvPicPr>
+            <a:picLocks noChangeAspect="1"/>
+          </p:cNvPicPr>
+          <p:nvPr/>
+        </p:nvPicPr>
+        <p:blipFill>
+          <a:blip r:embed="rId3">
+            <a:extLst>
+              <a:ext uri="{28A0092B-C50C-407E-A947-70E740481C1C}">
+                <a14:useLocalDpi xmlns:a14="http://schemas.microsoft.com/office/drawing/2010/main" val="0"/>
+              </a:ext>
+            </a:extLst>
+          </a:blip>
+          <a:stretch>
+            <a:fillRect/>
+          </a:stretch>
+        </p:blipFill>
+        <p:spPr>
+          <a:xfrm>
+            <a:off x="2021820" y="1751338"/>
+            <a:ext cx="5115639" cy="924054"/>
+          </a:xfrm>
+          <a:prstGeom prst="rect">
+            <a:avLst/>
+          </a:prstGeom>
+        </p:spPr>
+      </p:pic>
+      <p:cxnSp>
+        <p:nvCxnSpPr>
+          <p:cNvPr id="11" name="Gerade Verbindung mit Pfeil 10"/>
+          <p:cNvCxnSpPr/>
+          <p:nvPr/>
+        </p:nvCxnSpPr>
+        <p:spPr>
+          <a:xfrm flipV="1">
+            <a:off x="4427984" y="3620734"/>
+            <a:ext cx="0" cy="488417"/>
+          </a:xfrm>
+          <a:prstGeom prst="straightConnector1">
+            <a:avLst/>
+          </a:prstGeom>
+          <a:ln w="57150">
+            <a:solidFill>
+              <a:srgbClr val="FF0000"/>
+            </a:solidFill>
+            <a:tailEnd type="triangle"/>
+          </a:ln>
+        </p:spPr>
+        <p:style>
+          <a:lnRef idx="1">
+            <a:schemeClr val="accent1"/>
+          </a:lnRef>
+          <a:fillRef idx="0">
+            <a:schemeClr val="accent1"/>
+          </a:fillRef>
+          <a:effectRef idx="0">
+            <a:schemeClr val="accent1"/>
+          </a:effectRef>
+          <a:fontRef idx="minor">
+            <a:schemeClr val="tx1"/>
+          </a:fontRef>
+        </p:style>
+      </p:cxnSp>
+      <p:sp>
+        <p:nvSpPr>
+          <p:cNvPr id="12" name="Textfeld 11"/>
+          <p:cNvSpPr txBox="1"/>
+          <p:nvPr/>
+        </p:nvSpPr>
+        <p:spPr>
+          <a:xfrm>
+            <a:off x="2021820" y="2061663"/>
+            <a:ext cx="288032" cy="369332"/>
+          </a:xfrm>
+          <a:prstGeom prst="rect">
+            <a:avLst/>
+          </a:prstGeom>
+          <a:solidFill>
+            <a:schemeClr val="bg1"/>
+          </a:solidFill>
+          <a:ln>
+            <a:solidFill>
+              <a:schemeClr val="bg1"/>
+            </a:solidFill>
+          </a:ln>
+        </p:spPr>
+        <p:txBody>
+          <a:bodyPr wrap="square" rtlCol="0">
+            <a:spAutoFit/>
+          </a:bodyPr>
+          <a:lstStyle/>
+          <a:p>
+            <a:endParaRPr lang="de-DE" dirty="0"/>
+          </a:p>
+        </p:txBody>
+      </p:sp>
+      <p:sp>
+        <p:nvSpPr>
+          <p:cNvPr id="13" name="Textfeld 12"/>
+          <p:cNvSpPr txBox="1"/>
+          <p:nvPr/>
+        </p:nvSpPr>
+        <p:spPr>
+          <a:xfrm>
+            <a:off x="616062" y="1975126"/>
+            <a:ext cx="931602" cy="369332"/>
+          </a:xfrm>
+          <a:prstGeom prst="rect">
+            <a:avLst/>
+          </a:prstGeom>
+          <a:noFill/>
+        </p:spPr>
+        <p:txBody>
+          <a:bodyPr wrap="none" rtlCol="0">
+            <a:spAutoFit/>
+          </a:bodyPr>
+          <a:lstStyle/>
+          <a:p>
+            <a:r>
+              <a:rPr lang="de-DE" dirty="0" smtClean="0"/>
+              <a:t>Parallel:</a:t>
+            </a:r>
+            <a:endParaRPr lang="de-DE" dirty="0"/>
+          </a:p>
+        </p:txBody>
+      </p:sp>
+      <p:sp>
+        <p:nvSpPr>
+          <p:cNvPr id="14" name="Textfeld 13"/>
+          <p:cNvSpPr txBox="1"/>
+          <p:nvPr/>
+        </p:nvSpPr>
+        <p:spPr>
+          <a:xfrm>
+            <a:off x="629394" y="3256356"/>
+            <a:ext cx="1012008" cy="369332"/>
+          </a:xfrm>
+          <a:prstGeom prst="rect">
+            <a:avLst/>
+          </a:prstGeom>
+          <a:noFill/>
+        </p:spPr>
+        <p:txBody>
+          <a:bodyPr wrap="none" rtlCol="0">
+            <a:spAutoFit/>
+          </a:bodyPr>
+          <a:lstStyle/>
+          <a:p>
+            <a:r>
+              <a:rPr lang="de-DE" dirty="0" smtClean="0"/>
+              <a:t>Kaskade:</a:t>
+            </a:r>
+            <a:endParaRPr lang="de-DE" dirty="0"/>
+          </a:p>
+        </p:txBody>
+      </p:sp>
+    </p:spTree>
+    <p:extLst>
+      <p:ext uri="{BB962C8B-B14F-4D97-AF65-F5344CB8AC3E}">
+        <p14:creationId xmlns:p14="http://schemas.microsoft.com/office/powerpoint/2010/main" val="3985060641"/>
+      </p:ext>
+    </p:extLst>
+  </p:cSld>
+  <p:clrMapOvr>
+    <a:masterClrMapping/>
+  </p:clrMapOvr>
+</p:sld>
+</file>
+
+<file path=ppt/slides/slide12.xml><?xml version="1.0" encoding="utf-8"?>
 <p:sld xmlns:a="http://schemas.openxmlformats.org/drawingml/2006/main" xmlns:r="http://schemas.openxmlformats.org/officeDocument/2006/relationships" xmlns:p="http://schemas.openxmlformats.org/presentationml/2006/main" showMasterSp="0">
   <p:cSld>
     <p:spTree>
@@ -4390,7 +4684,7 @@
           <a:p>
             <a:fld id="{8740CB20-F870-467D-84CE-AB32061190A1}" type="slidenum">
               <a:rPr lang="en-US" smtClean="0"/>
-              <a:t>11</a:t>
+              <a:t>12</a:t>
             </a:fld>
             <a:r>
               <a:rPr lang="de-DE" smtClean="0"/>
@@ -4572,202 +4866,6 @@
     <p:extLst>
       <p:ext uri="{BB962C8B-B14F-4D97-AF65-F5344CB8AC3E}">
         <p14:creationId xmlns:p14="http://schemas.microsoft.com/office/powerpoint/2010/main" val="3906784120"/>
-      </p:ext>
-    </p:extLst>
-  </p:cSld>
-  <p:clrMapOvr>
-    <a:masterClrMapping/>
-  </p:clrMapOvr>
-  <p:timing>
-    <p:tnLst>
-      <p:par>
-        <p:cTn id="1" dur="indefinite" restart="never" nodeType="tmRoot"/>
-      </p:par>
-    </p:tnLst>
-  </p:timing>
-</p:sld>
-</file>
-
-<file path=ppt/slides/slide12.xml><?xml version="1.0" encoding="utf-8"?>
-<p:sld xmlns:a="http://schemas.openxmlformats.org/drawingml/2006/main" xmlns:r="http://schemas.openxmlformats.org/officeDocument/2006/relationships" xmlns:p="http://schemas.openxmlformats.org/presentationml/2006/main">
-  <p:cSld>
-    <p:spTree>
-      <p:nvGrpSpPr>
-        <p:cNvPr id="1" name=""/>
-        <p:cNvGrpSpPr/>
-        <p:nvPr/>
-      </p:nvGrpSpPr>
-      <p:grpSpPr>
-        <a:xfrm>
-          <a:off x="0" y="0"/>
-          <a:ext cx="0" cy="0"/>
-          <a:chOff x="0" y="0"/>
-          <a:chExt cx="0" cy="0"/>
-        </a:xfrm>
-      </p:grpSpPr>
-      <p:sp>
-        <p:nvSpPr>
-          <p:cNvPr id="2" name="Titel 1"/>
-          <p:cNvSpPr>
-            <a:spLocks noGrp="1"/>
-          </p:cNvSpPr>
-          <p:nvPr>
-            <p:ph type="title"/>
-          </p:nvPr>
-        </p:nvSpPr>
-        <p:spPr/>
-        <p:txBody>
-          <a:bodyPr/>
-          <a:lstStyle/>
-          <a:p>
-            <a:r>
-              <a:rPr lang="de-DE" dirty="0" smtClean="0"/>
-              <a:t>Vergleich: </a:t>
-            </a:r>
-            <a:r>
-              <a:rPr lang="de-DE" dirty="0" smtClean="0"/>
-              <a:t>Parallel- und Kaskadenschaltung</a:t>
-            </a:r>
-            <a:endParaRPr lang="de-DE" dirty="0"/>
-          </a:p>
-        </p:txBody>
-      </p:sp>
-      <p:pic>
-        <p:nvPicPr>
-          <p:cNvPr id="7" name="Inhaltsplatzhalter 6"/>
-          <p:cNvPicPr>
-            <a:picLocks noGrp="1" noChangeAspect="1"/>
-          </p:cNvPicPr>
-          <p:nvPr>
-            <p:ph idx="1"/>
-          </p:nvPr>
-        </p:nvPicPr>
-        <p:blipFill>
-          <a:blip r:embed="rId2" cstate="print">
-            <a:extLst>
-              <a:ext uri="{28A0092B-C50C-407E-A947-70E740481C1C}">
-                <a14:useLocalDpi xmlns:a14="http://schemas.microsoft.com/office/drawing/2010/main" val="0"/>
-              </a:ext>
-            </a:extLst>
-          </a:blip>
-          <a:stretch>
-            <a:fillRect/>
-          </a:stretch>
-        </p:blipFill>
-        <p:spPr>
-          <a:xfrm>
-            <a:off x="4355976" y="1558920"/>
-            <a:ext cx="5038398" cy="2250695"/>
-          </a:xfrm>
-        </p:spPr>
-      </p:pic>
-      <p:sp>
-        <p:nvSpPr>
-          <p:cNvPr id="4" name="Datumsplatzhalter 3"/>
-          <p:cNvSpPr>
-            <a:spLocks noGrp="1"/>
-          </p:cNvSpPr>
-          <p:nvPr>
-            <p:ph type="dt" sz="half" idx="10"/>
-          </p:nvPr>
-        </p:nvSpPr>
-        <p:spPr/>
-        <p:txBody>
-          <a:bodyPr/>
-          <a:lstStyle/>
-          <a:p>
-            <a:fld id="{296000BE-0612-4D88-A1AC-FF1287139C2E}" type="datetime1">
-              <a:rPr lang="de-DE" smtClean="0"/>
-              <a:t>21.06.2015</a:t>
-            </a:fld>
-            <a:endParaRPr lang="de-DE" dirty="0"/>
-          </a:p>
-        </p:txBody>
-      </p:sp>
-      <p:sp>
-        <p:nvSpPr>
-          <p:cNvPr id="5" name="Fußzeilenplatzhalter 4"/>
-          <p:cNvSpPr>
-            <a:spLocks noGrp="1"/>
-          </p:cNvSpPr>
-          <p:nvPr>
-            <p:ph type="ftr" sz="quarter" idx="11"/>
-          </p:nvPr>
-        </p:nvSpPr>
-        <p:spPr/>
-        <p:txBody>
-          <a:bodyPr/>
-          <a:lstStyle/>
-          <a:p>
-            <a:r>
-              <a:rPr lang="de-DE" smtClean="0"/>
-              <a:t>FM-Synthese</a:t>
-            </a:r>
-            <a:endParaRPr lang="de-DE" dirty="0"/>
-          </a:p>
-        </p:txBody>
-      </p:sp>
-      <p:sp>
-        <p:nvSpPr>
-          <p:cNvPr id="6" name="Foliennummernplatzhalter 5"/>
-          <p:cNvSpPr>
-            <a:spLocks noGrp="1"/>
-          </p:cNvSpPr>
-          <p:nvPr>
-            <p:ph type="sldNum" sz="quarter" idx="12"/>
-          </p:nvPr>
-        </p:nvSpPr>
-        <p:spPr/>
-        <p:txBody>
-          <a:bodyPr/>
-          <a:lstStyle/>
-          <a:p>
-            <a:fld id="{8740CB20-F870-467D-84CE-AB32061190A1}" type="slidenum">
-              <a:rPr lang="en-US" smtClean="0"/>
-              <a:t>12</a:t>
-            </a:fld>
-            <a:r>
-              <a:rPr lang="de-DE" smtClean="0"/>
-              <a:t>   </a:t>
-            </a:r>
-            <a:endParaRPr lang="de-DE" dirty="0"/>
-          </a:p>
-        </p:txBody>
-      </p:sp>
-      <p:pic>
-        <p:nvPicPr>
-          <p:cNvPr id="8" name="Grafik 7"/>
-          <p:cNvPicPr>
-            <a:picLocks noChangeAspect="1"/>
-          </p:cNvPicPr>
-          <p:nvPr/>
-        </p:nvPicPr>
-        <p:blipFill>
-          <a:blip r:embed="rId3" cstate="print">
-            <a:extLst>
-              <a:ext uri="{28A0092B-C50C-407E-A947-70E740481C1C}">
-                <a14:useLocalDpi xmlns:a14="http://schemas.microsoft.com/office/drawing/2010/main" val="0"/>
-              </a:ext>
-            </a:extLst>
-          </a:blip>
-          <a:stretch>
-            <a:fillRect/>
-          </a:stretch>
-        </p:blipFill>
-        <p:spPr>
-          <a:xfrm>
-            <a:off x="-324544" y="1558920"/>
-            <a:ext cx="5112568" cy="2283827"/>
-          </a:xfrm>
-          <a:prstGeom prst="rect">
-            <a:avLst/>
-          </a:prstGeom>
-        </p:spPr>
-      </p:pic>
-    </p:spTree>
-    <p:extLst>
-      <p:ext uri="{BB962C8B-B14F-4D97-AF65-F5344CB8AC3E}">
-        <p14:creationId xmlns:p14="http://schemas.microsoft.com/office/powerpoint/2010/main" val="2915661372"/>
       </p:ext>
     </p:extLst>
   </p:cSld>
@@ -4818,512 +4916,24 @@
           <a:p>
             <a:r>
               <a:rPr lang="de-DE" dirty="0" smtClean="0"/>
-              <a:t>Feedbackschaltung</a:t>
+              <a:t>Vergleich: Parallel- und Kaskadenschaltung</a:t>
             </a:r>
             <a:endParaRPr lang="de-DE" dirty="0"/>
-          </a:p>
-        </p:txBody>
-      </p:sp>
-      <p:sp>
-        <p:nvSpPr>
-          <p:cNvPr id="4" name="Datumsplatzhalter 3"/>
-          <p:cNvSpPr>
-            <a:spLocks noGrp="1"/>
-          </p:cNvSpPr>
-          <p:nvPr>
-            <p:ph type="dt" sz="half" idx="10"/>
-          </p:nvPr>
-        </p:nvSpPr>
-        <p:spPr/>
-        <p:txBody>
-          <a:bodyPr/>
-          <a:lstStyle/>
-          <a:p>
-            <a:fld id="{296000BE-0612-4D88-A1AC-FF1287139C2E}" type="datetime1">
-              <a:rPr lang="de-DE" smtClean="0"/>
-              <a:t>21.06.2015</a:t>
-            </a:fld>
-            <a:endParaRPr lang="de-DE" dirty="0"/>
-          </a:p>
-        </p:txBody>
-      </p:sp>
-      <p:sp>
-        <p:nvSpPr>
-          <p:cNvPr id="5" name="Fußzeilenplatzhalter 4"/>
-          <p:cNvSpPr>
-            <a:spLocks noGrp="1"/>
-          </p:cNvSpPr>
-          <p:nvPr>
-            <p:ph type="ftr" sz="quarter" idx="11"/>
-          </p:nvPr>
-        </p:nvSpPr>
-        <p:spPr/>
-        <p:txBody>
-          <a:bodyPr/>
-          <a:lstStyle/>
-          <a:p>
-            <a:r>
-              <a:rPr lang="de-DE" smtClean="0"/>
-              <a:t>FM-Synthese</a:t>
-            </a:r>
-            <a:endParaRPr lang="de-DE" dirty="0"/>
-          </a:p>
-        </p:txBody>
-      </p:sp>
-      <p:sp>
-        <p:nvSpPr>
-          <p:cNvPr id="6" name="Foliennummernplatzhalter 5"/>
-          <p:cNvSpPr>
-            <a:spLocks noGrp="1"/>
-          </p:cNvSpPr>
-          <p:nvPr>
-            <p:ph type="sldNum" sz="quarter" idx="12"/>
-          </p:nvPr>
-        </p:nvSpPr>
-        <p:spPr/>
-        <p:txBody>
-          <a:bodyPr/>
-          <a:lstStyle/>
-          <a:p>
-            <a:fld id="{8740CB20-F870-467D-84CE-AB32061190A1}" type="slidenum">
-              <a:rPr lang="en-US" smtClean="0"/>
-              <a:t>13</a:t>
-            </a:fld>
-            <a:r>
-              <a:rPr lang="de-DE" smtClean="0"/>
-              <a:t>   </a:t>
-            </a:r>
-            <a:endParaRPr lang="de-DE" dirty="0"/>
-          </a:p>
-        </p:txBody>
-      </p:sp>
-      <p:sp>
-        <p:nvSpPr>
-          <p:cNvPr id="10" name="Rechteck 9"/>
-          <p:cNvSpPr/>
-          <p:nvPr/>
-        </p:nvSpPr>
-        <p:spPr>
-          <a:xfrm>
-            <a:off x="6042708" y="1855586"/>
-            <a:ext cx="864096" cy="864096"/>
-          </a:xfrm>
-          <a:prstGeom prst="rect">
-            <a:avLst/>
-          </a:prstGeom>
-          <a:ln>
-            <a:solidFill>
-              <a:schemeClr val="accent1"/>
-            </a:solidFill>
-          </a:ln>
-        </p:spPr>
-        <p:style>
-          <a:lnRef idx="2">
-            <a:schemeClr val="accent1">
-              <a:shade val="50000"/>
-            </a:schemeClr>
-          </a:lnRef>
-          <a:fillRef idx="1">
-            <a:schemeClr val="accent1"/>
-          </a:fillRef>
-          <a:effectRef idx="0">
-            <a:schemeClr val="accent1"/>
-          </a:effectRef>
-          <a:fontRef idx="minor">
-            <a:schemeClr val="lt1"/>
-          </a:fontRef>
-        </p:style>
-        <p:txBody>
-          <a:bodyPr rtlCol="0" anchor="ctr"/>
-          <a:lstStyle/>
-          <a:p>
-            <a:pPr algn="ctr"/>
-            <a:r>
-              <a:rPr lang="de-DE" sz="3000" dirty="0" smtClean="0">
-                <a:ln w="0"/>
-                <a:solidFill>
-                  <a:schemeClr val="tx1"/>
-                </a:solidFill>
-                <a:effectLst>
-                  <a:outerShdw blurRad="38100" dist="19050" dir="2700000" algn="tl" rotWithShape="0">
-                    <a:schemeClr val="dk1">
-                      <a:alpha val="40000"/>
-                    </a:schemeClr>
-                  </a:outerShdw>
-                </a:effectLst>
-              </a:rPr>
-              <a:t>T</a:t>
-            </a:r>
-            <a:endParaRPr lang="de-DE" sz="3000" dirty="0">
-              <a:ln w="0"/>
-              <a:solidFill>
-                <a:schemeClr val="tx1"/>
-              </a:solidFill>
-              <a:effectLst>
-                <a:outerShdw blurRad="38100" dist="19050" dir="2700000" algn="tl" rotWithShape="0">
-                  <a:schemeClr val="dk1">
-                    <a:alpha val="40000"/>
-                  </a:schemeClr>
-                </a:outerShdw>
-              </a:effectLst>
-            </a:endParaRPr>
-          </a:p>
-        </p:txBody>
-      </p:sp>
-      <p:sp>
-        <p:nvSpPr>
-          <p:cNvPr id="17" name="Pfeil nach unten 16"/>
-          <p:cNvSpPr/>
-          <p:nvPr/>
-        </p:nvSpPr>
-        <p:spPr>
-          <a:xfrm>
-            <a:off x="6202797" y="2632131"/>
-            <a:ext cx="543918" cy="978408"/>
-          </a:xfrm>
-          <a:prstGeom prst="downArrow">
-            <a:avLst/>
-          </a:prstGeom>
-          <a:solidFill>
-            <a:schemeClr val="accent1"/>
-          </a:solidFill>
-          <a:ln>
-            <a:solidFill>
-              <a:schemeClr val="accent1"/>
-            </a:solidFill>
-          </a:ln>
-        </p:spPr>
-        <p:style>
-          <a:lnRef idx="2">
-            <a:schemeClr val="accent1">
-              <a:shade val="50000"/>
-            </a:schemeClr>
-          </a:lnRef>
-          <a:fillRef idx="1">
-            <a:schemeClr val="accent1"/>
-          </a:fillRef>
-          <a:effectRef idx="0">
-            <a:schemeClr val="accent1"/>
-          </a:effectRef>
-          <a:fontRef idx="minor">
-            <a:schemeClr val="lt1"/>
-          </a:fontRef>
-        </p:style>
-        <p:txBody>
-          <a:bodyPr rtlCol="0" anchor="ctr"/>
-          <a:lstStyle/>
-          <a:p>
-            <a:pPr algn="ctr"/>
-            <a:endParaRPr lang="de-DE"/>
-          </a:p>
-        </p:txBody>
-      </p:sp>
-      <p:sp>
-        <p:nvSpPr>
-          <p:cNvPr id="13" name="Pfeil nach rechts 12"/>
-          <p:cNvSpPr/>
-          <p:nvPr/>
-        </p:nvSpPr>
-        <p:spPr>
-          <a:xfrm>
-            <a:off x="6536701" y="2707916"/>
-            <a:ext cx="1080120" cy="460354"/>
-          </a:xfrm>
-          <a:prstGeom prst="rightArrow">
-            <a:avLst/>
-          </a:prstGeom>
-          <a:solidFill>
-            <a:schemeClr val="accent1"/>
-          </a:solidFill>
-          <a:ln>
-            <a:solidFill>
-              <a:schemeClr val="accent1"/>
-            </a:solidFill>
-          </a:ln>
-        </p:spPr>
-        <p:style>
-          <a:lnRef idx="2">
-            <a:schemeClr val="accent1">
-              <a:shade val="50000"/>
-            </a:schemeClr>
-          </a:lnRef>
-          <a:fillRef idx="1">
-            <a:schemeClr val="accent1"/>
-          </a:fillRef>
-          <a:effectRef idx="0">
-            <a:schemeClr val="accent1"/>
-          </a:effectRef>
-          <a:fontRef idx="minor">
-            <a:schemeClr val="lt1"/>
-          </a:fontRef>
-        </p:style>
-        <p:txBody>
-          <a:bodyPr rtlCol="0" anchor="ctr"/>
-          <a:lstStyle/>
-          <a:p>
-            <a:pPr algn="ctr"/>
-            <a:endParaRPr lang="de-DE"/>
-          </a:p>
-        </p:txBody>
-      </p:sp>
-      <p:sp>
-        <p:nvSpPr>
-          <p:cNvPr id="16" name="Pfeil nach unten 15"/>
-          <p:cNvSpPr/>
-          <p:nvPr/>
-        </p:nvSpPr>
-        <p:spPr>
-          <a:xfrm rot="10800000">
-            <a:off x="7252050" y="2141566"/>
-            <a:ext cx="472561" cy="920362"/>
-          </a:xfrm>
-          <a:prstGeom prst="downArrow">
-            <a:avLst/>
-          </a:prstGeom>
-          <a:solidFill>
-            <a:schemeClr val="accent1">
-              <a:lumMod val="75000"/>
-            </a:schemeClr>
-          </a:solidFill>
-          <a:ln>
-            <a:solidFill>
-              <a:schemeClr val="accent1">
-                <a:lumMod val="75000"/>
-              </a:schemeClr>
-            </a:solidFill>
-          </a:ln>
-        </p:spPr>
-        <p:style>
-          <a:lnRef idx="2">
-            <a:schemeClr val="accent1">
-              <a:shade val="50000"/>
-            </a:schemeClr>
-          </a:lnRef>
-          <a:fillRef idx="1">
-            <a:schemeClr val="accent1"/>
-          </a:fillRef>
-          <a:effectRef idx="0">
-            <a:schemeClr val="accent1"/>
-          </a:effectRef>
-          <a:fontRef idx="minor">
-            <a:schemeClr val="lt1"/>
-          </a:fontRef>
-        </p:style>
-        <p:txBody>
-          <a:bodyPr rtlCol="0" anchor="ctr"/>
-          <a:lstStyle/>
-          <a:p>
-            <a:pPr algn="ctr"/>
-            <a:endParaRPr lang="de-DE"/>
-          </a:p>
-        </p:txBody>
-      </p:sp>
-      <p:sp>
-        <p:nvSpPr>
-          <p:cNvPr id="18" name="Pfeil nach rechts 17"/>
-          <p:cNvSpPr/>
-          <p:nvPr/>
-        </p:nvSpPr>
-        <p:spPr>
-          <a:xfrm rot="10800000">
-            <a:off x="6746715" y="2050875"/>
-            <a:ext cx="881448" cy="458593"/>
-          </a:xfrm>
-          <a:prstGeom prst="rightArrow">
-            <a:avLst/>
-          </a:prstGeom>
-          <a:solidFill>
-            <a:schemeClr val="accent1">
-              <a:lumMod val="75000"/>
-            </a:schemeClr>
-          </a:solidFill>
-          <a:ln>
-            <a:solidFill>
-              <a:schemeClr val="accent1">
-                <a:lumMod val="75000"/>
-              </a:schemeClr>
-            </a:solidFill>
-          </a:ln>
-        </p:spPr>
-        <p:style>
-          <a:lnRef idx="2">
-            <a:schemeClr val="accent1">
-              <a:shade val="50000"/>
-            </a:schemeClr>
-          </a:lnRef>
-          <a:fillRef idx="1">
-            <a:schemeClr val="accent1"/>
-          </a:fillRef>
-          <a:effectRef idx="0">
-            <a:schemeClr val="accent1"/>
-          </a:effectRef>
-          <a:fontRef idx="minor">
-            <a:schemeClr val="lt1"/>
-          </a:fontRef>
-        </p:style>
-        <p:txBody>
-          <a:bodyPr rtlCol="0" anchor="ctr"/>
-          <a:lstStyle/>
-          <a:p>
-            <a:pPr algn="ctr"/>
-            <a:endParaRPr lang="de-DE"/>
-          </a:p>
-        </p:txBody>
-      </p:sp>
-      <p:sp>
-        <p:nvSpPr>
-          <p:cNvPr id="19" name="Rechteck 18"/>
-          <p:cNvSpPr/>
-          <p:nvPr/>
-        </p:nvSpPr>
-        <p:spPr>
-          <a:xfrm>
-            <a:off x="7628163" y="1562175"/>
-            <a:ext cx="589384" cy="2016224"/>
-          </a:xfrm>
-          <a:prstGeom prst="rect">
-            <a:avLst/>
-          </a:prstGeom>
-          <a:solidFill>
-            <a:schemeClr val="bg1"/>
-          </a:solidFill>
-          <a:ln>
-            <a:solidFill>
-              <a:schemeClr val="bg1"/>
-            </a:solidFill>
-          </a:ln>
-        </p:spPr>
-        <p:style>
-          <a:lnRef idx="2">
-            <a:schemeClr val="accent1">
-              <a:shade val="50000"/>
-            </a:schemeClr>
-          </a:lnRef>
-          <a:fillRef idx="1">
-            <a:schemeClr val="accent1"/>
-          </a:fillRef>
-          <a:effectRef idx="0">
-            <a:schemeClr val="accent1"/>
-          </a:effectRef>
-          <a:fontRef idx="minor">
-            <a:schemeClr val="lt1"/>
-          </a:fontRef>
-        </p:style>
-        <p:txBody>
-          <a:bodyPr rtlCol="0" anchor="ctr"/>
-          <a:lstStyle/>
-          <a:p>
-            <a:pPr algn="ctr"/>
-            <a:endParaRPr lang="de-DE"/>
-          </a:p>
-        </p:txBody>
-      </p:sp>
-      <p:sp>
-        <p:nvSpPr>
-          <p:cNvPr id="20" name="Rechteck 19"/>
-          <p:cNvSpPr/>
-          <p:nvPr/>
-        </p:nvSpPr>
-        <p:spPr>
-          <a:xfrm>
-            <a:off x="7083344" y="3080694"/>
-            <a:ext cx="1008112" cy="284600"/>
-          </a:xfrm>
-          <a:prstGeom prst="rect">
-            <a:avLst/>
-          </a:prstGeom>
-          <a:solidFill>
-            <a:schemeClr val="bg1"/>
-          </a:solidFill>
-          <a:ln>
-            <a:solidFill>
-              <a:schemeClr val="bg1"/>
-            </a:solidFill>
-          </a:ln>
-        </p:spPr>
-        <p:style>
-          <a:lnRef idx="2">
-            <a:schemeClr val="accent1">
-              <a:shade val="50000"/>
-            </a:schemeClr>
-          </a:lnRef>
-          <a:fillRef idx="1">
-            <a:schemeClr val="accent1"/>
-          </a:fillRef>
-          <a:effectRef idx="0">
-            <a:schemeClr val="accent1"/>
-          </a:effectRef>
-          <a:fontRef idx="minor">
-            <a:schemeClr val="lt1"/>
-          </a:fontRef>
-        </p:style>
-        <p:txBody>
-          <a:bodyPr rtlCol="0" anchor="ctr"/>
-          <a:lstStyle/>
-          <a:p>
-            <a:pPr algn="ctr"/>
-            <a:endParaRPr lang="de-DE"/>
-          </a:p>
-        </p:txBody>
-      </p:sp>
-      <p:sp>
-        <p:nvSpPr>
-          <p:cNvPr id="21" name="Rechteck 20"/>
-          <p:cNvSpPr/>
-          <p:nvPr/>
-        </p:nvSpPr>
-        <p:spPr>
-          <a:xfrm>
-            <a:off x="7001045" y="1988961"/>
-            <a:ext cx="869890" cy="175791"/>
-          </a:xfrm>
-          <a:prstGeom prst="rect">
-            <a:avLst/>
-          </a:prstGeom>
-          <a:solidFill>
-            <a:schemeClr val="bg1"/>
-          </a:solidFill>
-          <a:ln>
-            <a:solidFill>
-              <a:schemeClr val="bg1"/>
-            </a:solidFill>
-          </a:ln>
-        </p:spPr>
-        <p:style>
-          <a:lnRef idx="2">
-            <a:schemeClr val="accent1">
-              <a:shade val="50000"/>
-            </a:schemeClr>
-          </a:lnRef>
-          <a:fillRef idx="1">
-            <a:schemeClr val="accent1"/>
-          </a:fillRef>
-          <a:effectRef idx="0">
-            <a:schemeClr val="accent1"/>
-          </a:effectRef>
-          <a:fontRef idx="minor">
-            <a:schemeClr val="lt1"/>
-          </a:fontRef>
-        </p:style>
-        <p:txBody>
-          <a:bodyPr rtlCol="0" anchor="ctr"/>
-          <a:lstStyle/>
-          <a:p>
-            <a:pPr algn="ctr"/>
-            <a:endParaRPr lang="de-DE"/>
           </a:p>
         </p:txBody>
       </p:sp>
       <p:pic>
         <p:nvPicPr>
-          <p:cNvPr id="3" name="Grafik 2"/>
+          <p:cNvPr id="7" name="Inhaltsplatzhalter 6"/>
           <p:cNvPicPr>
-            <a:picLocks noChangeAspect="1"/>
+            <a:picLocks noGrp="1" noChangeAspect="1"/>
           </p:cNvPicPr>
-          <p:nvPr/>
+          <p:nvPr>
+            <p:ph idx="1"/>
+          </p:nvPr>
         </p:nvPicPr>
         <p:blipFill>
-          <a:blip r:embed="rId2">
+          <a:blip r:embed="rId2" cstate="print">
             <a:extLst>
               <a:ext uri="{28A0092B-C50C-407E-A947-70E740481C1C}">
                 <a14:useLocalDpi xmlns:a14="http://schemas.microsoft.com/office/drawing/2010/main" val="0"/>
@@ -5336,24 +4946,94 @@
         </p:blipFill>
         <p:spPr>
           <a:xfrm>
-            <a:off x="385888" y="1562175"/>
-            <a:ext cx="5216096" cy="514681"/>
-          </a:xfrm>
-          <a:prstGeom prst="rect">
-            <a:avLst/>
-          </a:prstGeom>
+            <a:off x="4355976" y="1558920"/>
+            <a:ext cx="5038398" cy="2250695"/>
+          </a:xfrm>
         </p:spPr>
       </p:pic>
+      <p:sp>
+        <p:nvSpPr>
+          <p:cNvPr id="4" name="Datumsplatzhalter 3"/>
+          <p:cNvSpPr>
+            <a:spLocks noGrp="1"/>
+          </p:cNvSpPr>
+          <p:nvPr>
+            <p:ph type="dt" sz="half" idx="10"/>
+          </p:nvPr>
+        </p:nvSpPr>
+        <p:spPr/>
+        <p:txBody>
+          <a:bodyPr/>
+          <a:lstStyle/>
+          <a:p>
+            <a:fld id="{296000BE-0612-4D88-A1AC-FF1287139C2E}" type="datetime1">
+              <a:rPr lang="de-DE" smtClean="0"/>
+              <a:t>21.06.2015</a:t>
+            </a:fld>
+            <a:endParaRPr lang="de-DE" dirty="0"/>
+          </a:p>
+        </p:txBody>
+      </p:sp>
+      <p:sp>
+        <p:nvSpPr>
+          <p:cNvPr id="5" name="Fußzeilenplatzhalter 4"/>
+          <p:cNvSpPr>
+            <a:spLocks noGrp="1"/>
+          </p:cNvSpPr>
+          <p:nvPr>
+            <p:ph type="ftr" sz="quarter" idx="11"/>
+          </p:nvPr>
+        </p:nvSpPr>
+        <p:spPr/>
+        <p:txBody>
+          <a:bodyPr/>
+          <a:lstStyle/>
+          <a:p>
+            <a:r>
+              <a:rPr lang="de-DE" smtClean="0"/>
+              <a:t>FM-Synthese</a:t>
+            </a:r>
+            <a:endParaRPr lang="de-DE" dirty="0"/>
+          </a:p>
+        </p:txBody>
+      </p:sp>
+      <p:sp>
+        <p:nvSpPr>
+          <p:cNvPr id="6" name="Foliennummernplatzhalter 5"/>
+          <p:cNvSpPr>
+            <a:spLocks noGrp="1"/>
+          </p:cNvSpPr>
+          <p:nvPr>
+            <p:ph type="sldNum" sz="quarter" idx="12"/>
+          </p:nvPr>
+        </p:nvSpPr>
+        <p:spPr/>
+        <p:txBody>
+          <a:bodyPr/>
+          <a:lstStyle/>
+          <a:p>
+            <a:fld id="{8740CB20-F870-467D-84CE-AB32061190A1}" type="slidenum">
+              <a:rPr lang="en-US" smtClean="0"/>
+              <a:t>13</a:t>
+            </a:fld>
+            <a:r>
+              <a:rPr lang="de-DE" smtClean="0"/>
+              <a:t>   </a:t>
+            </a:r>
+            <a:endParaRPr lang="de-DE" dirty="0"/>
+          </a:p>
+        </p:txBody>
+      </p:sp>
       <p:pic>
         <p:nvPicPr>
-          <p:cNvPr id="7" name="Grafik 6"/>
+          <p:cNvPr id="8" name="Grafik 7"/>
           <p:cNvPicPr>
             <a:picLocks noChangeAspect="1"/>
           </p:cNvPicPr>
           <p:nvPr/>
         </p:nvPicPr>
         <p:blipFill>
-          <a:blip r:embed="rId3">
+          <a:blip r:embed="rId3" cstate="print">
             <a:extLst>
               <a:ext uri="{28A0092B-C50C-407E-A947-70E740481C1C}">
                 <a14:useLocalDpi xmlns:a14="http://schemas.microsoft.com/office/drawing/2010/main" val="0"/>
@@ -5366,96 +5046,18 @@
         </p:blipFill>
         <p:spPr>
           <a:xfrm>
-            <a:off x="3016751" y="2140827"/>
-            <a:ext cx="2610214" cy="552527"/>
+            <a:off x="-324544" y="1558920"/>
+            <a:ext cx="5112568" cy="2283827"/>
           </a:xfrm>
           <a:prstGeom prst="rect">
             <a:avLst/>
           </a:prstGeom>
         </p:spPr>
       </p:pic>
-      <p:pic>
-        <p:nvPicPr>
-          <p:cNvPr id="8" name="Grafik 7"/>
-          <p:cNvPicPr>
-            <a:picLocks noChangeAspect="1"/>
-          </p:cNvPicPr>
-          <p:nvPr/>
-        </p:nvPicPr>
-        <p:blipFill>
-          <a:blip r:embed="rId4">
-            <a:extLst>
-              <a:ext uri="{28A0092B-C50C-407E-A947-70E740481C1C}">
-                <a14:useLocalDpi xmlns:a14="http://schemas.microsoft.com/office/drawing/2010/main" val="0"/>
-              </a:ext>
-            </a:extLst>
-          </a:blip>
-          <a:stretch>
-            <a:fillRect/>
-          </a:stretch>
-        </p:blipFill>
-        <p:spPr>
-          <a:xfrm>
-            <a:off x="-1216036" y="3121335"/>
-            <a:ext cx="4420217" cy="819264"/>
-          </a:xfrm>
-          <a:prstGeom prst="rect">
-            <a:avLst/>
-          </a:prstGeom>
-        </p:spPr>
-      </p:pic>
-      <p:sp>
-        <p:nvSpPr>
-          <p:cNvPr id="9" name="Rechteck 8"/>
-          <p:cNvSpPr/>
-          <p:nvPr/>
-        </p:nvSpPr>
-        <p:spPr>
-          <a:xfrm>
-            <a:off x="-900608" y="3325141"/>
-            <a:ext cx="1601924" cy="506516"/>
-          </a:xfrm>
-          <a:prstGeom prst="rect">
-            <a:avLst/>
-          </a:prstGeom>
-          <a:solidFill>
-            <a:schemeClr val="bg1"/>
-          </a:solidFill>
-          <a:ln>
-            <a:solidFill>
-              <a:schemeClr val="bg1"/>
-            </a:solidFill>
-          </a:ln>
-        </p:spPr>
-        <p:style>
-          <a:lnRef idx="2">
-            <a:schemeClr val="accent1">
-              <a:shade val="50000"/>
-            </a:schemeClr>
-          </a:lnRef>
-          <a:fillRef idx="1">
-            <a:schemeClr val="accent1"/>
-          </a:fillRef>
-          <a:effectRef idx="0">
-            <a:schemeClr val="accent1"/>
-          </a:effectRef>
-          <a:fontRef idx="minor">
-            <a:schemeClr val="lt1"/>
-          </a:fontRef>
-        </p:style>
-        <p:txBody>
-          <a:bodyPr rtlCol="0" anchor="ctr"/>
-          <a:lstStyle/>
-          <a:p>
-            <a:pPr algn="ctr"/>
-            <a:endParaRPr lang="de-DE"/>
-          </a:p>
-        </p:txBody>
-      </p:sp>
     </p:spTree>
     <p:extLst>
       <p:ext uri="{BB962C8B-B14F-4D97-AF65-F5344CB8AC3E}">
-        <p14:creationId xmlns:p14="http://schemas.microsoft.com/office/powerpoint/2010/main" val="1532789597"/>
+        <p14:creationId xmlns:p14="http://schemas.microsoft.com/office/powerpoint/2010/main" val="2915661372"/>
       </p:ext>
     </p:extLst>
   </p:cSld>
@@ -5506,24 +5108,512 @@
           <a:p>
             <a:r>
               <a:rPr lang="de-DE" dirty="0" smtClean="0"/>
-              <a:t>Spektrum der Feedbackschaltung</a:t>
+              <a:t>Feedbackschaltung</a:t>
             </a:r>
             <a:endParaRPr lang="de-DE" dirty="0"/>
+          </a:p>
+        </p:txBody>
+      </p:sp>
+      <p:sp>
+        <p:nvSpPr>
+          <p:cNvPr id="4" name="Datumsplatzhalter 3"/>
+          <p:cNvSpPr>
+            <a:spLocks noGrp="1"/>
+          </p:cNvSpPr>
+          <p:nvPr>
+            <p:ph type="dt" sz="half" idx="10"/>
+          </p:nvPr>
+        </p:nvSpPr>
+        <p:spPr/>
+        <p:txBody>
+          <a:bodyPr/>
+          <a:lstStyle/>
+          <a:p>
+            <a:fld id="{296000BE-0612-4D88-A1AC-FF1287139C2E}" type="datetime1">
+              <a:rPr lang="de-DE" smtClean="0"/>
+              <a:t>21.06.2015</a:t>
+            </a:fld>
+            <a:endParaRPr lang="de-DE" dirty="0"/>
+          </a:p>
+        </p:txBody>
+      </p:sp>
+      <p:sp>
+        <p:nvSpPr>
+          <p:cNvPr id="5" name="Fußzeilenplatzhalter 4"/>
+          <p:cNvSpPr>
+            <a:spLocks noGrp="1"/>
+          </p:cNvSpPr>
+          <p:nvPr>
+            <p:ph type="ftr" sz="quarter" idx="11"/>
+          </p:nvPr>
+        </p:nvSpPr>
+        <p:spPr/>
+        <p:txBody>
+          <a:bodyPr/>
+          <a:lstStyle/>
+          <a:p>
+            <a:r>
+              <a:rPr lang="de-DE" smtClean="0"/>
+              <a:t>FM-Synthese</a:t>
+            </a:r>
+            <a:endParaRPr lang="de-DE" dirty="0"/>
+          </a:p>
+        </p:txBody>
+      </p:sp>
+      <p:sp>
+        <p:nvSpPr>
+          <p:cNvPr id="6" name="Foliennummernplatzhalter 5"/>
+          <p:cNvSpPr>
+            <a:spLocks noGrp="1"/>
+          </p:cNvSpPr>
+          <p:nvPr>
+            <p:ph type="sldNum" sz="quarter" idx="12"/>
+          </p:nvPr>
+        </p:nvSpPr>
+        <p:spPr/>
+        <p:txBody>
+          <a:bodyPr/>
+          <a:lstStyle/>
+          <a:p>
+            <a:fld id="{8740CB20-F870-467D-84CE-AB32061190A1}" type="slidenum">
+              <a:rPr lang="en-US" smtClean="0"/>
+              <a:t>14</a:t>
+            </a:fld>
+            <a:r>
+              <a:rPr lang="de-DE" smtClean="0"/>
+              <a:t>   </a:t>
+            </a:r>
+            <a:endParaRPr lang="de-DE" dirty="0"/>
+          </a:p>
+        </p:txBody>
+      </p:sp>
+      <p:sp>
+        <p:nvSpPr>
+          <p:cNvPr id="10" name="Rechteck 9"/>
+          <p:cNvSpPr/>
+          <p:nvPr/>
+        </p:nvSpPr>
+        <p:spPr>
+          <a:xfrm>
+            <a:off x="6042708" y="1855586"/>
+            <a:ext cx="864096" cy="864096"/>
+          </a:xfrm>
+          <a:prstGeom prst="rect">
+            <a:avLst/>
+          </a:prstGeom>
+          <a:ln>
+            <a:solidFill>
+              <a:schemeClr val="accent1"/>
+            </a:solidFill>
+          </a:ln>
+        </p:spPr>
+        <p:style>
+          <a:lnRef idx="2">
+            <a:schemeClr val="accent1">
+              <a:shade val="50000"/>
+            </a:schemeClr>
+          </a:lnRef>
+          <a:fillRef idx="1">
+            <a:schemeClr val="accent1"/>
+          </a:fillRef>
+          <a:effectRef idx="0">
+            <a:schemeClr val="accent1"/>
+          </a:effectRef>
+          <a:fontRef idx="minor">
+            <a:schemeClr val="lt1"/>
+          </a:fontRef>
+        </p:style>
+        <p:txBody>
+          <a:bodyPr rtlCol="0" anchor="ctr"/>
+          <a:lstStyle/>
+          <a:p>
+            <a:pPr algn="ctr"/>
+            <a:r>
+              <a:rPr lang="de-DE" sz="3000" dirty="0" smtClean="0">
+                <a:ln w="0"/>
+                <a:solidFill>
+                  <a:schemeClr val="tx1"/>
+                </a:solidFill>
+                <a:effectLst>
+                  <a:outerShdw blurRad="38100" dist="19050" dir="2700000" algn="tl" rotWithShape="0">
+                    <a:schemeClr val="dk1">
+                      <a:alpha val="40000"/>
+                    </a:schemeClr>
+                  </a:outerShdw>
+                </a:effectLst>
+              </a:rPr>
+              <a:t>T</a:t>
+            </a:r>
+            <a:endParaRPr lang="de-DE" sz="3000" dirty="0">
+              <a:ln w="0"/>
+              <a:solidFill>
+                <a:schemeClr val="tx1"/>
+              </a:solidFill>
+              <a:effectLst>
+                <a:outerShdw blurRad="38100" dist="19050" dir="2700000" algn="tl" rotWithShape="0">
+                  <a:schemeClr val="dk1">
+                    <a:alpha val="40000"/>
+                  </a:schemeClr>
+                </a:outerShdw>
+              </a:effectLst>
+            </a:endParaRPr>
+          </a:p>
+        </p:txBody>
+      </p:sp>
+      <p:sp>
+        <p:nvSpPr>
+          <p:cNvPr id="17" name="Pfeil nach unten 16"/>
+          <p:cNvSpPr/>
+          <p:nvPr/>
+        </p:nvSpPr>
+        <p:spPr>
+          <a:xfrm>
+            <a:off x="6202797" y="2632131"/>
+            <a:ext cx="543918" cy="978408"/>
+          </a:xfrm>
+          <a:prstGeom prst="downArrow">
+            <a:avLst/>
+          </a:prstGeom>
+          <a:solidFill>
+            <a:schemeClr val="accent1"/>
+          </a:solidFill>
+          <a:ln>
+            <a:solidFill>
+              <a:schemeClr val="accent1"/>
+            </a:solidFill>
+          </a:ln>
+        </p:spPr>
+        <p:style>
+          <a:lnRef idx="2">
+            <a:schemeClr val="accent1">
+              <a:shade val="50000"/>
+            </a:schemeClr>
+          </a:lnRef>
+          <a:fillRef idx="1">
+            <a:schemeClr val="accent1"/>
+          </a:fillRef>
+          <a:effectRef idx="0">
+            <a:schemeClr val="accent1"/>
+          </a:effectRef>
+          <a:fontRef idx="minor">
+            <a:schemeClr val="lt1"/>
+          </a:fontRef>
+        </p:style>
+        <p:txBody>
+          <a:bodyPr rtlCol="0" anchor="ctr"/>
+          <a:lstStyle/>
+          <a:p>
+            <a:pPr algn="ctr"/>
+            <a:endParaRPr lang="de-DE"/>
+          </a:p>
+        </p:txBody>
+      </p:sp>
+      <p:sp>
+        <p:nvSpPr>
+          <p:cNvPr id="13" name="Pfeil nach rechts 12"/>
+          <p:cNvSpPr/>
+          <p:nvPr/>
+        </p:nvSpPr>
+        <p:spPr>
+          <a:xfrm>
+            <a:off x="6536701" y="2707916"/>
+            <a:ext cx="1080120" cy="460354"/>
+          </a:xfrm>
+          <a:prstGeom prst="rightArrow">
+            <a:avLst/>
+          </a:prstGeom>
+          <a:solidFill>
+            <a:schemeClr val="accent1"/>
+          </a:solidFill>
+          <a:ln>
+            <a:solidFill>
+              <a:schemeClr val="accent1"/>
+            </a:solidFill>
+          </a:ln>
+        </p:spPr>
+        <p:style>
+          <a:lnRef idx="2">
+            <a:schemeClr val="accent1">
+              <a:shade val="50000"/>
+            </a:schemeClr>
+          </a:lnRef>
+          <a:fillRef idx="1">
+            <a:schemeClr val="accent1"/>
+          </a:fillRef>
+          <a:effectRef idx="0">
+            <a:schemeClr val="accent1"/>
+          </a:effectRef>
+          <a:fontRef idx="minor">
+            <a:schemeClr val="lt1"/>
+          </a:fontRef>
+        </p:style>
+        <p:txBody>
+          <a:bodyPr rtlCol="0" anchor="ctr"/>
+          <a:lstStyle/>
+          <a:p>
+            <a:pPr algn="ctr"/>
+            <a:endParaRPr lang="de-DE"/>
+          </a:p>
+        </p:txBody>
+      </p:sp>
+      <p:sp>
+        <p:nvSpPr>
+          <p:cNvPr id="16" name="Pfeil nach unten 15"/>
+          <p:cNvSpPr/>
+          <p:nvPr/>
+        </p:nvSpPr>
+        <p:spPr>
+          <a:xfrm rot="10800000">
+            <a:off x="7252050" y="2141566"/>
+            <a:ext cx="472561" cy="920362"/>
+          </a:xfrm>
+          <a:prstGeom prst="downArrow">
+            <a:avLst/>
+          </a:prstGeom>
+          <a:solidFill>
+            <a:schemeClr val="accent1">
+              <a:lumMod val="75000"/>
+            </a:schemeClr>
+          </a:solidFill>
+          <a:ln>
+            <a:solidFill>
+              <a:schemeClr val="accent1">
+                <a:lumMod val="75000"/>
+              </a:schemeClr>
+            </a:solidFill>
+          </a:ln>
+        </p:spPr>
+        <p:style>
+          <a:lnRef idx="2">
+            <a:schemeClr val="accent1">
+              <a:shade val="50000"/>
+            </a:schemeClr>
+          </a:lnRef>
+          <a:fillRef idx="1">
+            <a:schemeClr val="accent1"/>
+          </a:fillRef>
+          <a:effectRef idx="0">
+            <a:schemeClr val="accent1"/>
+          </a:effectRef>
+          <a:fontRef idx="minor">
+            <a:schemeClr val="lt1"/>
+          </a:fontRef>
+        </p:style>
+        <p:txBody>
+          <a:bodyPr rtlCol="0" anchor="ctr"/>
+          <a:lstStyle/>
+          <a:p>
+            <a:pPr algn="ctr"/>
+            <a:endParaRPr lang="de-DE"/>
+          </a:p>
+        </p:txBody>
+      </p:sp>
+      <p:sp>
+        <p:nvSpPr>
+          <p:cNvPr id="18" name="Pfeil nach rechts 17"/>
+          <p:cNvSpPr/>
+          <p:nvPr/>
+        </p:nvSpPr>
+        <p:spPr>
+          <a:xfrm rot="10800000">
+            <a:off x="6746715" y="2050875"/>
+            <a:ext cx="881448" cy="458593"/>
+          </a:xfrm>
+          <a:prstGeom prst="rightArrow">
+            <a:avLst/>
+          </a:prstGeom>
+          <a:solidFill>
+            <a:schemeClr val="accent1">
+              <a:lumMod val="75000"/>
+            </a:schemeClr>
+          </a:solidFill>
+          <a:ln>
+            <a:solidFill>
+              <a:schemeClr val="accent1">
+                <a:lumMod val="75000"/>
+              </a:schemeClr>
+            </a:solidFill>
+          </a:ln>
+        </p:spPr>
+        <p:style>
+          <a:lnRef idx="2">
+            <a:schemeClr val="accent1">
+              <a:shade val="50000"/>
+            </a:schemeClr>
+          </a:lnRef>
+          <a:fillRef idx="1">
+            <a:schemeClr val="accent1"/>
+          </a:fillRef>
+          <a:effectRef idx="0">
+            <a:schemeClr val="accent1"/>
+          </a:effectRef>
+          <a:fontRef idx="minor">
+            <a:schemeClr val="lt1"/>
+          </a:fontRef>
+        </p:style>
+        <p:txBody>
+          <a:bodyPr rtlCol="0" anchor="ctr"/>
+          <a:lstStyle/>
+          <a:p>
+            <a:pPr algn="ctr"/>
+            <a:endParaRPr lang="de-DE"/>
+          </a:p>
+        </p:txBody>
+      </p:sp>
+      <p:sp>
+        <p:nvSpPr>
+          <p:cNvPr id="19" name="Rechteck 18"/>
+          <p:cNvSpPr/>
+          <p:nvPr/>
+        </p:nvSpPr>
+        <p:spPr>
+          <a:xfrm>
+            <a:off x="7628163" y="1562175"/>
+            <a:ext cx="589384" cy="2016224"/>
+          </a:xfrm>
+          <a:prstGeom prst="rect">
+            <a:avLst/>
+          </a:prstGeom>
+          <a:solidFill>
+            <a:schemeClr val="bg1"/>
+          </a:solidFill>
+          <a:ln>
+            <a:solidFill>
+              <a:schemeClr val="bg1"/>
+            </a:solidFill>
+          </a:ln>
+        </p:spPr>
+        <p:style>
+          <a:lnRef idx="2">
+            <a:schemeClr val="accent1">
+              <a:shade val="50000"/>
+            </a:schemeClr>
+          </a:lnRef>
+          <a:fillRef idx="1">
+            <a:schemeClr val="accent1"/>
+          </a:fillRef>
+          <a:effectRef idx="0">
+            <a:schemeClr val="accent1"/>
+          </a:effectRef>
+          <a:fontRef idx="minor">
+            <a:schemeClr val="lt1"/>
+          </a:fontRef>
+        </p:style>
+        <p:txBody>
+          <a:bodyPr rtlCol="0" anchor="ctr"/>
+          <a:lstStyle/>
+          <a:p>
+            <a:pPr algn="ctr"/>
+            <a:endParaRPr lang="de-DE"/>
+          </a:p>
+        </p:txBody>
+      </p:sp>
+      <p:sp>
+        <p:nvSpPr>
+          <p:cNvPr id="20" name="Rechteck 19"/>
+          <p:cNvSpPr/>
+          <p:nvPr/>
+        </p:nvSpPr>
+        <p:spPr>
+          <a:xfrm>
+            <a:off x="7083344" y="3080694"/>
+            <a:ext cx="1008112" cy="284600"/>
+          </a:xfrm>
+          <a:prstGeom prst="rect">
+            <a:avLst/>
+          </a:prstGeom>
+          <a:solidFill>
+            <a:schemeClr val="bg1"/>
+          </a:solidFill>
+          <a:ln>
+            <a:solidFill>
+              <a:schemeClr val="bg1"/>
+            </a:solidFill>
+          </a:ln>
+        </p:spPr>
+        <p:style>
+          <a:lnRef idx="2">
+            <a:schemeClr val="accent1">
+              <a:shade val="50000"/>
+            </a:schemeClr>
+          </a:lnRef>
+          <a:fillRef idx="1">
+            <a:schemeClr val="accent1"/>
+          </a:fillRef>
+          <a:effectRef idx="0">
+            <a:schemeClr val="accent1"/>
+          </a:effectRef>
+          <a:fontRef idx="minor">
+            <a:schemeClr val="lt1"/>
+          </a:fontRef>
+        </p:style>
+        <p:txBody>
+          <a:bodyPr rtlCol="0" anchor="ctr"/>
+          <a:lstStyle/>
+          <a:p>
+            <a:pPr algn="ctr"/>
+            <a:endParaRPr lang="de-DE"/>
+          </a:p>
+        </p:txBody>
+      </p:sp>
+      <p:sp>
+        <p:nvSpPr>
+          <p:cNvPr id="21" name="Rechteck 20"/>
+          <p:cNvSpPr/>
+          <p:nvPr/>
+        </p:nvSpPr>
+        <p:spPr>
+          <a:xfrm>
+            <a:off x="7001045" y="1988961"/>
+            <a:ext cx="869890" cy="175791"/>
+          </a:xfrm>
+          <a:prstGeom prst="rect">
+            <a:avLst/>
+          </a:prstGeom>
+          <a:solidFill>
+            <a:schemeClr val="bg1"/>
+          </a:solidFill>
+          <a:ln>
+            <a:solidFill>
+              <a:schemeClr val="bg1"/>
+            </a:solidFill>
+          </a:ln>
+        </p:spPr>
+        <p:style>
+          <a:lnRef idx="2">
+            <a:schemeClr val="accent1">
+              <a:shade val="50000"/>
+            </a:schemeClr>
+          </a:lnRef>
+          <a:fillRef idx="1">
+            <a:schemeClr val="accent1"/>
+          </a:fillRef>
+          <a:effectRef idx="0">
+            <a:schemeClr val="accent1"/>
+          </a:effectRef>
+          <a:fontRef idx="minor">
+            <a:schemeClr val="lt1"/>
+          </a:fontRef>
+        </p:style>
+        <p:txBody>
+          <a:bodyPr rtlCol="0" anchor="ctr"/>
+          <a:lstStyle/>
+          <a:p>
+            <a:pPr algn="ctr"/>
+            <a:endParaRPr lang="de-DE"/>
           </a:p>
         </p:txBody>
       </p:sp>
       <p:pic>
         <p:nvPicPr>
-          <p:cNvPr id="7" name="Inhaltsplatzhalter 6"/>
+          <p:cNvPr id="3" name="Grafik 2"/>
           <p:cNvPicPr>
-            <a:picLocks noGrp="1" noChangeAspect="1"/>
+            <a:picLocks noChangeAspect="1"/>
           </p:cNvPicPr>
-          <p:nvPr>
-            <p:ph idx="1"/>
-          </p:nvPr>
+          <p:nvPr/>
         </p:nvPicPr>
         <p:blipFill>
-          <a:blip r:embed="rId2" cstate="print">
+          <a:blip r:embed="rId2">
             <a:extLst>
               <a:ext uri="{28A0092B-C50C-407E-A947-70E740481C1C}">
                 <a14:useLocalDpi xmlns:a14="http://schemas.microsoft.com/office/drawing/2010/main" val="0"/>
@@ -5536,94 +5626,24 @@
         </p:blipFill>
         <p:spPr>
           <a:xfrm>
-            <a:off x="-252536" y="1635646"/>
-            <a:ext cx="4997103" cy="2232248"/>
-          </a:xfrm>
+            <a:off x="385888" y="1562175"/>
+            <a:ext cx="5216096" cy="514681"/>
+          </a:xfrm>
+          <a:prstGeom prst="rect">
+            <a:avLst/>
+          </a:prstGeom>
         </p:spPr>
       </p:pic>
-      <p:sp>
-        <p:nvSpPr>
-          <p:cNvPr id="4" name="Datumsplatzhalter 3"/>
-          <p:cNvSpPr>
-            <a:spLocks noGrp="1"/>
-          </p:cNvSpPr>
-          <p:nvPr>
-            <p:ph type="dt" sz="half" idx="10"/>
-          </p:nvPr>
-        </p:nvSpPr>
-        <p:spPr/>
-        <p:txBody>
-          <a:bodyPr/>
-          <a:lstStyle/>
-          <a:p>
-            <a:fld id="{296000BE-0612-4D88-A1AC-FF1287139C2E}" type="datetime1">
-              <a:rPr lang="de-DE" smtClean="0"/>
-              <a:t>21.06.2015</a:t>
-            </a:fld>
-            <a:endParaRPr lang="de-DE" dirty="0"/>
-          </a:p>
-        </p:txBody>
-      </p:sp>
-      <p:sp>
-        <p:nvSpPr>
-          <p:cNvPr id="5" name="Fußzeilenplatzhalter 4"/>
-          <p:cNvSpPr>
-            <a:spLocks noGrp="1"/>
-          </p:cNvSpPr>
-          <p:nvPr>
-            <p:ph type="ftr" sz="quarter" idx="11"/>
-          </p:nvPr>
-        </p:nvSpPr>
-        <p:spPr/>
-        <p:txBody>
-          <a:bodyPr/>
-          <a:lstStyle/>
-          <a:p>
-            <a:r>
-              <a:rPr lang="de-DE" smtClean="0"/>
-              <a:t>FM-Synthese</a:t>
-            </a:r>
-            <a:endParaRPr lang="de-DE" dirty="0"/>
-          </a:p>
-        </p:txBody>
-      </p:sp>
-      <p:sp>
-        <p:nvSpPr>
-          <p:cNvPr id="6" name="Foliennummernplatzhalter 5"/>
-          <p:cNvSpPr>
-            <a:spLocks noGrp="1"/>
-          </p:cNvSpPr>
-          <p:nvPr>
-            <p:ph type="sldNum" sz="quarter" idx="12"/>
-          </p:nvPr>
-        </p:nvSpPr>
-        <p:spPr/>
-        <p:txBody>
-          <a:bodyPr/>
-          <a:lstStyle/>
-          <a:p>
-            <a:fld id="{8740CB20-F870-467D-84CE-AB32061190A1}" type="slidenum">
-              <a:rPr lang="en-US" smtClean="0"/>
-              <a:t>14</a:t>
-            </a:fld>
-            <a:r>
-              <a:rPr lang="de-DE" smtClean="0"/>
-              <a:t>   </a:t>
-            </a:r>
-            <a:endParaRPr lang="de-DE" dirty="0"/>
-          </a:p>
-        </p:txBody>
-      </p:sp>
       <p:pic>
         <p:nvPicPr>
-          <p:cNvPr id="8" name="Grafik 7"/>
+          <p:cNvPr id="7" name="Grafik 6"/>
           <p:cNvPicPr>
             <a:picLocks noChangeAspect="1"/>
           </p:cNvPicPr>
           <p:nvPr/>
         </p:nvPicPr>
         <p:blipFill>
-          <a:blip r:embed="rId3" cstate="print">
+          <a:blip r:embed="rId3">
             <a:extLst>
               <a:ext uri="{28A0092B-C50C-407E-A947-70E740481C1C}">
                 <a14:useLocalDpi xmlns:a14="http://schemas.microsoft.com/office/drawing/2010/main" val="0"/>
@@ -5636,8 +5656,86 @@
         </p:blipFill>
         <p:spPr>
           <a:xfrm>
-            <a:off x="4427983" y="1639568"/>
-            <a:ext cx="4988323" cy="2228326"/>
+            <a:off x="3016751" y="2140827"/>
+            <a:ext cx="2610214" cy="552527"/>
+          </a:xfrm>
+          <a:prstGeom prst="rect">
+            <a:avLst/>
+          </a:prstGeom>
+        </p:spPr>
+      </p:pic>
+      <p:sp>
+        <p:nvSpPr>
+          <p:cNvPr id="9" name="Rechteck 8"/>
+          <p:cNvSpPr/>
+          <p:nvPr/>
+        </p:nvSpPr>
+        <p:spPr>
+          <a:xfrm>
+            <a:off x="-900608" y="3325141"/>
+            <a:ext cx="1601924" cy="506516"/>
+          </a:xfrm>
+          <a:prstGeom prst="rect">
+            <a:avLst/>
+          </a:prstGeom>
+          <a:solidFill>
+            <a:schemeClr val="bg1"/>
+          </a:solidFill>
+          <a:ln>
+            <a:solidFill>
+              <a:schemeClr val="bg1"/>
+            </a:solidFill>
+          </a:ln>
+        </p:spPr>
+        <p:style>
+          <a:lnRef idx="2">
+            <a:schemeClr val="accent1">
+              <a:shade val="50000"/>
+            </a:schemeClr>
+          </a:lnRef>
+          <a:fillRef idx="1">
+            <a:schemeClr val="accent1"/>
+          </a:fillRef>
+          <a:effectRef idx="0">
+            <a:schemeClr val="accent1"/>
+          </a:effectRef>
+          <a:fontRef idx="minor">
+            <a:schemeClr val="lt1"/>
+          </a:fontRef>
+        </p:style>
+        <p:txBody>
+          <a:bodyPr rtlCol="0" anchor="ctr"/>
+          <a:lstStyle/>
+          <a:p>
+            <a:pPr algn="ctr"/>
+            <a:endParaRPr lang="de-DE"/>
+          </a:p>
+        </p:txBody>
+      </p:sp>
+      <p:pic>
+        <p:nvPicPr>
+          <p:cNvPr id="11" name="Grafik 10"/>
+          <p:cNvPicPr>
+            <a:picLocks noChangeAspect="1"/>
+          </p:cNvPicPr>
+          <p:nvPr/>
+        </p:nvPicPr>
+        <p:blipFill>
+          <a:blip r:embed="rId4">
+            <a:extLst>
+              <a:ext uri="{28A0092B-C50C-407E-A947-70E740481C1C}">
+                <a14:useLocalDpi xmlns:a14="http://schemas.microsoft.com/office/drawing/2010/main" val="0"/>
+              </a:ext>
+            </a:extLst>
+          </a:blip>
+          <a:stretch>
+            <a:fillRect/>
+          </a:stretch>
+        </p:blipFill>
+        <p:spPr>
+          <a:xfrm>
+            <a:off x="114484" y="3088019"/>
+            <a:ext cx="4410691" cy="838317"/>
           </a:xfrm>
           <a:prstGeom prst="rect">
             <a:avLst/>
@@ -5647,7 +5745,7 @@
     </p:spTree>
     <p:extLst>
       <p:ext uri="{BB962C8B-B14F-4D97-AF65-F5344CB8AC3E}">
-        <p14:creationId xmlns:p14="http://schemas.microsoft.com/office/powerpoint/2010/main" val="1929486445"/>
+        <p14:creationId xmlns:p14="http://schemas.microsoft.com/office/powerpoint/2010/main" val="1532789597"/>
       </p:ext>
     </p:extLst>
   </p:cSld>
@@ -5698,6 +5796,198 @@
           <a:p>
             <a:r>
               <a:rPr lang="de-DE" dirty="0" smtClean="0"/>
+              <a:t>Spektrum der Feedbackschaltung</a:t>
+            </a:r>
+            <a:endParaRPr lang="de-DE" dirty="0"/>
+          </a:p>
+        </p:txBody>
+      </p:sp>
+      <p:pic>
+        <p:nvPicPr>
+          <p:cNvPr id="7" name="Inhaltsplatzhalter 6"/>
+          <p:cNvPicPr>
+            <a:picLocks noGrp="1" noChangeAspect="1"/>
+          </p:cNvPicPr>
+          <p:nvPr>
+            <p:ph idx="1"/>
+          </p:nvPr>
+        </p:nvPicPr>
+        <p:blipFill>
+          <a:blip r:embed="rId2" cstate="print">
+            <a:extLst>
+              <a:ext uri="{28A0092B-C50C-407E-A947-70E740481C1C}">
+                <a14:useLocalDpi xmlns:a14="http://schemas.microsoft.com/office/drawing/2010/main" val="0"/>
+              </a:ext>
+            </a:extLst>
+          </a:blip>
+          <a:stretch>
+            <a:fillRect/>
+          </a:stretch>
+        </p:blipFill>
+        <p:spPr>
+          <a:xfrm>
+            <a:off x="-252536" y="1635646"/>
+            <a:ext cx="4997103" cy="2232248"/>
+          </a:xfrm>
+        </p:spPr>
+      </p:pic>
+      <p:sp>
+        <p:nvSpPr>
+          <p:cNvPr id="4" name="Datumsplatzhalter 3"/>
+          <p:cNvSpPr>
+            <a:spLocks noGrp="1"/>
+          </p:cNvSpPr>
+          <p:nvPr>
+            <p:ph type="dt" sz="half" idx="10"/>
+          </p:nvPr>
+        </p:nvSpPr>
+        <p:spPr/>
+        <p:txBody>
+          <a:bodyPr/>
+          <a:lstStyle/>
+          <a:p>
+            <a:fld id="{296000BE-0612-4D88-A1AC-FF1287139C2E}" type="datetime1">
+              <a:rPr lang="de-DE" smtClean="0"/>
+              <a:t>21.06.2015</a:t>
+            </a:fld>
+            <a:endParaRPr lang="de-DE" dirty="0"/>
+          </a:p>
+        </p:txBody>
+      </p:sp>
+      <p:sp>
+        <p:nvSpPr>
+          <p:cNvPr id="5" name="Fußzeilenplatzhalter 4"/>
+          <p:cNvSpPr>
+            <a:spLocks noGrp="1"/>
+          </p:cNvSpPr>
+          <p:nvPr>
+            <p:ph type="ftr" sz="quarter" idx="11"/>
+          </p:nvPr>
+        </p:nvSpPr>
+        <p:spPr/>
+        <p:txBody>
+          <a:bodyPr/>
+          <a:lstStyle/>
+          <a:p>
+            <a:r>
+              <a:rPr lang="de-DE" smtClean="0"/>
+              <a:t>FM-Synthese</a:t>
+            </a:r>
+            <a:endParaRPr lang="de-DE" dirty="0"/>
+          </a:p>
+        </p:txBody>
+      </p:sp>
+      <p:sp>
+        <p:nvSpPr>
+          <p:cNvPr id="6" name="Foliennummernplatzhalter 5"/>
+          <p:cNvSpPr>
+            <a:spLocks noGrp="1"/>
+          </p:cNvSpPr>
+          <p:nvPr>
+            <p:ph type="sldNum" sz="quarter" idx="12"/>
+          </p:nvPr>
+        </p:nvSpPr>
+        <p:spPr/>
+        <p:txBody>
+          <a:bodyPr/>
+          <a:lstStyle/>
+          <a:p>
+            <a:fld id="{8740CB20-F870-467D-84CE-AB32061190A1}" type="slidenum">
+              <a:rPr lang="en-US" smtClean="0"/>
+              <a:t>15</a:t>
+            </a:fld>
+            <a:r>
+              <a:rPr lang="de-DE" smtClean="0"/>
+              <a:t>   </a:t>
+            </a:r>
+            <a:endParaRPr lang="de-DE" dirty="0"/>
+          </a:p>
+        </p:txBody>
+      </p:sp>
+      <p:pic>
+        <p:nvPicPr>
+          <p:cNvPr id="8" name="Grafik 7"/>
+          <p:cNvPicPr>
+            <a:picLocks noChangeAspect="1"/>
+          </p:cNvPicPr>
+          <p:nvPr/>
+        </p:nvPicPr>
+        <p:blipFill>
+          <a:blip r:embed="rId3" cstate="print">
+            <a:extLst>
+              <a:ext uri="{28A0092B-C50C-407E-A947-70E740481C1C}">
+                <a14:useLocalDpi xmlns:a14="http://schemas.microsoft.com/office/drawing/2010/main" val="0"/>
+              </a:ext>
+            </a:extLst>
+          </a:blip>
+          <a:stretch>
+            <a:fillRect/>
+          </a:stretch>
+        </p:blipFill>
+        <p:spPr>
+          <a:xfrm>
+            <a:off x="4427983" y="1639568"/>
+            <a:ext cx="4988323" cy="2228326"/>
+          </a:xfrm>
+          <a:prstGeom prst="rect">
+            <a:avLst/>
+          </a:prstGeom>
+        </p:spPr>
+      </p:pic>
+    </p:spTree>
+    <p:extLst>
+      <p:ext uri="{BB962C8B-B14F-4D97-AF65-F5344CB8AC3E}">
+        <p14:creationId xmlns:p14="http://schemas.microsoft.com/office/powerpoint/2010/main" val="1929486445"/>
+      </p:ext>
+    </p:extLst>
+  </p:cSld>
+  <p:clrMapOvr>
+    <a:masterClrMapping/>
+  </p:clrMapOvr>
+  <p:timing>
+    <p:tnLst>
+      <p:par>
+        <p:cTn id="1" dur="indefinite" restart="never" nodeType="tmRoot"/>
+      </p:par>
+    </p:tnLst>
+  </p:timing>
+</p:sld>
+</file>
+
+<file path=ppt/slides/slide16.xml><?xml version="1.0" encoding="utf-8"?>
+<p:sld xmlns:a="http://schemas.openxmlformats.org/drawingml/2006/main" xmlns:r="http://schemas.openxmlformats.org/officeDocument/2006/relationships" xmlns:p="http://schemas.openxmlformats.org/presentationml/2006/main">
+  <p:cSld>
+    <p:spTree>
+      <p:nvGrpSpPr>
+        <p:cNvPr id="1" name=""/>
+        <p:cNvGrpSpPr/>
+        <p:nvPr/>
+      </p:nvGrpSpPr>
+      <p:grpSpPr>
+        <a:xfrm>
+          <a:off x="0" y="0"/>
+          <a:ext cx="0" cy="0"/>
+          <a:chOff x="0" y="0"/>
+          <a:chExt cx="0" cy="0"/>
+        </a:xfrm>
+      </p:grpSpPr>
+      <p:sp>
+        <p:nvSpPr>
+          <p:cNvPr id="2" name="Titel 1"/>
+          <p:cNvSpPr>
+            <a:spLocks noGrp="1"/>
+          </p:cNvSpPr>
+          <p:nvPr>
+            <p:ph type="title"/>
+          </p:nvPr>
+        </p:nvSpPr>
+        <p:spPr/>
+        <p:txBody>
+          <a:bodyPr/>
+          <a:lstStyle/>
+          <a:p>
+            <a:r>
+              <a:rPr lang="de-DE" dirty="0" smtClean="0"/>
               <a:t>Praxisbeispiel: Modulationsmatrix FM8</a:t>
             </a:r>
             <a:endParaRPr lang="de-DE" dirty="0"/>
@@ -5796,7 +6086,7 @@
           <a:p>
             <a:fld id="{8740CB20-F870-467D-84CE-AB32061190A1}" type="slidenum">
               <a:rPr lang="en-US" smtClean="0"/>
-              <a:t>15</a:t>
+              <a:t>16</a:t>
             </a:fld>
             <a:r>
               <a:rPr lang="de-DE" smtClean="0"/>
@@ -6815,11 +7105,7 @@
           <a:p>
             <a:r>
               <a:rPr lang="de-DE" dirty="0" smtClean="0"/>
-              <a:t>Vergleich: </a:t>
-            </a:r>
-            <a:r>
-              <a:rPr lang="de-DE" dirty="0" smtClean="0"/>
-              <a:t>Einzel- vs. Parallelschaltung</a:t>
+              <a:t>Vergleich: Einzel- vs. Parallelschaltung</a:t>
             </a:r>
             <a:endParaRPr lang="de-DE" dirty="0"/>
           </a:p>

--- a/Praesentation/FMSynthese-Matze.pptx
+++ b/Praesentation/FMSynthese-Matze.pptx
@@ -6332,6 +6332,54 @@
       </p:grpSpPr>
       <p:sp>
         <p:nvSpPr>
+          <p:cNvPr id="20" name="Pfeil nach unten 19"/>
+          <p:cNvSpPr/>
+          <p:nvPr/>
+        </p:nvSpPr>
+        <p:spPr>
+          <a:xfrm rot="19285559">
+            <a:off x="5842403" y="3308805"/>
+            <a:ext cx="484632" cy="1323423"/>
+          </a:xfrm>
+          <a:prstGeom prst="downArrow">
+            <a:avLst/>
+          </a:prstGeom>
+          <a:solidFill>
+            <a:schemeClr val="accent1"/>
+          </a:solidFill>
+          <a:ln>
+            <a:solidFill>
+              <a:schemeClr val="accent1"/>
+            </a:solidFill>
+          </a:ln>
+        </p:spPr>
+        <p:style>
+          <a:lnRef idx="2">
+            <a:schemeClr val="accent1">
+              <a:shade val="50000"/>
+            </a:schemeClr>
+          </a:lnRef>
+          <a:fillRef idx="1">
+            <a:schemeClr val="accent1"/>
+          </a:fillRef>
+          <a:effectRef idx="0">
+            <a:schemeClr val="accent1"/>
+          </a:effectRef>
+          <a:fontRef idx="minor">
+            <a:schemeClr val="lt1"/>
+          </a:fontRef>
+        </p:style>
+        <p:txBody>
+          <a:bodyPr rtlCol="0" anchor="ctr"/>
+          <a:lstStyle/>
+          <a:p>
+            <a:pPr algn="ctr"/>
+            <a:endParaRPr lang="de-DE"/>
+          </a:p>
+        </p:txBody>
+      </p:sp>
+      <p:sp>
+        <p:nvSpPr>
           <p:cNvPr id="2" name="Titel 1"/>
           <p:cNvSpPr>
             <a:spLocks noGrp="1"/>
@@ -7048,6 +7096,203 @@
               <a:t>Pro Träger-Modulator-Paar gilt:</a:t>
             </a:r>
             <a:endParaRPr lang="de-DE" dirty="0"/>
+          </a:p>
+        </p:txBody>
+      </p:sp>
+      <p:sp>
+        <p:nvSpPr>
+          <p:cNvPr id="19" name="Rechteck 18"/>
+          <p:cNvSpPr/>
+          <p:nvPr/>
+        </p:nvSpPr>
+        <p:spPr>
+          <a:xfrm>
+            <a:off x="5076057" y="2699657"/>
+            <a:ext cx="864096" cy="864096"/>
+          </a:xfrm>
+          <a:prstGeom prst="rect">
+            <a:avLst/>
+          </a:prstGeom>
+          <a:ln>
+            <a:solidFill>
+              <a:schemeClr val="accent1"/>
+            </a:solidFill>
+          </a:ln>
+        </p:spPr>
+        <p:style>
+          <a:lnRef idx="2">
+            <a:schemeClr val="accent1">
+              <a:shade val="50000"/>
+            </a:schemeClr>
+          </a:lnRef>
+          <a:fillRef idx="1">
+            <a:schemeClr val="accent1"/>
+          </a:fillRef>
+          <a:effectRef idx="0">
+            <a:schemeClr val="accent1"/>
+          </a:effectRef>
+          <a:fontRef idx="minor">
+            <a:schemeClr val="lt1"/>
+          </a:fontRef>
+        </p:style>
+        <p:txBody>
+          <a:bodyPr rtlCol="0" anchor="ctr"/>
+          <a:lstStyle/>
+          <a:p>
+            <a:pPr algn="ctr"/>
+            <a:r>
+              <a:rPr lang="de-DE" sz="3000" dirty="0" smtClean="0">
+                <a:ln w="0"/>
+                <a:solidFill>
+                  <a:schemeClr val="tx1"/>
+                </a:solidFill>
+                <a:effectLst>
+                  <a:outerShdw blurRad="38100" dist="19050" dir="2700000" algn="tl" rotWithShape="0">
+                    <a:schemeClr val="dk1">
+                      <a:alpha val="40000"/>
+                    </a:schemeClr>
+                  </a:outerShdw>
+                </a:effectLst>
+              </a:rPr>
+              <a:t>T1</a:t>
+            </a:r>
+            <a:endParaRPr lang="de-DE" sz="3000" dirty="0">
+              <a:ln w="0"/>
+              <a:solidFill>
+                <a:schemeClr val="tx1"/>
+              </a:solidFill>
+              <a:effectLst>
+                <a:outerShdw blurRad="38100" dist="19050" dir="2700000" algn="tl" rotWithShape="0">
+                  <a:schemeClr val="dk1">
+                    <a:alpha val="40000"/>
+                  </a:schemeClr>
+                </a:outerShdw>
+              </a:effectLst>
+            </a:endParaRPr>
+          </a:p>
+        </p:txBody>
+      </p:sp>
+      <p:sp>
+        <p:nvSpPr>
+          <p:cNvPr id="21" name="Pfeil nach unten 20"/>
+          <p:cNvSpPr/>
+          <p:nvPr/>
+        </p:nvSpPr>
+        <p:spPr>
+          <a:xfrm>
+            <a:off x="5265789" y="1910585"/>
+            <a:ext cx="484632" cy="978408"/>
+          </a:xfrm>
+          <a:prstGeom prst="downArrow">
+            <a:avLst/>
+          </a:prstGeom>
+          <a:solidFill>
+            <a:schemeClr val="accent2"/>
+          </a:solidFill>
+          <a:ln>
+            <a:solidFill>
+              <a:schemeClr val="accent2"/>
+            </a:solidFill>
+          </a:ln>
+        </p:spPr>
+        <p:style>
+          <a:lnRef idx="2">
+            <a:schemeClr val="accent1">
+              <a:shade val="50000"/>
+            </a:schemeClr>
+          </a:lnRef>
+          <a:fillRef idx="1">
+            <a:schemeClr val="accent1"/>
+          </a:fillRef>
+          <a:effectRef idx="0">
+            <a:schemeClr val="accent1"/>
+          </a:effectRef>
+          <a:fontRef idx="minor">
+            <a:schemeClr val="lt1"/>
+          </a:fontRef>
+        </p:style>
+        <p:txBody>
+          <a:bodyPr rtlCol="0" anchor="ctr"/>
+          <a:lstStyle/>
+          <a:p>
+            <a:pPr algn="ctr"/>
+            <a:endParaRPr lang="de-DE"/>
+          </a:p>
+        </p:txBody>
+      </p:sp>
+      <p:sp>
+        <p:nvSpPr>
+          <p:cNvPr id="22" name="Rechteck 21"/>
+          <p:cNvSpPr/>
+          <p:nvPr/>
+        </p:nvSpPr>
+        <p:spPr>
+          <a:xfrm>
+            <a:off x="5076057" y="1347615"/>
+            <a:ext cx="864096" cy="864096"/>
+          </a:xfrm>
+          <a:prstGeom prst="rect">
+            <a:avLst/>
+          </a:prstGeom>
+          <a:solidFill>
+            <a:schemeClr val="accent2"/>
+          </a:solidFill>
+          <a:ln>
+            <a:solidFill>
+              <a:schemeClr val="accent2"/>
+            </a:solidFill>
+          </a:ln>
+        </p:spPr>
+        <p:style>
+          <a:lnRef idx="2">
+            <a:schemeClr val="accent1">
+              <a:shade val="50000"/>
+            </a:schemeClr>
+          </a:lnRef>
+          <a:fillRef idx="1">
+            <a:schemeClr val="accent1"/>
+          </a:fillRef>
+          <a:effectRef idx="0">
+            <a:schemeClr val="accent1"/>
+          </a:effectRef>
+          <a:fontRef idx="minor">
+            <a:schemeClr val="lt1"/>
+          </a:fontRef>
+        </p:style>
+        <p:txBody>
+          <a:bodyPr rtlCol="0" anchor="ctr"/>
+          <a:lstStyle/>
+          <a:p>
+            <a:pPr algn="ctr"/>
+            <a:r>
+              <a:rPr lang="de-DE" sz="3000" dirty="0" smtClean="0">
+                <a:ln w="0"/>
+                <a:solidFill>
+                  <a:schemeClr val="tx1"/>
+                </a:solidFill>
+                <a:effectLst>
+                  <a:outerShdw blurRad="38100" dist="19050" dir="2700000" algn="tl" rotWithShape="0">
+                    <a:schemeClr val="dk1">
+                      <a:alpha val="40000"/>
+                    </a:schemeClr>
+                  </a:outerShdw>
+                </a:effectLst>
+              </a:rPr>
+              <a:t>M1</a:t>
+            </a:r>
+            <a:endParaRPr lang="de-DE" sz="3000" dirty="0">
+              <a:ln w="0"/>
+              <a:solidFill>
+                <a:schemeClr val="tx1"/>
+              </a:solidFill>
+              <a:effectLst>
+                <a:outerShdw blurRad="38100" dist="19050" dir="2700000" algn="tl" rotWithShape="0">
+                  <a:schemeClr val="dk1">
+                    <a:alpha val="40000"/>
+                  </a:schemeClr>
+                </a:outerShdw>
+              </a:effectLst>
+            </a:endParaRPr>
           </a:p>
         </p:txBody>
       </p:sp>

--- a/Praesentation/FMSynthese-Matze.pptx
+++ b/Praesentation/FMSynthese-Matze.pptx
@@ -4716,7 +4716,7 @@
         </p:blipFill>
         <p:spPr>
           <a:xfrm>
-            <a:off x="6567242" y="1063229"/>
+            <a:off x="6567242" y="1160451"/>
             <a:ext cx="2991267" cy="619211"/>
           </a:xfrm>
           <a:prstGeom prst="rect">
@@ -7380,7 +7380,7 @@
         </p:blipFill>
         <p:spPr>
           <a:xfrm>
-            <a:off x="-116702" y="878039"/>
+            <a:off x="-116702" y="909315"/>
             <a:ext cx="4688702" cy="2094483"/>
           </a:xfrm>
         </p:spPr>
@@ -7485,7 +7485,7 @@
         </p:blipFill>
         <p:spPr>
           <a:xfrm>
-            <a:off x="-116702" y="2972522"/>
+            <a:off x="-116702" y="3065237"/>
             <a:ext cx="4698369" cy="2098801"/>
           </a:xfrm>
           <a:prstGeom prst="rect">

--- a/Praesentation/FMSynthese-Matze.pptx
+++ b/Praesentation/FMSynthese-Matze.pptx
@@ -5,7 +5,7 @@
     <p:sldMasterId id="2147483648" r:id="rId1"/>
   </p:sldMasterIdLst>
   <p:notesMasterIdLst>
-    <p:notesMasterId r:id="rId18"/>
+    <p:notesMasterId r:id="rId21"/>
   </p:notesMasterIdLst>
   <p:sldIdLst>
     <p:sldId id="259" r:id="rId2"/>
@@ -24,6 +24,9 @@
     <p:sldId id="269" r:id="rId15"/>
     <p:sldId id="270" r:id="rId16"/>
     <p:sldId id="273" r:id="rId17"/>
+    <p:sldId id="275" r:id="rId18"/>
+    <p:sldId id="277" r:id="rId19"/>
+    <p:sldId id="276" r:id="rId20"/>
   </p:sldIdLst>
   <p:sldSz cx="9144000" cy="5143500" type="screen16x9"/>
   <p:notesSz cx="6858000" cy="9144000"/>
@@ -6113,6 +6116,496 @@
       </p:par>
     </p:tnLst>
   </p:timing>
+</p:sld>
+</file>
+
+<file path=ppt/slides/slide17.xml><?xml version="1.0" encoding="utf-8"?>
+<p:sld xmlns:a="http://schemas.openxmlformats.org/drawingml/2006/main" xmlns:r="http://schemas.openxmlformats.org/officeDocument/2006/relationships" xmlns:p="http://schemas.openxmlformats.org/presentationml/2006/main">
+  <p:cSld>
+    <p:spTree>
+      <p:nvGrpSpPr>
+        <p:cNvPr id="1" name=""/>
+        <p:cNvGrpSpPr/>
+        <p:nvPr/>
+      </p:nvGrpSpPr>
+      <p:grpSpPr>
+        <a:xfrm>
+          <a:off x="0" y="0"/>
+          <a:ext cx="0" cy="0"/>
+          <a:chOff x="0" y="0"/>
+          <a:chExt cx="0" cy="0"/>
+        </a:xfrm>
+      </p:grpSpPr>
+      <p:sp>
+        <p:nvSpPr>
+          <p:cNvPr id="2" name="Titel 1"/>
+          <p:cNvSpPr>
+            <a:spLocks noGrp="1"/>
+          </p:cNvSpPr>
+          <p:nvPr>
+            <p:ph type="title"/>
+          </p:nvPr>
+        </p:nvSpPr>
+        <p:spPr/>
+        <p:txBody>
+          <a:bodyPr/>
+          <a:lstStyle/>
+          <a:p>
+            <a:r>
+              <a:rPr lang="de-DE" dirty="0" smtClean="0"/>
+              <a:t>Fazit</a:t>
+            </a:r>
+            <a:endParaRPr lang="de-DE" dirty="0"/>
+          </a:p>
+        </p:txBody>
+      </p:sp>
+      <p:sp>
+        <p:nvSpPr>
+          <p:cNvPr id="3" name="Inhaltsplatzhalter 2"/>
+          <p:cNvSpPr>
+            <a:spLocks noGrp="1"/>
+          </p:cNvSpPr>
+          <p:nvPr>
+            <p:ph idx="1"/>
+          </p:nvPr>
+        </p:nvSpPr>
+        <p:spPr/>
+        <p:txBody>
+          <a:bodyPr/>
+          <a:lstStyle/>
+          <a:p>
+            <a:r>
+              <a:rPr lang="de-DE" dirty="0" smtClean="0"/>
+              <a:t>Komplexe FM-Synthese ist extrem mächtig</a:t>
+            </a:r>
+          </a:p>
+          <a:p>
+            <a:endParaRPr lang="de-DE" dirty="0"/>
+          </a:p>
+          <a:p>
+            <a:r>
+              <a:rPr lang="de-DE" dirty="0"/>
+              <a:t>R</a:t>
+            </a:r>
+            <a:r>
+              <a:rPr lang="de-DE" dirty="0" smtClean="0"/>
+              <a:t>esultierendes Spektrum schwer abschätzbar</a:t>
+            </a:r>
+          </a:p>
+          <a:p>
+            <a:endParaRPr lang="de-DE" dirty="0"/>
+          </a:p>
+          <a:p>
+            <a:r>
+              <a:rPr lang="de-DE" dirty="0" smtClean="0"/>
+              <a:t>Durch moderne </a:t>
+            </a:r>
+            <a:r>
+              <a:rPr lang="de-DE" dirty="0" err="1" smtClean="0"/>
+              <a:t>Synths</a:t>
+            </a:r>
+            <a:r>
+              <a:rPr lang="de-DE" dirty="0" smtClean="0"/>
+              <a:t> wie FM8 </a:t>
+            </a:r>
+            <a:r>
+              <a:rPr lang="de-DE" i="1" dirty="0" smtClean="0"/>
+              <a:t>Trial &amp; Error </a:t>
+            </a:r>
+            <a:r>
+              <a:rPr lang="de-DE" dirty="0" smtClean="0"/>
+              <a:t>einfach</a:t>
+            </a:r>
+          </a:p>
+          <a:p>
+            <a:endParaRPr lang="de-DE" dirty="0"/>
+          </a:p>
+          <a:p>
+            <a:endParaRPr lang="de-DE" dirty="0"/>
+          </a:p>
+        </p:txBody>
+      </p:sp>
+      <p:sp>
+        <p:nvSpPr>
+          <p:cNvPr id="4" name="Datumsplatzhalter 3"/>
+          <p:cNvSpPr>
+            <a:spLocks noGrp="1"/>
+          </p:cNvSpPr>
+          <p:nvPr>
+            <p:ph type="dt" sz="half" idx="10"/>
+          </p:nvPr>
+        </p:nvSpPr>
+        <p:spPr/>
+        <p:txBody>
+          <a:bodyPr/>
+          <a:lstStyle/>
+          <a:p>
+            <a:fld id="{296000BE-0612-4D88-A1AC-FF1287139C2E}" type="datetime1">
+              <a:rPr lang="de-DE" smtClean="0"/>
+              <a:t>21.06.2015</a:t>
+            </a:fld>
+            <a:endParaRPr lang="de-DE" dirty="0"/>
+          </a:p>
+        </p:txBody>
+      </p:sp>
+      <p:sp>
+        <p:nvSpPr>
+          <p:cNvPr id="5" name="Fußzeilenplatzhalter 4"/>
+          <p:cNvSpPr>
+            <a:spLocks noGrp="1"/>
+          </p:cNvSpPr>
+          <p:nvPr>
+            <p:ph type="ftr" sz="quarter" idx="11"/>
+          </p:nvPr>
+        </p:nvSpPr>
+        <p:spPr/>
+        <p:txBody>
+          <a:bodyPr/>
+          <a:lstStyle/>
+          <a:p>
+            <a:r>
+              <a:rPr lang="de-DE" smtClean="0"/>
+              <a:t>FM-Synthese</a:t>
+            </a:r>
+            <a:endParaRPr lang="de-DE" dirty="0"/>
+          </a:p>
+        </p:txBody>
+      </p:sp>
+      <p:sp>
+        <p:nvSpPr>
+          <p:cNvPr id="6" name="Foliennummernplatzhalter 5"/>
+          <p:cNvSpPr>
+            <a:spLocks noGrp="1"/>
+          </p:cNvSpPr>
+          <p:nvPr>
+            <p:ph type="sldNum" sz="quarter" idx="12"/>
+          </p:nvPr>
+        </p:nvSpPr>
+        <p:spPr/>
+        <p:txBody>
+          <a:bodyPr/>
+          <a:lstStyle/>
+          <a:p>
+            <a:fld id="{8740CB20-F870-467D-84CE-AB32061190A1}" type="slidenum">
+              <a:rPr lang="en-US" smtClean="0"/>
+              <a:t>17</a:t>
+            </a:fld>
+            <a:r>
+              <a:rPr lang="de-DE" smtClean="0"/>
+              <a:t>   </a:t>
+            </a:r>
+            <a:endParaRPr lang="de-DE" dirty="0"/>
+          </a:p>
+        </p:txBody>
+      </p:sp>
+    </p:spTree>
+    <p:extLst>
+      <p:ext uri="{BB962C8B-B14F-4D97-AF65-F5344CB8AC3E}">
+        <p14:creationId xmlns:p14="http://schemas.microsoft.com/office/powerpoint/2010/main" val="331309284"/>
+      </p:ext>
+    </p:extLst>
+  </p:cSld>
+  <p:clrMapOvr>
+    <a:masterClrMapping/>
+  </p:clrMapOvr>
+</p:sld>
+</file>
+
+<file path=ppt/slides/slide18.xml><?xml version="1.0" encoding="utf-8"?>
+<p:sld xmlns:a="http://schemas.openxmlformats.org/drawingml/2006/main" xmlns:r="http://schemas.openxmlformats.org/officeDocument/2006/relationships" xmlns:p="http://schemas.openxmlformats.org/presentationml/2006/main">
+  <p:cSld>
+    <p:spTree>
+      <p:nvGrpSpPr>
+        <p:cNvPr id="1" name=""/>
+        <p:cNvGrpSpPr/>
+        <p:nvPr/>
+      </p:nvGrpSpPr>
+      <p:grpSpPr>
+        <a:xfrm>
+          <a:off x="0" y="0"/>
+          <a:ext cx="0" cy="0"/>
+          <a:chOff x="0" y="0"/>
+          <a:chExt cx="0" cy="0"/>
+        </a:xfrm>
+      </p:grpSpPr>
+      <p:sp>
+        <p:nvSpPr>
+          <p:cNvPr id="2" name="Titel 1"/>
+          <p:cNvSpPr>
+            <a:spLocks noGrp="1"/>
+          </p:cNvSpPr>
+          <p:nvPr>
+            <p:ph type="title"/>
+          </p:nvPr>
+        </p:nvSpPr>
+        <p:spPr/>
+        <p:txBody>
+          <a:bodyPr/>
+          <a:lstStyle/>
+          <a:p>
+            <a:r>
+              <a:rPr lang="de-DE" dirty="0" smtClean="0"/>
+              <a:t>Quellen</a:t>
+            </a:r>
+            <a:endParaRPr lang="de-DE" dirty="0"/>
+          </a:p>
+        </p:txBody>
+      </p:sp>
+      <p:sp>
+        <p:nvSpPr>
+          <p:cNvPr id="3" name="Inhaltsplatzhalter 2"/>
+          <p:cNvSpPr>
+            <a:spLocks noGrp="1"/>
+          </p:cNvSpPr>
+          <p:nvPr>
+            <p:ph idx="1"/>
+          </p:nvPr>
+        </p:nvSpPr>
+        <p:spPr/>
+        <p:txBody>
+          <a:bodyPr/>
+          <a:lstStyle/>
+          <a:p>
+            <a:endParaRPr lang="de-DE"/>
+          </a:p>
+        </p:txBody>
+      </p:sp>
+      <p:sp>
+        <p:nvSpPr>
+          <p:cNvPr id="4" name="Datumsplatzhalter 3"/>
+          <p:cNvSpPr>
+            <a:spLocks noGrp="1"/>
+          </p:cNvSpPr>
+          <p:nvPr>
+            <p:ph type="dt" sz="half" idx="10"/>
+          </p:nvPr>
+        </p:nvSpPr>
+        <p:spPr/>
+        <p:txBody>
+          <a:bodyPr/>
+          <a:lstStyle/>
+          <a:p>
+            <a:fld id="{296000BE-0612-4D88-A1AC-FF1287139C2E}" type="datetime1">
+              <a:rPr lang="de-DE" smtClean="0"/>
+              <a:t>21.06.2015</a:t>
+            </a:fld>
+            <a:endParaRPr lang="de-DE" dirty="0"/>
+          </a:p>
+        </p:txBody>
+      </p:sp>
+      <p:sp>
+        <p:nvSpPr>
+          <p:cNvPr id="5" name="Fußzeilenplatzhalter 4"/>
+          <p:cNvSpPr>
+            <a:spLocks noGrp="1"/>
+          </p:cNvSpPr>
+          <p:nvPr>
+            <p:ph type="ftr" sz="quarter" idx="11"/>
+          </p:nvPr>
+        </p:nvSpPr>
+        <p:spPr/>
+        <p:txBody>
+          <a:bodyPr/>
+          <a:lstStyle/>
+          <a:p>
+            <a:r>
+              <a:rPr lang="de-DE" smtClean="0"/>
+              <a:t>FM-Synthese</a:t>
+            </a:r>
+            <a:endParaRPr lang="de-DE" dirty="0"/>
+          </a:p>
+        </p:txBody>
+      </p:sp>
+      <p:sp>
+        <p:nvSpPr>
+          <p:cNvPr id="6" name="Foliennummernplatzhalter 5"/>
+          <p:cNvSpPr>
+            <a:spLocks noGrp="1"/>
+          </p:cNvSpPr>
+          <p:nvPr>
+            <p:ph type="sldNum" sz="quarter" idx="12"/>
+          </p:nvPr>
+        </p:nvSpPr>
+        <p:spPr/>
+        <p:txBody>
+          <a:bodyPr/>
+          <a:lstStyle/>
+          <a:p>
+            <a:fld id="{8740CB20-F870-467D-84CE-AB32061190A1}" type="slidenum">
+              <a:rPr lang="en-US" smtClean="0"/>
+              <a:t>18</a:t>
+            </a:fld>
+            <a:r>
+              <a:rPr lang="de-DE" smtClean="0"/>
+              <a:t>   </a:t>
+            </a:r>
+            <a:endParaRPr lang="de-DE" dirty="0"/>
+          </a:p>
+        </p:txBody>
+      </p:sp>
+    </p:spTree>
+    <p:extLst>
+      <p:ext uri="{BB962C8B-B14F-4D97-AF65-F5344CB8AC3E}">
+        <p14:creationId xmlns:p14="http://schemas.microsoft.com/office/powerpoint/2010/main" val="2962633887"/>
+      </p:ext>
+    </p:extLst>
+  </p:cSld>
+  <p:clrMapOvr>
+    <a:masterClrMapping/>
+  </p:clrMapOvr>
+</p:sld>
+</file>
+
+<file path=ppt/slides/slide19.xml><?xml version="1.0" encoding="utf-8"?>
+<p:sld xmlns:a="http://schemas.openxmlformats.org/drawingml/2006/main" xmlns:r="http://schemas.openxmlformats.org/officeDocument/2006/relationships" xmlns:p="http://schemas.openxmlformats.org/presentationml/2006/main">
+  <p:cSld>
+    <p:spTree>
+      <p:nvGrpSpPr>
+        <p:cNvPr id="1" name=""/>
+        <p:cNvGrpSpPr/>
+        <p:nvPr/>
+      </p:nvGrpSpPr>
+      <p:grpSpPr>
+        <a:xfrm>
+          <a:off x="0" y="0"/>
+          <a:ext cx="0" cy="0"/>
+          <a:chOff x="0" y="0"/>
+          <a:chExt cx="0" cy="0"/>
+        </a:xfrm>
+      </p:grpSpPr>
+      <p:sp>
+        <p:nvSpPr>
+          <p:cNvPr id="3" name="Inhaltsplatzhalter 2"/>
+          <p:cNvSpPr>
+            <a:spLocks noGrp="1"/>
+          </p:cNvSpPr>
+          <p:nvPr>
+            <p:ph idx="1"/>
+          </p:nvPr>
+        </p:nvSpPr>
+        <p:spPr>
+          <a:xfrm>
+            <a:off x="-108520" y="1419622"/>
+            <a:ext cx="8229600" cy="3394472"/>
+          </a:xfrm>
+        </p:spPr>
+        <p:txBody>
+          <a:bodyPr/>
+          <a:lstStyle/>
+          <a:p>
+            <a:pPr marL="457200" lvl="1" indent="0">
+              <a:buNone/>
+            </a:pPr>
+            <a:r>
+              <a:rPr lang="de-DE" dirty="0" smtClean="0"/>
+              <a:t>		</a:t>
+            </a:r>
+          </a:p>
+          <a:p>
+            <a:pPr marL="457200" lvl="1" indent="0">
+              <a:buNone/>
+            </a:pPr>
+            <a:endParaRPr lang="de-DE" dirty="0"/>
+          </a:p>
+          <a:p>
+            <a:pPr marL="457200" lvl="1" indent="0">
+              <a:buNone/>
+            </a:pPr>
+            <a:r>
+              <a:rPr lang="de-DE" dirty="0" smtClean="0"/>
+              <a:t>		</a:t>
+            </a:r>
+            <a:r>
+              <a:rPr lang="de-DE" sz="3000" dirty="0" smtClean="0"/>
+              <a:t>Vielen Dank für eure Aufmerksamkeit!</a:t>
+            </a:r>
+            <a:endParaRPr lang="de-DE" sz="3000" dirty="0"/>
+          </a:p>
+        </p:txBody>
+      </p:sp>
+      <p:sp>
+        <p:nvSpPr>
+          <p:cNvPr id="4" name="Datumsplatzhalter 3"/>
+          <p:cNvSpPr>
+            <a:spLocks noGrp="1"/>
+          </p:cNvSpPr>
+          <p:nvPr>
+            <p:ph type="dt" sz="half" idx="10"/>
+          </p:nvPr>
+        </p:nvSpPr>
+        <p:spPr/>
+        <p:txBody>
+          <a:bodyPr/>
+          <a:lstStyle/>
+          <a:p>
+            <a:fld id="{296000BE-0612-4D88-A1AC-FF1287139C2E}" type="datetime1">
+              <a:rPr lang="de-DE" smtClean="0"/>
+              <a:t>21.06.2015</a:t>
+            </a:fld>
+            <a:endParaRPr lang="de-DE" dirty="0"/>
+          </a:p>
+        </p:txBody>
+      </p:sp>
+      <p:sp>
+        <p:nvSpPr>
+          <p:cNvPr id="5" name="Fußzeilenplatzhalter 4"/>
+          <p:cNvSpPr>
+            <a:spLocks noGrp="1"/>
+          </p:cNvSpPr>
+          <p:nvPr>
+            <p:ph type="ftr" sz="quarter" idx="11"/>
+          </p:nvPr>
+        </p:nvSpPr>
+        <p:spPr/>
+        <p:txBody>
+          <a:bodyPr/>
+          <a:lstStyle/>
+          <a:p>
+            <a:r>
+              <a:rPr lang="de-DE" smtClean="0"/>
+              <a:t>FM-Synthese</a:t>
+            </a:r>
+            <a:endParaRPr lang="de-DE" dirty="0"/>
+          </a:p>
+        </p:txBody>
+      </p:sp>
+      <p:sp>
+        <p:nvSpPr>
+          <p:cNvPr id="6" name="Foliennummernplatzhalter 5"/>
+          <p:cNvSpPr>
+            <a:spLocks noGrp="1"/>
+          </p:cNvSpPr>
+          <p:nvPr>
+            <p:ph type="sldNum" sz="quarter" idx="12"/>
+          </p:nvPr>
+        </p:nvSpPr>
+        <p:spPr/>
+        <p:txBody>
+          <a:bodyPr/>
+          <a:lstStyle/>
+          <a:p>
+            <a:fld id="{8740CB20-F870-467D-84CE-AB32061190A1}" type="slidenum">
+              <a:rPr lang="en-US" smtClean="0"/>
+              <a:t>19</a:t>
+            </a:fld>
+            <a:r>
+              <a:rPr lang="de-DE" smtClean="0"/>
+              <a:t>   </a:t>
+            </a:r>
+            <a:endParaRPr lang="de-DE" dirty="0"/>
+          </a:p>
+        </p:txBody>
+      </p:sp>
+    </p:spTree>
+    <p:extLst>
+      <p:ext uri="{BB962C8B-B14F-4D97-AF65-F5344CB8AC3E}">
+        <p14:creationId xmlns:p14="http://schemas.microsoft.com/office/powerpoint/2010/main" val="2686137481"/>
+      </p:ext>
+    </p:extLst>
+  </p:cSld>
+  <p:clrMapOvr>
+    <a:masterClrMapping/>
+  </p:clrMapOvr>
 </p:sld>
 </file>
 

--- a/Praesentation/FMSynthese-Matze.pptx
+++ b/Praesentation/FMSynthese-Matze.pptx
@@ -5,7 +5,7 @@
     <p:sldMasterId id="2147483648" r:id="rId1"/>
   </p:sldMasterIdLst>
   <p:notesMasterIdLst>
-    <p:notesMasterId r:id="rId21"/>
+    <p:notesMasterId r:id="rId22"/>
   </p:notesMasterIdLst>
   <p:sldIdLst>
     <p:sldId id="259" r:id="rId2"/>
@@ -21,12 +21,13 @@
     <p:sldId id="274" r:id="rId12"/>
     <p:sldId id="272" r:id="rId13"/>
     <p:sldId id="268" r:id="rId14"/>
-    <p:sldId id="269" r:id="rId15"/>
-    <p:sldId id="270" r:id="rId16"/>
-    <p:sldId id="273" r:id="rId17"/>
-    <p:sldId id="275" r:id="rId18"/>
-    <p:sldId id="277" r:id="rId19"/>
-    <p:sldId id="276" r:id="rId20"/>
+    <p:sldId id="278" r:id="rId15"/>
+    <p:sldId id="269" r:id="rId16"/>
+    <p:sldId id="270" r:id="rId17"/>
+    <p:sldId id="273" r:id="rId18"/>
+    <p:sldId id="275" r:id="rId19"/>
+    <p:sldId id="277" r:id="rId20"/>
+    <p:sldId id="276" r:id="rId21"/>
   </p:sldIdLst>
   <p:sldSz cx="9144000" cy="5143500" type="screen16x9"/>
   <p:notesSz cx="6858000" cy="9144000"/>
@@ -241,7 +242,7 @@
             <a:fld id="{364A5697-ABCF-455C-8519-931EFDD64AAA}" type="datetimeFigureOut">
               <a:rPr lang="de-DE" smtClean="0"/>
               <a:pPr/>
-              <a:t>21.06.2015</a:t>
+              <a:t>22.06.2015</a:t>
             </a:fld>
             <a:endParaRPr lang="de-DE"/>
           </a:p>
@@ -832,7 +833,7 @@
           <a:p>
             <a:fld id="{118C39E7-DE90-41C1-AA3B-F993836B02BE}" type="datetime1">
               <a:rPr lang="de-DE" smtClean="0"/>
-              <a:t>21.06.2015</a:t>
+              <a:t>22.06.2015</a:t>
             </a:fld>
             <a:endParaRPr lang="de-DE"/>
           </a:p>
@@ -1012,7 +1013,7 @@
           <a:p>
             <a:fld id="{B1B93457-8CBC-4CBC-AFA6-88355C5DAFDC}" type="datetime1">
               <a:rPr lang="de-DE" smtClean="0"/>
-              <a:t>21.06.2015</a:t>
+              <a:t>22.06.2015</a:t>
             </a:fld>
             <a:endParaRPr lang="de-DE"/>
           </a:p>
@@ -1190,7 +1191,7 @@
           <a:p>
             <a:fld id="{296000BE-0612-4D88-A1AC-FF1287139C2E}" type="datetime1">
               <a:rPr lang="de-DE" smtClean="0"/>
-              <a:t>21.06.2015</a:t>
+              <a:t>22.06.2015</a:t>
             </a:fld>
             <a:endParaRPr lang="de-DE" dirty="0"/>
           </a:p>
@@ -1446,7 +1447,7 @@
           <a:p>
             <a:fld id="{C80D71F6-99A2-4718-B360-65885A8D0927}" type="datetime1">
               <a:rPr lang="de-DE" smtClean="0"/>
-              <a:t>21.06.2015</a:t>
+              <a:t>22.06.2015</a:t>
             </a:fld>
             <a:endParaRPr lang="de-DE"/>
           </a:p>
@@ -1741,7 +1742,7 @@
           <a:p>
             <a:fld id="{29DA34F2-331A-4BAF-BC0B-E5952E369A92}" type="datetime1">
               <a:rPr lang="de-DE" smtClean="0"/>
-              <a:t>21.06.2015</a:t>
+              <a:t>22.06.2015</a:t>
             </a:fld>
             <a:endParaRPr lang="de-DE"/>
           </a:p>
@@ -2170,7 +2171,7 @@
           <a:p>
             <a:fld id="{6E10866E-AA72-4753-8ABE-452D5C085871}" type="datetime1">
               <a:rPr lang="de-DE" smtClean="0"/>
-              <a:t>21.06.2015</a:t>
+              <a:t>22.06.2015</a:t>
             </a:fld>
             <a:endParaRPr lang="de-DE"/>
           </a:p>
@@ -2295,7 +2296,7 @@
           <a:p>
             <a:fld id="{A782DF66-3609-46AF-9A5C-DF0EDD34A7DB}" type="datetime1">
               <a:rPr lang="de-DE" smtClean="0"/>
-              <a:t>21.06.2015</a:t>
+              <a:t>22.06.2015</a:t>
             </a:fld>
             <a:endParaRPr lang="de-DE"/>
           </a:p>
@@ -2390,7 +2391,7 @@
           <a:p>
             <a:fld id="{D9A33BE7-191D-4D84-96A8-D32FBF7D1E60}" type="datetime1">
               <a:rPr lang="de-DE" smtClean="0"/>
-              <a:t>21.06.2015</a:t>
+              <a:t>22.06.2015</a:t>
             </a:fld>
             <a:endParaRPr lang="de-DE"/>
           </a:p>
@@ -2667,7 +2668,7 @@
           <a:p>
             <a:fld id="{B525E46A-CAE0-47F8-9D57-934823E6F137}" type="datetime1">
               <a:rPr lang="de-DE" smtClean="0"/>
-              <a:t>21.06.2015</a:t>
+              <a:t>22.06.2015</a:t>
             </a:fld>
             <a:endParaRPr lang="de-DE"/>
           </a:p>
@@ -2920,7 +2921,7 @@
           <a:p>
             <a:fld id="{A77F82AC-1FA4-4A3F-9E15-2C049775FF58}" type="datetime1">
               <a:rPr lang="de-DE" smtClean="0"/>
-              <a:t>21.06.2015</a:t>
+              <a:t>22.06.2015</a:t>
             </a:fld>
             <a:endParaRPr lang="de-DE"/>
           </a:p>
@@ -3133,7 +3134,7 @@
           <a:p>
             <a:fld id="{296000BE-0612-4D88-A1AC-FF1287139C2E}" type="datetime1">
               <a:rPr lang="de-DE" smtClean="0"/>
-              <a:t>21.06.2015</a:t>
+              <a:t>22.06.2015</a:t>
             </a:fld>
             <a:endParaRPr lang="de-DE" dirty="0"/>
           </a:p>
@@ -3601,7 +3602,15 @@
             </a:r>
             <a:r>
               <a:rPr lang="en-US" dirty="0" smtClean="0"/>
-              <a:t> FM</a:t>
+              <a:t> </a:t>
+            </a:r>
+            <a:r>
+              <a:rPr lang="en-US" dirty="0" smtClean="0"/>
+              <a:t>FM-</a:t>
+            </a:r>
+            <a:r>
+              <a:rPr lang="en-US" dirty="0" err="1" smtClean="0"/>
+              <a:t>Synthese</a:t>
             </a:r>
             <a:endParaRPr lang="en-US" dirty="0"/>
           </a:p>
@@ -3714,7 +3723,7 @@
           <a:p>
             <a:fld id="{296000BE-0612-4D88-A1AC-FF1287139C2E}" type="datetime1">
               <a:rPr lang="de-DE" smtClean="0"/>
-              <a:t>21.06.2015</a:t>
+              <a:t>22.06.2015</a:t>
             </a:fld>
             <a:endParaRPr lang="de-DE" dirty="0"/>
           </a:p>
@@ -4283,7 +4292,7 @@
           <a:p>
             <a:r>
               <a:rPr lang="de-DE" sz="2800" dirty="0" smtClean="0"/>
-              <a:t>Vergleich: </a:t>
+              <a:t/>
             </a:r>
             <a:br>
               <a:rPr lang="de-DE" sz="2800" dirty="0" smtClean="0"/>
@@ -4320,7 +4329,7 @@
           <a:p>
             <a:fld id="{296000BE-0612-4D88-A1AC-FF1287139C2E}" type="datetime1">
               <a:rPr lang="de-DE" smtClean="0"/>
-              <a:t>21.06.2015</a:t>
+              <a:t>22.06.2015</a:t>
             </a:fld>
             <a:endParaRPr lang="de-DE" dirty="0"/>
           </a:p>
@@ -4545,6 +4554,13 @@
   <p:clrMapOvr>
     <a:masterClrMapping/>
   </p:clrMapOvr>
+  <p:timing>
+    <p:tnLst>
+      <p:par>
+        <p:cTn id="1" dur="indefinite" restart="never" nodeType="tmRoot"/>
+      </p:par>
+    </p:tnLst>
+  </p:timing>
 </p:sld>
 </file>
 
@@ -4641,7 +4657,7 @@
           <a:p>
             <a:fld id="{296000BE-0612-4D88-A1AC-FF1287139C2E}" type="datetime1">
               <a:rPr lang="de-DE" smtClean="0"/>
-              <a:t>21.06.2015</a:t>
+              <a:t>22.06.2015</a:t>
             </a:fld>
             <a:endParaRPr lang="de-DE" dirty="0"/>
           </a:p>
@@ -4971,7 +4987,7 @@
           <a:p>
             <a:fld id="{296000BE-0612-4D88-A1AC-FF1287139C2E}" type="datetime1">
               <a:rPr lang="de-DE" smtClean="0"/>
-              <a:t>21.06.2015</a:t>
+              <a:t>22.06.2015</a:t>
             </a:fld>
             <a:endParaRPr lang="de-DE" dirty="0"/>
           </a:p>
@@ -5111,7 +5127,15 @@
           <a:p>
             <a:r>
               <a:rPr lang="de-DE" dirty="0" smtClean="0"/>
-              <a:t>Feedbackschaltung</a:t>
+              <a:t>Vergleich</a:t>
+            </a:r>
+            <a:r>
+              <a:rPr lang="de-DE" dirty="0"/>
+              <a:t> </a:t>
+            </a:r>
+            <a:r>
+              <a:rPr lang="de-DE" dirty="0" smtClean="0"/>
+              <a:t>mit Modulationsindizes 2 und 3</a:t>
             </a:r>
             <a:endParaRPr lang="de-DE" dirty="0"/>
           </a:p>
@@ -5134,7 +5158,7 @@
           <a:p>
             <a:fld id="{296000BE-0612-4D88-A1AC-FF1287139C2E}" type="datetime1">
               <a:rPr lang="de-DE" smtClean="0"/>
-              <a:t>21.06.2015</a:t>
+              <a:t>22.06.2015</a:t>
             </a:fld>
             <a:endParaRPr lang="de-DE" dirty="0"/>
           </a:p>
@@ -5190,433 +5214,16 @@
           </a:p>
         </p:txBody>
       </p:sp>
-      <p:sp>
-        <p:nvSpPr>
-          <p:cNvPr id="10" name="Rechteck 9"/>
-          <p:cNvSpPr/>
-          <p:nvPr/>
-        </p:nvSpPr>
-        <p:spPr>
-          <a:xfrm>
-            <a:off x="6042708" y="1855586"/>
-            <a:ext cx="864096" cy="864096"/>
-          </a:xfrm>
-          <a:prstGeom prst="rect">
-            <a:avLst/>
-          </a:prstGeom>
-          <a:ln>
-            <a:solidFill>
-              <a:schemeClr val="accent1"/>
-            </a:solidFill>
-          </a:ln>
-        </p:spPr>
-        <p:style>
-          <a:lnRef idx="2">
-            <a:schemeClr val="accent1">
-              <a:shade val="50000"/>
-            </a:schemeClr>
-          </a:lnRef>
-          <a:fillRef idx="1">
-            <a:schemeClr val="accent1"/>
-          </a:fillRef>
-          <a:effectRef idx="0">
-            <a:schemeClr val="accent1"/>
-          </a:effectRef>
-          <a:fontRef idx="minor">
-            <a:schemeClr val="lt1"/>
-          </a:fontRef>
-        </p:style>
-        <p:txBody>
-          <a:bodyPr rtlCol="0" anchor="ctr"/>
-          <a:lstStyle/>
-          <a:p>
-            <a:pPr algn="ctr"/>
-            <a:r>
-              <a:rPr lang="de-DE" sz="3000" dirty="0" smtClean="0">
-                <a:ln w="0"/>
-                <a:solidFill>
-                  <a:schemeClr val="tx1"/>
-                </a:solidFill>
-                <a:effectLst>
-                  <a:outerShdw blurRad="38100" dist="19050" dir="2700000" algn="tl" rotWithShape="0">
-                    <a:schemeClr val="dk1">
-                      <a:alpha val="40000"/>
-                    </a:schemeClr>
-                  </a:outerShdw>
-                </a:effectLst>
-              </a:rPr>
-              <a:t>T</a:t>
-            </a:r>
-            <a:endParaRPr lang="de-DE" sz="3000" dirty="0">
-              <a:ln w="0"/>
-              <a:solidFill>
-                <a:schemeClr val="tx1"/>
-              </a:solidFill>
-              <a:effectLst>
-                <a:outerShdw blurRad="38100" dist="19050" dir="2700000" algn="tl" rotWithShape="0">
-                  <a:schemeClr val="dk1">
-                    <a:alpha val="40000"/>
-                  </a:schemeClr>
-                </a:outerShdw>
-              </a:effectLst>
-            </a:endParaRPr>
-          </a:p>
-        </p:txBody>
-      </p:sp>
-      <p:sp>
-        <p:nvSpPr>
-          <p:cNvPr id="17" name="Pfeil nach unten 16"/>
-          <p:cNvSpPr/>
-          <p:nvPr/>
-        </p:nvSpPr>
-        <p:spPr>
-          <a:xfrm>
-            <a:off x="6202797" y="2632131"/>
-            <a:ext cx="543918" cy="978408"/>
-          </a:xfrm>
-          <a:prstGeom prst="downArrow">
-            <a:avLst/>
-          </a:prstGeom>
-          <a:solidFill>
-            <a:schemeClr val="accent1"/>
-          </a:solidFill>
-          <a:ln>
-            <a:solidFill>
-              <a:schemeClr val="accent1"/>
-            </a:solidFill>
-          </a:ln>
-        </p:spPr>
-        <p:style>
-          <a:lnRef idx="2">
-            <a:schemeClr val="accent1">
-              <a:shade val="50000"/>
-            </a:schemeClr>
-          </a:lnRef>
-          <a:fillRef idx="1">
-            <a:schemeClr val="accent1"/>
-          </a:fillRef>
-          <a:effectRef idx="0">
-            <a:schemeClr val="accent1"/>
-          </a:effectRef>
-          <a:fontRef idx="minor">
-            <a:schemeClr val="lt1"/>
-          </a:fontRef>
-        </p:style>
-        <p:txBody>
-          <a:bodyPr rtlCol="0" anchor="ctr"/>
-          <a:lstStyle/>
-          <a:p>
-            <a:pPr algn="ctr"/>
-            <a:endParaRPr lang="de-DE"/>
-          </a:p>
-        </p:txBody>
-      </p:sp>
-      <p:sp>
-        <p:nvSpPr>
-          <p:cNvPr id="13" name="Pfeil nach rechts 12"/>
-          <p:cNvSpPr/>
-          <p:nvPr/>
-        </p:nvSpPr>
-        <p:spPr>
-          <a:xfrm>
-            <a:off x="6536701" y="2707916"/>
-            <a:ext cx="1080120" cy="460354"/>
-          </a:xfrm>
-          <a:prstGeom prst="rightArrow">
-            <a:avLst/>
-          </a:prstGeom>
-          <a:solidFill>
-            <a:schemeClr val="accent1"/>
-          </a:solidFill>
-          <a:ln>
-            <a:solidFill>
-              <a:schemeClr val="accent1"/>
-            </a:solidFill>
-          </a:ln>
-        </p:spPr>
-        <p:style>
-          <a:lnRef idx="2">
-            <a:schemeClr val="accent1">
-              <a:shade val="50000"/>
-            </a:schemeClr>
-          </a:lnRef>
-          <a:fillRef idx="1">
-            <a:schemeClr val="accent1"/>
-          </a:fillRef>
-          <a:effectRef idx="0">
-            <a:schemeClr val="accent1"/>
-          </a:effectRef>
-          <a:fontRef idx="minor">
-            <a:schemeClr val="lt1"/>
-          </a:fontRef>
-        </p:style>
-        <p:txBody>
-          <a:bodyPr rtlCol="0" anchor="ctr"/>
-          <a:lstStyle/>
-          <a:p>
-            <a:pPr algn="ctr"/>
-            <a:endParaRPr lang="de-DE"/>
-          </a:p>
-        </p:txBody>
-      </p:sp>
-      <p:sp>
-        <p:nvSpPr>
-          <p:cNvPr id="16" name="Pfeil nach unten 15"/>
-          <p:cNvSpPr/>
-          <p:nvPr/>
-        </p:nvSpPr>
-        <p:spPr>
-          <a:xfrm rot="10800000">
-            <a:off x="7252050" y="2141566"/>
-            <a:ext cx="472561" cy="920362"/>
-          </a:xfrm>
-          <a:prstGeom prst="downArrow">
-            <a:avLst/>
-          </a:prstGeom>
-          <a:solidFill>
-            <a:schemeClr val="accent1">
-              <a:lumMod val="75000"/>
-            </a:schemeClr>
-          </a:solidFill>
-          <a:ln>
-            <a:solidFill>
-              <a:schemeClr val="accent1">
-                <a:lumMod val="75000"/>
-              </a:schemeClr>
-            </a:solidFill>
-          </a:ln>
-        </p:spPr>
-        <p:style>
-          <a:lnRef idx="2">
-            <a:schemeClr val="accent1">
-              <a:shade val="50000"/>
-            </a:schemeClr>
-          </a:lnRef>
-          <a:fillRef idx="1">
-            <a:schemeClr val="accent1"/>
-          </a:fillRef>
-          <a:effectRef idx="0">
-            <a:schemeClr val="accent1"/>
-          </a:effectRef>
-          <a:fontRef idx="minor">
-            <a:schemeClr val="lt1"/>
-          </a:fontRef>
-        </p:style>
-        <p:txBody>
-          <a:bodyPr rtlCol="0" anchor="ctr"/>
-          <a:lstStyle/>
-          <a:p>
-            <a:pPr algn="ctr"/>
-            <a:endParaRPr lang="de-DE"/>
-          </a:p>
-        </p:txBody>
-      </p:sp>
-      <p:sp>
-        <p:nvSpPr>
-          <p:cNvPr id="18" name="Pfeil nach rechts 17"/>
-          <p:cNvSpPr/>
-          <p:nvPr/>
-        </p:nvSpPr>
-        <p:spPr>
-          <a:xfrm rot="10800000">
-            <a:off x="6746715" y="2050875"/>
-            <a:ext cx="881448" cy="458593"/>
-          </a:xfrm>
-          <a:prstGeom prst="rightArrow">
-            <a:avLst/>
-          </a:prstGeom>
-          <a:solidFill>
-            <a:schemeClr val="accent1">
-              <a:lumMod val="75000"/>
-            </a:schemeClr>
-          </a:solidFill>
-          <a:ln>
-            <a:solidFill>
-              <a:schemeClr val="accent1">
-                <a:lumMod val="75000"/>
-              </a:schemeClr>
-            </a:solidFill>
-          </a:ln>
-        </p:spPr>
-        <p:style>
-          <a:lnRef idx="2">
-            <a:schemeClr val="accent1">
-              <a:shade val="50000"/>
-            </a:schemeClr>
-          </a:lnRef>
-          <a:fillRef idx="1">
-            <a:schemeClr val="accent1"/>
-          </a:fillRef>
-          <a:effectRef idx="0">
-            <a:schemeClr val="accent1"/>
-          </a:effectRef>
-          <a:fontRef idx="minor">
-            <a:schemeClr val="lt1"/>
-          </a:fontRef>
-        </p:style>
-        <p:txBody>
-          <a:bodyPr rtlCol="0" anchor="ctr"/>
-          <a:lstStyle/>
-          <a:p>
-            <a:pPr algn="ctr"/>
-            <a:endParaRPr lang="de-DE"/>
-          </a:p>
-        </p:txBody>
-      </p:sp>
-      <p:sp>
-        <p:nvSpPr>
-          <p:cNvPr id="19" name="Rechteck 18"/>
-          <p:cNvSpPr/>
-          <p:nvPr/>
-        </p:nvSpPr>
-        <p:spPr>
-          <a:xfrm>
-            <a:off x="7628163" y="1562175"/>
-            <a:ext cx="589384" cy="2016224"/>
-          </a:xfrm>
-          <a:prstGeom prst="rect">
-            <a:avLst/>
-          </a:prstGeom>
-          <a:solidFill>
-            <a:schemeClr val="bg1"/>
-          </a:solidFill>
-          <a:ln>
-            <a:solidFill>
-              <a:schemeClr val="bg1"/>
-            </a:solidFill>
-          </a:ln>
-        </p:spPr>
-        <p:style>
-          <a:lnRef idx="2">
-            <a:schemeClr val="accent1">
-              <a:shade val="50000"/>
-            </a:schemeClr>
-          </a:lnRef>
-          <a:fillRef idx="1">
-            <a:schemeClr val="accent1"/>
-          </a:fillRef>
-          <a:effectRef idx="0">
-            <a:schemeClr val="accent1"/>
-          </a:effectRef>
-          <a:fontRef idx="minor">
-            <a:schemeClr val="lt1"/>
-          </a:fontRef>
-        </p:style>
-        <p:txBody>
-          <a:bodyPr rtlCol="0" anchor="ctr"/>
-          <a:lstStyle/>
-          <a:p>
-            <a:pPr algn="ctr"/>
-            <a:endParaRPr lang="de-DE"/>
-          </a:p>
-        </p:txBody>
-      </p:sp>
-      <p:sp>
-        <p:nvSpPr>
-          <p:cNvPr id="20" name="Rechteck 19"/>
-          <p:cNvSpPr/>
-          <p:nvPr/>
-        </p:nvSpPr>
-        <p:spPr>
-          <a:xfrm>
-            <a:off x="7083344" y="3080694"/>
-            <a:ext cx="1008112" cy="284600"/>
-          </a:xfrm>
-          <a:prstGeom prst="rect">
-            <a:avLst/>
-          </a:prstGeom>
-          <a:solidFill>
-            <a:schemeClr val="bg1"/>
-          </a:solidFill>
-          <a:ln>
-            <a:solidFill>
-              <a:schemeClr val="bg1"/>
-            </a:solidFill>
-          </a:ln>
-        </p:spPr>
-        <p:style>
-          <a:lnRef idx="2">
-            <a:schemeClr val="accent1">
-              <a:shade val="50000"/>
-            </a:schemeClr>
-          </a:lnRef>
-          <a:fillRef idx="1">
-            <a:schemeClr val="accent1"/>
-          </a:fillRef>
-          <a:effectRef idx="0">
-            <a:schemeClr val="accent1"/>
-          </a:effectRef>
-          <a:fontRef idx="minor">
-            <a:schemeClr val="lt1"/>
-          </a:fontRef>
-        </p:style>
-        <p:txBody>
-          <a:bodyPr rtlCol="0" anchor="ctr"/>
-          <a:lstStyle/>
-          <a:p>
-            <a:pPr algn="ctr"/>
-            <a:endParaRPr lang="de-DE"/>
-          </a:p>
-        </p:txBody>
-      </p:sp>
-      <p:sp>
-        <p:nvSpPr>
-          <p:cNvPr id="21" name="Rechteck 20"/>
-          <p:cNvSpPr/>
-          <p:nvPr/>
-        </p:nvSpPr>
-        <p:spPr>
-          <a:xfrm>
-            <a:off x="7001045" y="1988961"/>
-            <a:ext cx="869890" cy="175791"/>
-          </a:xfrm>
-          <a:prstGeom prst="rect">
-            <a:avLst/>
-          </a:prstGeom>
-          <a:solidFill>
-            <a:schemeClr val="bg1"/>
-          </a:solidFill>
-          <a:ln>
-            <a:solidFill>
-              <a:schemeClr val="bg1"/>
-            </a:solidFill>
-          </a:ln>
-        </p:spPr>
-        <p:style>
-          <a:lnRef idx="2">
-            <a:schemeClr val="accent1">
-              <a:shade val="50000"/>
-            </a:schemeClr>
-          </a:lnRef>
-          <a:fillRef idx="1">
-            <a:schemeClr val="accent1"/>
-          </a:fillRef>
-          <a:effectRef idx="0">
-            <a:schemeClr val="accent1"/>
-          </a:effectRef>
-          <a:fontRef idx="minor">
-            <a:schemeClr val="lt1"/>
-          </a:fontRef>
-        </p:style>
-        <p:txBody>
-          <a:bodyPr rtlCol="0" anchor="ctr"/>
-          <a:lstStyle/>
-          <a:p>
-            <a:pPr algn="ctr"/>
-            <a:endParaRPr lang="de-DE"/>
-          </a:p>
-        </p:txBody>
-      </p:sp>
       <p:pic>
         <p:nvPicPr>
-          <p:cNvPr id="3" name="Grafik 2"/>
+          <p:cNvPr id="10" name="Grafik 9"/>
           <p:cNvPicPr>
             <a:picLocks noChangeAspect="1"/>
           </p:cNvPicPr>
           <p:nvPr/>
         </p:nvPicPr>
         <p:blipFill>
-          <a:blip r:embed="rId2">
+          <a:blip r:embed="rId2" cstate="print">
             <a:extLst>
               <a:ext uri="{28A0092B-C50C-407E-A947-70E740481C1C}">
                 <a14:useLocalDpi xmlns:a14="http://schemas.microsoft.com/office/drawing/2010/main" val="0"/>
@@ -5629,8 +5236,8 @@
         </p:blipFill>
         <p:spPr>
           <a:xfrm>
-            <a:off x="385888" y="1562175"/>
-            <a:ext cx="5216096" cy="514681"/>
+            <a:off x="-324544" y="1419622"/>
+            <a:ext cx="5113392" cy="2284195"/>
           </a:xfrm>
           <a:prstGeom prst="rect">
             <a:avLst/>
@@ -5639,116 +5246,36 @@
       </p:pic>
       <p:pic>
         <p:nvPicPr>
-          <p:cNvPr id="7" name="Grafik 6"/>
+          <p:cNvPr id="9" name="Inhaltsplatzhalter 8"/>
           <p:cNvPicPr>
-            <a:picLocks noChangeAspect="1"/>
+            <a:picLocks noGrp="1" noChangeAspect="1"/>
           </p:cNvPicPr>
-          <p:nvPr/>
+          <p:nvPr>
+            <p:ph idx="1"/>
+          </p:nvPr>
         </p:nvPicPr>
-        <p:blipFill>
-          <a:blip r:embed="rId3">
+        <p:blipFill rotWithShape="1">
+          <a:blip r:embed="rId3" cstate="print">
             <a:extLst>
               <a:ext uri="{28A0092B-C50C-407E-A947-70E740481C1C}">
                 <a14:useLocalDpi xmlns:a14="http://schemas.microsoft.com/office/drawing/2010/main" val="0"/>
               </a:ext>
             </a:extLst>
           </a:blip>
-          <a:stretch>
-            <a:fillRect/>
-          </a:stretch>
+          <a:srcRect l="5555" t="279" r="4167"/>
+          <a:stretch/>
         </p:blipFill>
         <p:spPr>
           <a:xfrm>
-            <a:off x="3016751" y="2140827"/>
-            <a:ext cx="2610214" cy="552527"/>
-          </a:xfrm>
-          <a:prstGeom prst="rect">
-            <a:avLst/>
-          </a:prstGeom>
-        </p:spPr>
-      </p:pic>
-      <p:sp>
-        <p:nvSpPr>
-          <p:cNvPr id="9" name="Rechteck 8"/>
-          <p:cNvSpPr/>
-          <p:nvPr/>
-        </p:nvSpPr>
-        <p:spPr>
-          <a:xfrm>
-            <a:off x="-900608" y="3325141"/>
-            <a:ext cx="1601924" cy="506516"/>
-          </a:xfrm>
-          <a:prstGeom prst="rect">
-            <a:avLst/>
-          </a:prstGeom>
-          <a:solidFill>
-            <a:schemeClr val="bg1"/>
-          </a:solidFill>
-          <a:ln>
-            <a:solidFill>
-              <a:schemeClr val="bg1"/>
-            </a:solidFill>
-          </a:ln>
-        </p:spPr>
-        <p:style>
-          <a:lnRef idx="2">
-            <a:schemeClr val="accent1">
-              <a:shade val="50000"/>
-            </a:schemeClr>
-          </a:lnRef>
-          <a:fillRef idx="1">
-            <a:schemeClr val="accent1"/>
-          </a:fillRef>
-          <a:effectRef idx="0">
-            <a:schemeClr val="accent1"/>
-          </a:effectRef>
-          <a:fontRef idx="minor">
-            <a:schemeClr val="lt1"/>
-          </a:fontRef>
-        </p:style>
-        <p:txBody>
-          <a:bodyPr rtlCol="0" anchor="ctr"/>
-          <a:lstStyle/>
-          <a:p>
-            <a:pPr algn="ctr"/>
-            <a:endParaRPr lang="de-DE"/>
-          </a:p>
-        </p:txBody>
-      </p:sp>
-      <p:pic>
-        <p:nvPicPr>
-          <p:cNvPr id="11" name="Grafik 10"/>
-          <p:cNvPicPr>
-            <a:picLocks noChangeAspect="1"/>
-          </p:cNvPicPr>
-          <p:nvPr/>
-        </p:nvPicPr>
-        <p:blipFill>
-          <a:blip r:embed="rId4">
-            <a:extLst>
-              <a:ext uri="{28A0092B-C50C-407E-A947-70E740481C1C}">
-                <a14:useLocalDpi xmlns:a14="http://schemas.microsoft.com/office/drawing/2010/main" val="0"/>
-              </a:ext>
-            </a:extLst>
-          </a:blip>
-          <a:stretch>
-            <a:fillRect/>
-          </a:stretch>
-        </p:blipFill>
-        <p:spPr>
-          <a:xfrm>
-            <a:off x="114484" y="3088019"/>
-            <a:ext cx="4410691" cy="838317"/>
-          </a:xfrm>
-          <a:prstGeom prst="rect">
-            <a:avLst/>
-          </a:prstGeom>
+            <a:off x="4463480" y="1419622"/>
+            <a:ext cx="4680520" cy="2309542"/>
+          </a:xfrm>
         </p:spPr>
       </p:pic>
     </p:spTree>
     <p:extLst>
       <p:ext uri="{BB962C8B-B14F-4D97-AF65-F5344CB8AC3E}">
-        <p14:creationId xmlns:p14="http://schemas.microsoft.com/office/powerpoint/2010/main" val="1532789597"/>
+        <p14:creationId xmlns:p14="http://schemas.microsoft.com/office/powerpoint/2010/main" val="1840725697"/>
       </p:ext>
     </p:extLst>
   </p:cSld>
@@ -5799,24 +5326,512 @@
           <a:p>
             <a:r>
               <a:rPr lang="de-DE" dirty="0" smtClean="0"/>
-              <a:t>Spektrum der Feedbackschaltung</a:t>
+              <a:t>Feedbackschaltung</a:t>
             </a:r>
             <a:endParaRPr lang="de-DE" dirty="0"/>
+          </a:p>
+        </p:txBody>
+      </p:sp>
+      <p:sp>
+        <p:nvSpPr>
+          <p:cNvPr id="4" name="Datumsplatzhalter 3"/>
+          <p:cNvSpPr>
+            <a:spLocks noGrp="1"/>
+          </p:cNvSpPr>
+          <p:nvPr>
+            <p:ph type="dt" sz="half" idx="10"/>
+          </p:nvPr>
+        </p:nvSpPr>
+        <p:spPr/>
+        <p:txBody>
+          <a:bodyPr/>
+          <a:lstStyle/>
+          <a:p>
+            <a:fld id="{296000BE-0612-4D88-A1AC-FF1287139C2E}" type="datetime1">
+              <a:rPr lang="de-DE" smtClean="0"/>
+              <a:t>22.06.2015</a:t>
+            </a:fld>
+            <a:endParaRPr lang="de-DE" dirty="0"/>
+          </a:p>
+        </p:txBody>
+      </p:sp>
+      <p:sp>
+        <p:nvSpPr>
+          <p:cNvPr id="5" name="Fußzeilenplatzhalter 4"/>
+          <p:cNvSpPr>
+            <a:spLocks noGrp="1"/>
+          </p:cNvSpPr>
+          <p:nvPr>
+            <p:ph type="ftr" sz="quarter" idx="11"/>
+          </p:nvPr>
+        </p:nvSpPr>
+        <p:spPr/>
+        <p:txBody>
+          <a:bodyPr/>
+          <a:lstStyle/>
+          <a:p>
+            <a:r>
+              <a:rPr lang="de-DE" smtClean="0"/>
+              <a:t>FM-Synthese</a:t>
+            </a:r>
+            <a:endParaRPr lang="de-DE" dirty="0"/>
+          </a:p>
+        </p:txBody>
+      </p:sp>
+      <p:sp>
+        <p:nvSpPr>
+          <p:cNvPr id="6" name="Foliennummernplatzhalter 5"/>
+          <p:cNvSpPr>
+            <a:spLocks noGrp="1"/>
+          </p:cNvSpPr>
+          <p:nvPr>
+            <p:ph type="sldNum" sz="quarter" idx="12"/>
+          </p:nvPr>
+        </p:nvSpPr>
+        <p:spPr/>
+        <p:txBody>
+          <a:bodyPr/>
+          <a:lstStyle/>
+          <a:p>
+            <a:fld id="{8740CB20-F870-467D-84CE-AB32061190A1}" type="slidenum">
+              <a:rPr lang="en-US" smtClean="0"/>
+              <a:t>15</a:t>
+            </a:fld>
+            <a:r>
+              <a:rPr lang="de-DE" smtClean="0"/>
+              <a:t>   </a:t>
+            </a:r>
+            <a:endParaRPr lang="de-DE" dirty="0"/>
+          </a:p>
+        </p:txBody>
+      </p:sp>
+      <p:sp>
+        <p:nvSpPr>
+          <p:cNvPr id="10" name="Rechteck 9"/>
+          <p:cNvSpPr/>
+          <p:nvPr/>
+        </p:nvSpPr>
+        <p:spPr>
+          <a:xfrm>
+            <a:off x="6042708" y="1855586"/>
+            <a:ext cx="864096" cy="864096"/>
+          </a:xfrm>
+          <a:prstGeom prst="rect">
+            <a:avLst/>
+          </a:prstGeom>
+          <a:ln>
+            <a:solidFill>
+              <a:schemeClr val="accent1"/>
+            </a:solidFill>
+          </a:ln>
+        </p:spPr>
+        <p:style>
+          <a:lnRef idx="2">
+            <a:schemeClr val="accent1">
+              <a:shade val="50000"/>
+            </a:schemeClr>
+          </a:lnRef>
+          <a:fillRef idx="1">
+            <a:schemeClr val="accent1"/>
+          </a:fillRef>
+          <a:effectRef idx="0">
+            <a:schemeClr val="accent1"/>
+          </a:effectRef>
+          <a:fontRef idx="minor">
+            <a:schemeClr val="lt1"/>
+          </a:fontRef>
+        </p:style>
+        <p:txBody>
+          <a:bodyPr rtlCol="0" anchor="ctr"/>
+          <a:lstStyle/>
+          <a:p>
+            <a:pPr algn="ctr"/>
+            <a:r>
+              <a:rPr lang="de-DE" sz="3000" dirty="0" smtClean="0">
+                <a:ln w="0"/>
+                <a:solidFill>
+                  <a:schemeClr val="tx1"/>
+                </a:solidFill>
+                <a:effectLst>
+                  <a:outerShdw blurRad="38100" dist="19050" dir="2700000" algn="tl" rotWithShape="0">
+                    <a:schemeClr val="dk1">
+                      <a:alpha val="40000"/>
+                    </a:schemeClr>
+                  </a:outerShdw>
+                </a:effectLst>
+              </a:rPr>
+              <a:t>T</a:t>
+            </a:r>
+            <a:endParaRPr lang="de-DE" sz="3000" dirty="0">
+              <a:ln w="0"/>
+              <a:solidFill>
+                <a:schemeClr val="tx1"/>
+              </a:solidFill>
+              <a:effectLst>
+                <a:outerShdw blurRad="38100" dist="19050" dir="2700000" algn="tl" rotWithShape="0">
+                  <a:schemeClr val="dk1">
+                    <a:alpha val="40000"/>
+                  </a:schemeClr>
+                </a:outerShdw>
+              </a:effectLst>
+            </a:endParaRPr>
+          </a:p>
+        </p:txBody>
+      </p:sp>
+      <p:sp>
+        <p:nvSpPr>
+          <p:cNvPr id="17" name="Pfeil nach unten 16"/>
+          <p:cNvSpPr/>
+          <p:nvPr/>
+        </p:nvSpPr>
+        <p:spPr>
+          <a:xfrm>
+            <a:off x="6202797" y="2632131"/>
+            <a:ext cx="543918" cy="978408"/>
+          </a:xfrm>
+          <a:prstGeom prst="downArrow">
+            <a:avLst/>
+          </a:prstGeom>
+          <a:solidFill>
+            <a:schemeClr val="accent1"/>
+          </a:solidFill>
+          <a:ln>
+            <a:solidFill>
+              <a:schemeClr val="accent1"/>
+            </a:solidFill>
+          </a:ln>
+        </p:spPr>
+        <p:style>
+          <a:lnRef idx="2">
+            <a:schemeClr val="accent1">
+              <a:shade val="50000"/>
+            </a:schemeClr>
+          </a:lnRef>
+          <a:fillRef idx="1">
+            <a:schemeClr val="accent1"/>
+          </a:fillRef>
+          <a:effectRef idx="0">
+            <a:schemeClr val="accent1"/>
+          </a:effectRef>
+          <a:fontRef idx="minor">
+            <a:schemeClr val="lt1"/>
+          </a:fontRef>
+        </p:style>
+        <p:txBody>
+          <a:bodyPr rtlCol="0" anchor="ctr"/>
+          <a:lstStyle/>
+          <a:p>
+            <a:pPr algn="ctr"/>
+            <a:endParaRPr lang="de-DE"/>
+          </a:p>
+        </p:txBody>
+      </p:sp>
+      <p:sp>
+        <p:nvSpPr>
+          <p:cNvPr id="13" name="Pfeil nach rechts 12"/>
+          <p:cNvSpPr/>
+          <p:nvPr/>
+        </p:nvSpPr>
+        <p:spPr>
+          <a:xfrm>
+            <a:off x="6536701" y="2707916"/>
+            <a:ext cx="1080120" cy="460354"/>
+          </a:xfrm>
+          <a:prstGeom prst="rightArrow">
+            <a:avLst/>
+          </a:prstGeom>
+          <a:solidFill>
+            <a:schemeClr val="accent1"/>
+          </a:solidFill>
+          <a:ln>
+            <a:solidFill>
+              <a:schemeClr val="accent1"/>
+            </a:solidFill>
+          </a:ln>
+        </p:spPr>
+        <p:style>
+          <a:lnRef idx="2">
+            <a:schemeClr val="accent1">
+              <a:shade val="50000"/>
+            </a:schemeClr>
+          </a:lnRef>
+          <a:fillRef idx="1">
+            <a:schemeClr val="accent1"/>
+          </a:fillRef>
+          <a:effectRef idx="0">
+            <a:schemeClr val="accent1"/>
+          </a:effectRef>
+          <a:fontRef idx="minor">
+            <a:schemeClr val="lt1"/>
+          </a:fontRef>
+        </p:style>
+        <p:txBody>
+          <a:bodyPr rtlCol="0" anchor="ctr"/>
+          <a:lstStyle/>
+          <a:p>
+            <a:pPr algn="ctr"/>
+            <a:endParaRPr lang="de-DE"/>
+          </a:p>
+        </p:txBody>
+      </p:sp>
+      <p:sp>
+        <p:nvSpPr>
+          <p:cNvPr id="16" name="Pfeil nach unten 15"/>
+          <p:cNvSpPr/>
+          <p:nvPr/>
+        </p:nvSpPr>
+        <p:spPr>
+          <a:xfrm rot="10800000">
+            <a:off x="7252050" y="2141566"/>
+            <a:ext cx="472561" cy="920362"/>
+          </a:xfrm>
+          <a:prstGeom prst="downArrow">
+            <a:avLst/>
+          </a:prstGeom>
+          <a:solidFill>
+            <a:schemeClr val="accent1">
+              <a:lumMod val="75000"/>
+            </a:schemeClr>
+          </a:solidFill>
+          <a:ln>
+            <a:solidFill>
+              <a:schemeClr val="accent1">
+                <a:lumMod val="75000"/>
+              </a:schemeClr>
+            </a:solidFill>
+          </a:ln>
+        </p:spPr>
+        <p:style>
+          <a:lnRef idx="2">
+            <a:schemeClr val="accent1">
+              <a:shade val="50000"/>
+            </a:schemeClr>
+          </a:lnRef>
+          <a:fillRef idx="1">
+            <a:schemeClr val="accent1"/>
+          </a:fillRef>
+          <a:effectRef idx="0">
+            <a:schemeClr val="accent1"/>
+          </a:effectRef>
+          <a:fontRef idx="minor">
+            <a:schemeClr val="lt1"/>
+          </a:fontRef>
+        </p:style>
+        <p:txBody>
+          <a:bodyPr rtlCol="0" anchor="ctr"/>
+          <a:lstStyle/>
+          <a:p>
+            <a:pPr algn="ctr"/>
+            <a:endParaRPr lang="de-DE"/>
+          </a:p>
+        </p:txBody>
+      </p:sp>
+      <p:sp>
+        <p:nvSpPr>
+          <p:cNvPr id="18" name="Pfeil nach rechts 17"/>
+          <p:cNvSpPr/>
+          <p:nvPr/>
+        </p:nvSpPr>
+        <p:spPr>
+          <a:xfrm rot="10800000">
+            <a:off x="6746715" y="2050875"/>
+            <a:ext cx="881448" cy="458593"/>
+          </a:xfrm>
+          <a:prstGeom prst="rightArrow">
+            <a:avLst/>
+          </a:prstGeom>
+          <a:solidFill>
+            <a:schemeClr val="accent1">
+              <a:lumMod val="75000"/>
+            </a:schemeClr>
+          </a:solidFill>
+          <a:ln>
+            <a:solidFill>
+              <a:schemeClr val="accent1">
+                <a:lumMod val="75000"/>
+              </a:schemeClr>
+            </a:solidFill>
+          </a:ln>
+        </p:spPr>
+        <p:style>
+          <a:lnRef idx="2">
+            <a:schemeClr val="accent1">
+              <a:shade val="50000"/>
+            </a:schemeClr>
+          </a:lnRef>
+          <a:fillRef idx="1">
+            <a:schemeClr val="accent1"/>
+          </a:fillRef>
+          <a:effectRef idx="0">
+            <a:schemeClr val="accent1"/>
+          </a:effectRef>
+          <a:fontRef idx="minor">
+            <a:schemeClr val="lt1"/>
+          </a:fontRef>
+        </p:style>
+        <p:txBody>
+          <a:bodyPr rtlCol="0" anchor="ctr"/>
+          <a:lstStyle/>
+          <a:p>
+            <a:pPr algn="ctr"/>
+            <a:endParaRPr lang="de-DE"/>
+          </a:p>
+        </p:txBody>
+      </p:sp>
+      <p:sp>
+        <p:nvSpPr>
+          <p:cNvPr id="19" name="Rechteck 18"/>
+          <p:cNvSpPr/>
+          <p:nvPr/>
+        </p:nvSpPr>
+        <p:spPr>
+          <a:xfrm>
+            <a:off x="7628163" y="1562175"/>
+            <a:ext cx="589384" cy="2016224"/>
+          </a:xfrm>
+          <a:prstGeom prst="rect">
+            <a:avLst/>
+          </a:prstGeom>
+          <a:solidFill>
+            <a:schemeClr val="bg1"/>
+          </a:solidFill>
+          <a:ln>
+            <a:solidFill>
+              <a:schemeClr val="bg1"/>
+            </a:solidFill>
+          </a:ln>
+        </p:spPr>
+        <p:style>
+          <a:lnRef idx="2">
+            <a:schemeClr val="accent1">
+              <a:shade val="50000"/>
+            </a:schemeClr>
+          </a:lnRef>
+          <a:fillRef idx="1">
+            <a:schemeClr val="accent1"/>
+          </a:fillRef>
+          <a:effectRef idx="0">
+            <a:schemeClr val="accent1"/>
+          </a:effectRef>
+          <a:fontRef idx="minor">
+            <a:schemeClr val="lt1"/>
+          </a:fontRef>
+        </p:style>
+        <p:txBody>
+          <a:bodyPr rtlCol="0" anchor="ctr"/>
+          <a:lstStyle/>
+          <a:p>
+            <a:pPr algn="ctr"/>
+            <a:endParaRPr lang="de-DE"/>
+          </a:p>
+        </p:txBody>
+      </p:sp>
+      <p:sp>
+        <p:nvSpPr>
+          <p:cNvPr id="20" name="Rechteck 19"/>
+          <p:cNvSpPr/>
+          <p:nvPr/>
+        </p:nvSpPr>
+        <p:spPr>
+          <a:xfrm>
+            <a:off x="7083344" y="3080694"/>
+            <a:ext cx="1008112" cy="284600"/>
+          </a:xfrm>
+          <a:prstGeom prst="rect">
+            <a:avLst/>
+          </a:prstGeom>
+          <a:solidFill>
+            <a:schemeClr val="bg1"/>
+          </a:solidFill>
+          <a:ln>
+            <a:solidFill>
+              <a:schemeClr val="bg1"/>
+            </a:solidFill>
+          </a:ln>
+        </p:spPr>
+        <p:style>
+          <a:lnRef idx="2">
+            <a:schemeClr val="accent1">
+              <a:shade val="50000"/>
+            </a:schemeClr>
+          </a:lnRef>
+          <a:fillRef idx="1">
+            <a:schemeClr val="accent1"/>
+          </a:fillRef>
+          <a:effectRef idx="0">
+            <a:schemeClr val="accent1"/>
+          </a:effectRef>
+          <a:fontRef idx="minor">
+            <a:schemeClr val="lt1"/>
+          </a:fontRef>
+        </p:style>
+        <p:txBody>
+          <a:bodyPr rtlCol="0" anchor="ctr"/>
+          <a:lstStyle/>
+          <a:p>
+            <a:pPr algn="ctr"/>
+            <a:endParaRPr lang="de-DE"/>
+          </a:p>
+        </p:txBody>
+      </p:sp>
+      <p:sp>
+        <p:nvSpPr>
+          <p:cNvPr id="21" name="Rechteck 20"/>
+          <p:cNvSpPr/>
+          <p:nvPr/>
+        </p:nvSpPr>
+        <p:spPr>
+          <a:xfrm>
+            <a:off x="7001045" y="1988961"/>
+            <a:ext cx="869890" cy="175791"/>
+          </a:xfrm>
+          <a:prstGeom prst="rect">
+            <a:avLst/>
+          </a:prstGeom>
+          <a:solidFill>
+            <a:schemeClr val="bg1"/>
+          </a:solidFill>
+          <a:ln>
+            <a:solidFill>
+              <a:schemeClr val="bg1"/>
+            </a:solidFill>
+          </a:ln>
+        </p:spPr>
+        <p:style>
+          <a:lnRef idx="2">
+            <a:schemeClr val="accent1">
+              <a:shade val="50000"/>
+            </a:schemeClr>
+          </a:lnRef>
+          <a:fillRef idx="1">
+            <a:schemeClr val="accent1"/>
+          </a:fillRef>
+          <a:effectRef idx="0">
+            <a:schemeClr val="accent1"/>
+          </a:effectRef>
+          <a:fontRef idx="minor">
+            <a:schemeClr val="lt1"/>
+          </a:fontRef>
+        </p:style>
+        <p:txBody>
+          <a:bodyPr rtlCol="0" anchor="ctr"/>
+          <a:lstStyle/>
+          <a:p>
+            <a:pPr algn="ctr"/>
+            <a:endParaRPr lang="de-DE"/>
           </a:p>
         </p:txBody>
       </p:sp>
       <p:pic>
         <p:nvPicPr>
-          <p:cNvPr id="7" name="Inhaltsplatzhalter 6"/>
+          <p:cNvPr id="3" name="Grafik 2"/>
           <p:cNvPicPr>
-            <a:picLocks noGrp="1" noChangeAspect="1"/>
+            <a:picLocks noChangeAspect="1"/>
           </p:cNvPicPr>
-          <p:nvPr>
-            <p:ph idx="1"/>
-          </p:nvPr>
+          <p:nvPr/>
         </p:nvPicPr>
         <p:blipFill>
-          <a:blip r:embed="rId2" cstate="print">
+          <a:blip r:embed="rId2">
             <a:extLst>
               <a:ext uri="{28A0092B-C50C-407E-A947-70E740481C1C}">
                 <a14:useLocalDpi xmlns:a14="http://schemas.microsoft.com/office/drawing/2010/main" val="0"/>
@@ -5829,94 +5844,24 @@
         </p:blipFill>
         <p:spPr>
           <a:xfrm>
-            <a:off x="-252536" y="1635646"/>
-            <a:ext cx="4997103" cy="2232248"/>
-          </a:xfrm>
+            <a:off x="385888" y="1562175"/>
+            <a:ext cx="5216096" cy="514681"/>
+          </a:xfrm>
+          <a:prstGeom prst="rect">
+            <a:avLst/>
+          </a:prstGeom>
         </p:spPr>
       </p:pic>
-      <p:sp>
-        <p:nvSpPr>
-          <p:cNvPr id="4" name="Datumsplatzhalter 3"/>
-          <p:cNvSpPr>
-            <a:spLocks noGrp="1"/>
-          </p:cNvSpPr>
-          <p:nvPr>
-            <p:ph type="dt" sz="half" idx="10"/>
-          </p:nvPr>
-        </p:nvSpPr>
-        <p:spPr/>
-        <p:txBody>
-          <a:bodyPr/>
-          <a:lstStyle/>
-          <a:p>
-            <a:fld id="{296000BE-0612-4D88-A1AC-FF1287139C2E}" type="datetime1">
-              <a:rPr lang="de-DE" smtClean="0"/>
-              <a:t>21.06.2015</a:t>
-            </a:fld>
-            <a:endParaRPr lang="de-DE" dirty="0"/>
-          </a:p>
-        </p:txBody>
-      </p:sp>
-      <p:sp>
-        <p:nvSpPr>
-          <p:cNvPr id="5" name="Fußzeilenplatzhalter 4"/>
-          <p:cNvSpPr>
-            <a:spLocks noGrp="1"/>
-          </p:cNvSpPr>
-          <p:nvPr>
-            <p:ph type="ftr" sz="quarter" idx="11"/>
-          </p:nvPr>
-        </p:nvSpPr>
-        <p:spPr/>
-        <p:txBody>
-          <a:bodyPr/>
-          <a:lstStyle/>
-          <a:p>
-            <a:r>
-              <a:rPr lang="de-DE" smtClean="0"/>
-              <a:t>FM-Synthese</a:t>
-            </a:r>
-            <a:endParaRPr lang="de-DE" dirty="0"/>
-          </a:p>
-        </p:txBody>
-      </p:sp>
-      <p:sp>
-        <p:nvSpPr>
-          <p:cNvPr id="6" name="Foliennummernplatzhalter 5"/>
-          <p:cNvSpPr>
-            <a:spLocks noGrp="1"/>
-          </p:cNvSpPr>
-          <p:nvPr>
-            <p:ph type="sldNum" sz="quarter" idx="12"/>
-          </p:nvPr>
-        </p:nvSpPr>
-        <p:spPr/>
-        <p:txBody>
-          <a:bodyPr/>
-          <a:lstStyle/>
-          <a:p>
-            <a:fld id="{8740CB20-F870-467D-84CE-AB32061190A1}" type="slidenum">
-              <a:rPr lang="en-US" smtClean="0"/>
-              <a:t>15</a:t>
-            </a:fld>
-            <a:r>
-              <a:rPr lang="de-DE" smtClean="0"/>
-              <a:t>   </a:t>
-            </a:r>
-            <a:endParaRPr lang="de-DE" dirty="0"/>
-          </a:p>
-        </p:txBody>
-      </p:sp>
       <p:pic>
         <p:nvPicPr>
-          <p:cNvPr id="8" name="Grafik 7"/>
+          <p:cNvPr id="7" name="Grafik 6"/>
           <p:cNvPicPr>
             <a:picLocks noChangeAspect="1"/>
           </p:cNvPicPr>
           <p:nvPr/>
         </p:nvPicPr>
         <p:blipFill>
-          <a:blip r:embed="rId3" cstate="print">
+          <a:blip r:embed="rId3">
             <a:extLst>
               <a:ext uri="{28A0092B-C50C-407E-A947-70E740481C1C}">
                 <a14:useLocalDpi xmlns:a14="http://schemas.microsoft.com/office/drawing/2010/main" val="0"/>
@@ -5929,8 +5874,86 @@
         </p:blipFill>
         <p:spPr>
           <a:xfrm>
-            <a:off x="4427983" y="1639568"/>
-            <a:ext cx="4988323" cy="2228326"/>
+            <a:off x="3016751" y="2140827"/>
+            <a:ext cx="2610214" cy="552527"/>
+          </a:xfrm>
+          <a:prstGeom prst="rect">
+            <a:avLst/>
+          </a:prstGeom>
+        </p:spPr>
+      </p:pic>
+      <p:sp>
+        <p:nvSpPr>
+          <p:cNvPr id="9" name="Rechteck 8"/>
+          <p:cNvSpPr/>
+          <p:nvPr/>
+        </p:nvSpPr>
+        <p:spPr>
+          <a:xfrm>
+            <a:off x="-900608" y="3325141"/>
+            <a:ext cx="1601924" cy="506516"/>
+          </a:xfrm>
+          <a:prstGeom prst="rect">
+            <a:avLst/>
+          </a:prstGeom>
+          <a:solidFill>
+            <a:schemeClr val="bg1"/>
+          </a:solidFill>
+          <a:ln>
+            <a:solidFill>
+              <a:schemeClr val="bg1"/>
+            </a:solidFill>
+          </a:ln>
+        </p:spPr>
+        <p:style>
+          <a:lnRef idx="2">
+            <a:schemeClr val="accent1">
+              <a:shade val="50000"/>
+            </a:schemeClr>
+          </a:lnRef>
+          <a:fillRef idx="1">
+            <a:schemeClr val="accent1"/>
+          </a:fillRef>
+          <a:effectRef idx="0">
+            <a:schemeClr val="accent1"/>
+          </a:effectRef>
+          <a:fontRef idx="minor">
+            <a:schemeClr val="lt1"/>
+          </a:fontRef>
+        </p:style>
+        <p:txBody>
+          <a:bodyPr rtlCol="0" anchor="ctr"/>
+          <a:lstStyle/>
+          <a:p>
+            <a:pPr algn="ctr"/>
+            <a:endParaRPr lang="de-DE"/>
+          </a:p>
+        </p:txBody>
+      </p:sp>
+      <p:pic>
+        <p:nvPicPr>
+          <p:cNvPr id="11" name="Grafik 10"/>
+          <p:cNvPicPr>
+            <a:picLocks noChangeAspect="1"/>
+          </p:cNvPicPr>
+          <p:nvPr/>
+        </p:nvPicPr>
+        <p:blipFill>
+          <a:blip r:embed="rId4">
+            <a:extLst>
+              <a:ext uri="{28A0092B-C50C-407E-A947-70E740481C1C}">
+                <a14:useLocalDpi xmlns:a14="http://schemas.microsoft.com/office/drawing/2010/main" val="0"/>
+              </a:ext>
+            </a:extLst>
+          </a:blip>
+          <a:stretch>
+            <a:fillRect/>
+          </a:stretch>
+        </p:blipFill>
+        <p:spPr>
+          <a:xfrm>
+            <a:off x="114484" y="3088019"/>
+            <a:ext cx="4410691" cy="838317"/>
           </a:xfrm>
           <a:prstGeom prst="rect">
             <a:avLst/>
@@ -5940,7 +5963,7 @@
     </p:spTree>
     <p:extLst>
       <p:ext uri="{BB962C8B-B14F-4D97-AF65-F5344CB8AC3E}">
-        <p14:creationId xmlns:p14="http://schemas.microsoft.com/office/powerpoint/2010/main" val="1929486445"/>
+        <p14:creationId xmlns:p14="http://schemas.microsoft.com/office/powerpoint/2010/main" val="1532789597"/>
       </p:ext>
     </p:extLst>
   </p:cSld>
@@ -5991,7 +6014,7 @@
           <a:p>
             <a:r>
               <a:rPr lang="de-DE" dirty="0" smtClean="0"/>
-              <a:t>Praxisbeispiel: Modulationsmatrix FM8</a:t>
+              <a:t>Spektrum der Feedbackschaltung</a:t>
             </a:r>
             <a:endParaRPr lang="de-DE" dirty="0"/>
           </a:p>
@@ -6008,7 +6031,7 @@
           </p:nvPr>
         </p:nvPicPr>
         <p:blipFill>
-          <a:blip r:embed="rId2">
+          <a:blip r:embed="rId2" cstate="print">
             <a:extLst>
               <a:ext uri="{28A0092B-C50C-407E-A947-70E740481C1C}">
                 <a14:useLocalDpi xmlns:a14="http://schemas.microsoft.com/office/drawing/2010/main" val="0"/>
@@ -6021,8 +6044,8 @@
         </p:blipFill>
         <p:spPr>
           <a:xfrm>
-            <a:off x="1547664" y="987574"/>
-            <a:ext cx="6112528" cy="3606651"/>
+            <a:off x="-252536" y="1635646"/>
+            <a:ext cx="4997103" cy="2232248"/>
           </a:xfrm>
         </p:spPr>
       </p:pic>
@@ -6043,7 +6066,7 @@
           <a:p>
             <a:fld id="{296000BE-0612-4D88-A1AC-FF1287139C2E}" type="datetime1">
               <a:rPr lang="de-DE" smtClean="0"/>
-              <a:t>21.06.2015</a:t>
+              <a:t>22.06.2015</a:t>
             </a:fld>
             <a:endParaRPr lang="de-DE" dirty="0"/>
           </a:p>
@@ -6099,10 +6122,40 @@
           </a:p>
         </p:txBody>
       </p:sp>
+      <p:pic>
+        <p:nvPicPr>
+          <p:cNvPr id="8" name="Grafik 7"/>
+          <p:cNvPicPr>
+            <a:picLocks noChangeAspect="1"/>
+          </p:cNvPicPr>
+          <p:nvPr/>
+        </p:nvPicPr>
+        <p:blipFill>
+          <a:blip r:embed="rId3" cstate="print">
+            <a:extLst>
+              <a:ext uri="{28A0092B-C50C-407E-A947-70E740481C1C}">
+                <a14:useLocalDpi xmlns:a14="http://schemas.microsoft.com/office/drawing/2010/main" val="0"/>
+              </a:ext>
+            </a:extLst>
+          </a:blip>
+          <a:stretch>
+            <a:fillRect/>
+          </a:stretch>
+        </p:blipFill>
+        <p:spPr>
+          <a:xfrm>
+            <a:off x="4427983" y="1639568"/>
+            <a:ext cx="4988323" cy="2228326"/>
+          </a:xfrm>
+          <a:prstGeom prst="rect">
+            <a:avLst/>
+          </a:prstGeom>
+        </p:spPr>
+      </p:pic>
     </p:spTree>
     <p:extLst>
       <p:ext uri="{BB962C8B-B14F-4D97-AF65-F5344CB8AC3E}">
-        <p14:creationId xmlns:p14="http://schemas.microsoft.com/office/powerpoint/2010/main" val="1320970226"/>
+        <p14:creationId xmlns:p14="http://schemas.microsoft.com/office/powerpoint/2010/main" val="1929486445"/>
       </p:ext>
     </p:extLst>
   </p:cSld>
@@ -6153,78 +6206,41 @@
           <a:p>
             <a:r>
               <a:rPr lang="de-DE" dirty="0" smtClean="0"/>
-              <a:t>Fazit</a:t>
+              <a:t>Praxisbeispiel: Modulationsmatrix FM8</a:t>
             </a:r>
             <a:endParaRPr lang="de-DE" dirty="0"/>
           </a:p>
         </p:txBody>
       </p:sp>
-      <p:sp>
-        <p:nvSpPr>
-          <p:cNvPr id="3" name="Inhaltsplatzhalter 2"/>
-          <p:cNvSpPr>
-            <a:spLocks noGrp="1"/>
-          </p:cNvSpPr>
+      <p:pic>
+        <p:nvPicPr>
+          <p:cNvPr id="7" name="Inhaltsplatzhalter 6"/>
+          <p:cNvPicPr>
+            <a:picLocks noGrp="1" noChangeAspect="1"/>
+          </p:cNvPicPr>
           <p:nvPr>
             <p:ph idx="1"/>
           </p:nvPr>
-        </p:nvSpPr>
-        <p:spPr/>
-        <p:txBody>
-          <a:bodyPr/>
-          <a:lstStyle/>
-          <a:p>
-            <a:r>
-              <a:rPr lang="de-DE" dirty="0" smtClean="0"/>
-              <a:t>Komplexe FM-Synthese ist extrem mächtig</a:t>
-            </a:r>
-          </a:p>
-          <a:p>
-            <a:endParaRPr lang="de-DE" dirty="0"/>
-          </a:p>
-          <a:p>
-            <a:r>
-              <a:rPr lang="de-DE" dirty="0"/>
-              <a:t>R</a:t>
-            </a:r>
-            <a:r>
-              <a:rPr lang="de-DE" dirty="0" smtClean="0"/>
-              <a:t>esultierendes Spektrum schwer abschätzbar</a:t>
-            </a:r>
-          </a:p>
-          <a:p>
-            <a:endParaRPr lang="de-DE" dirty="0"/>
-          </a:p>
-          <a:p>
-            <a:r>
-              <a:rPr lang="de-DE" dirty="0" smtClean="0"/>
-              <a:t>Durch moderne </a:t>
-            </a:r>
-            <a:r>
-              <a:rPr lang="de-DE" dirty="0" err="1" smtClean="0"/>
-              <a:t>Synths</a:t>
-            </a:r>
-            <a:r>
-              <a:rPr lang="de-DE" dirty="0" smtClean="0"/>
-              <a:t> wie FM8 </a:t>
-            </a:r>
-            <a:r>
-              <a:rPr lang="de-DE" i="1" dirty="0" smtClean="0"/>
-              <a:t>Trial &amp; Error </a:t>
-            </a:r>
-            <a:r>
-              <a:rPr lang="de-DE" dirty="0" smtClean="0"/>
-              <a:t>einfach</a:t>
-            </a:r>
-          </a:p>
-          <a:p>
-            <a:endParaRPr lang="de-DE" dirty="0"/>
-          </a:p>
-          <a:p>
-            <a:endParaRPr lang="de-DE" dirty="0"/>
-          </a:p>
-        </p:txBody>
-      </p:sp>
+        </p:nvPicPr>
+        <p:blipFill>
+          <a:blip r:embed="rId2">
+            <a:extLst>
+              <a:ext uri="{28A0092B-C50C-407E-A947-70E740481C1C}">
+                <a14:useLocalDpi xmlns:a14="http://schemas.microsoft.com/office/drawing/2010/main" val="0"/>
+              </a:ext>
+            </a:extLst>
+          </a:blip>
+          <a:stretch>
+            <a:fillRect/>
+          </a:stretch>
+        </p:blipFill>
+        <p:spPr>
+          <a:xfrm>
+            <a:off x="1547664" y="987574"/>
+            <a:ext cx="6112528" cy="3606651"/>
+          </a:xfrm>
+        </p:spPr>
+      </p:pic>
       <p:sp>
         <p:nvSpPr>
           <p:cNvPr id="4" name="Datumsplatzhalter 3"/>
@@ -6242,7 +6258,7 @@
           <a:p>
             <a:fld id="{296000BE-0612-4D88-A1AC-FF1287139C2E}" type="datetime1">
               <a:rPr lang="de-DE" smtClean="0"/>
-              <a:t>21.06.2015</a:t>
+              <a:t>22.06.2015</a:t>
             </a:fld>
             <a:endParaRPr lang="de-DE" dirty="0"/>
           </a:p>
@@ -6301,13 +6317,20 @@
     </p:spTree>
     <p:extLst>
       <p:ext uri="{BB962C8B-B14F-4D97-AF65-F5344CB8AC3E}">
-        <p14:creationId xmlns:p14="http://schemas.microsoft.com/office/powerpoint/2010/main" val="331309284"/>
+        <p14:creationId xmlns:p14="http://schemas.microsoft.com/office/powerpoint/2010/main" val="1320970226"/>
       </p:ext>
     </p:extLst>
   </p:cSld>
   <p:clrMapOvr>
     <a:masterClrMapping/>
   </p:clrMapOvr>
+  <p:timing>
+    <p:tnLst>
+      <p:par>
+        <p:cTn id="1" dur="indefinite" restart="never" nodeType="tmRoot"/>
+      </p:par>
+    </p:tnLst>
+  </p:timing>
 </p:sld>
 </file>
 
@@ -6345,7 +6368,7 @@
           <a:p>
             <a:r>
               <a:rPr lang="de-DE" dirty="0" smtClean="0"/>
-              <a:t>Quellen</a:t>
+              <a:t>Fazit</a:t>
             </a:r>
             <a:endParaRPr lang="de-DE" dirty="0"/>
           </a:p>
@@ -6366,7 +6389,62 @@
           <a:bodyPr/>
           <a:lstStyle/>
           <a:p>
-            <a:endParaRPr lang="de-DE"/>
+            <a:r>
+              <a:rPr lang="de-DE" dirty="0" smtClean="0"/>
+              <a:t>Komplexe FM-Synthese ist extrem mächtig</a:t>
+            </a:r>
+          </a:p>
+          <a:p>
+            <a:endParaRPr lang="de-DE" dirty="0"/>
+          </a:p>
+          <a:p>
+            <a:r>
+              <a:rPr lang="de-DE" dirty="0"/>
+              <a:t>R</a:t>
+            </a:r>
+            <a:r>
+              <a:rPr lang="de-DE" dirty="0" smtClean="0"/>
+              <a:t>esultierendes Spektrum schwer abschätzbar</a:t>
+            </a:r>
+          </a:p>
+          <a:p>
+            <a:endParaRPr lang="de-DE" dirty="0"/>
+          </a:p>
+          <a:p>
+            <a:r>
+              <a:rPr lang="de-DE" dirty="0" smtClean="0"/>
+              <a:t>D</a:t>
+            </a:r>
+            <a:r>
+              <a:rPr lang="de-DE" dirty="0" smtClean="0"/>
+              <a:t>urch </a:t>
+            </a:r>
+            <a:r>
+              <a:rPr lang="de-DE" dirty="0" smtClean="0"/>
+              <a:t>moderne </a:t>
+            </a:r>
+            <a:r>
+              <a:rPr lang="de-DE" dirty="0" err="1" smtClean="0"/>
+              <a:t>Synths</a:t>
+            </a:r>
+            <a:r>
+              <a:rPr lang="de-DE" dirty="0" smtClean="0"/>
+              <a:t> wie FM8 </a:t>
+            </a:r>
+            <a:r>
+              <a:rPr lang="de-DE" i="1" dirty="0" smtClean="0"/>
+              <a:t>Trial &amp; Error </a:t>
+            </a:r>
+            <a:r>
+              <a:rPr lang="de-DE" dirty="0" smtClean="0"/>
+              <a:t>einfach</a:t>
+            </a:r>
+          </a:p>
+          <a:p>
+            <a:endParaRPr lang="de-DE" dirty="0"/>
+          </a:p>
+          <a:p>
+            <a:endParaRPr lang="de-DE" dirty="0"/>
           </a:p>
         </p:txBody>
       </p:sp>
@@ -6387,7 +6465,7 @@
           <a:p>
             <a:fld id="{296000BE-0612-4D88-A1AC-FF1287139C2E}" type="datetime1">
               <a:rPr lang="de-DE" smtClean="0"/>
-              <a:t>21.06.2015</a:t>
+              <a:t>22.06.2015</a:t>
             </a:fld>
             <a:endParaRPr lang="de-DE" dirty="0"/>
           </a:p>
@@ -6446,13 +6524,20 @@
     </p:spTree>
     <p:extLst>
       <p:ext uri="{BB962C8B-B14F-4D97-AF65-F5344CB8AC3E}">
-        <p14:creationId xmlns:p14="http://schemas.microsoft.com/office/powerpoint/2010/main" val="2962633887"/>
+        <p14:creationId xmlns:p14="http://schemas.microsoft.com/office/powerpoint/2010/main" val="331309284"/>
       </p:ext>
     </p:extLst>
   </p:cSld>
   <p:clrMapOvr>
     <a:masterClrMapping/>
   </p:clrMapOvr>
+  <p:timing>
+    <p:tnLst>
+      <p:par>
+        <p:cTn id="1" dur="indefinite" restart="never" nodeType="tmRoot"/>
+      </p:par>
+    </p:tnLst>
+  </p:timing>
 </p:sld>
 </file>
 
@@ -6475,51 +6560,24 @@
       </p:grpSpPr>
       <p:sp>
         <p:nvSpPr>
-          <p:cNvPr id="3" name="Inhaltsplatzhalter 2"/>
-          <p:cNvSpPr>
-            <a:spLocks noGrp="1"/>
-          </p:cNvSpPr>
-          <p:nvPr>
-            <p:ph idx="1"/>
-          </p:nvPr>
-        </p:nvSpPr>
-        <p:spPr>
-          <a:xfrm>
-            <a:off x="-108520" y="1419622"/>
-            <a:ext cx="8229600" cy="3394472"/>
-          </a:xfrm>
-        </p:spPr>
-        <p:txBody>
-          <a:bodyPr/>
-          <a:lstStyle/>
-          <a:p>
-            <a:pPr marL="457200" lvl="1" indent="0">
-              <a:buNone/>
-            </a:pPr>
+          <p:cNvPr id="2" name="Titel 1"/>
+          <p:cNvSpPr>
+            <a:spLocks noGrp="1"/>
+          </p:cNvSpPr>
+          <p:nvPr>
+            <p:ph type="title"/>
+          </p:nvPr>
+        </p:nvSpPr>
+        <p:spPr/>
+        <p:txBody>
+          <a:bodyPr/>
+          <a:lstStyle/>
+          <a:p>
             <a:r>
               <a:rPr lang="de-DE" dirty="0" smtClean="0"/>
-              <a:t>		</a:t>
-            </a:r>
-          </a:p>
-          <a:p>
-            <a:pPr marL="457200" lvl="1" indent="0">
-              <a:buNone/>
-            </a:pPr>
+              <a:t>Quellen</a:t>
+            </a:r>
             <a:endParaRPr lang="de-DE" dirty="0"/>
-          </a:p>
-          <a:p>
-            <a:pPr marL="457200" lvl="1" indent="0">
-              <a:buNone/>
-            </a:pPr>
-            <a:r>
-              <a:rPr lang="de-DE" dirty="0" smtClean="0"/>
-              <a:t>		</a:t>
-            </a:r>
-            <a:r>
-              <a:rPr lang="de-DE" sz="3000" dirty="0" smtClean="0"/>
-              <a:t>Vielen Dank für eure Aufmerksamkeit!</a:t>
-            </a:r>
-            <a:endParaRPr lang="de-DE" sz="3000" dirty="0"/>
           </a:p>
         </p:txBody>
       </p:sp>
@@ -6540,7 +6598,7 @@
           <a:p>
             <a:fld id="{296000BE-0612-4D88-A1AC-FF1287139C2E}" type="datetime1">
               <a:rPr lang="de-DE" smtClean="0"/>
-              <a:t>21.06.2015</a:t>
+              <a:t>22.06.2015</a:t>
             </a:fld>
             <a:endParaRPr lang="de-DE" dirty="0"/>
           </a:p>
@@ -6596,16 +6654,143 @@
           </a:p>
         </p:txBody>
       </p:sp>
+      <p:pic>
+        <p:nvPicPr>
+          <p:cNvPr id="8" name="Grafik 7"/>
+          <p:cNvPicPr>
+            <a:picLocks noChangeAspect="1"/>
+          </p:cNvPicPr>
+          <p:nvPr/>
+        </p:nvPicPr>
+        <p:blipFill>
+          <a:blip r:embed="rId2">
+            <a:extLst>
+              <a:ext uri="{28A0092B-C50C-407E-A947-70E740481C1C}">
+                <a14:useLocalDpi xmlns:a14="http://schemas.microsoft.com/office/drawing/2010/main" val="0"/>
+              </a:ext>
+            </a:extLst>
+          </a:blip>
+          <a:stretch>
+            <a:fillRect/>
+          </a:stretch>
+        </p:blipFill>
+        <p:spPr>
+          <a:xfrm>
+            <a:off x="405724" y="2523150"/>
+            <a:ext cx="8347831" cy="576000"/>
+          </a:xfrm>
+          <a:prstGeom prst="rect">
+            <a:avLst/>
+          </a:prstGeom>
+        </p:spPr>
+      </p:pic>
+      <p:pic>
+        <p:nvPicPr>
+          <p:cNvPr id="9" name="Grafik 8"/>
+          <p:cNvPicPr>
+            <a:picLocks noChangeAspect="1"/>
+          </p:cNvPicPr>
+          <p:nvPr/>
+        </p:nvPicPr>
+        <p:blipFill>
+          <a:blip r:embed="rId3">
+            <a:extLst>
+              <a:ext uri="{28A0092B-C50C-407E-A947-70E740481C1C}">
+                <a14:useLocalDpi xmlns:a14="http://schemas.microsoft.com/office/drawing/2010/main" val="0"/>
+              </a:ext>
+            </a:extLst>
+          </a:blip>
+          <a:stretch>
+            <a:fillRect/>
+          </a:stretch>
+        </p:blipFill>
+        <p:spPr>
+          <a:xfrm>
+            <a:off x="394488" y="1038587"/>
+            <a:ext cx="8273639" cy="842913"/>
+          </a:xfrm>
+          <a:prstGeom prst="rect">
+            <a:avLst/>
+          </a:prstGeom>
+        </p:spPr>
+      </p:pic>
+      <p:pic>
+        <p:nvPicPr>
+          <p:cNvPr id="10" name="Grafik 9"/>
+          <p:cNvPicPr>
+            <a:picLocks noChangeAspect="1"/>
+          </p:cNvPicPr>
+          <p:nvPr/>
+        </p:nvPicPr>
+        <p:blipFill>
+          <a:blip r:embed="rId4">
+            <a:extLst>
+              <a:ext uri="{28A0092B-C50C-407E-A947-70E740481C1C}">
+                <a14:useLocalDpi xmlns:a14="http://schemas.microsoft.com/office/drawing/2010/main" val="0"/>
+              </a:ext>
+            </a:extLst>
+          </a:blip>
+          <a:stretch>
+            <a:fillRect/>
+          </a:stretch>
+        </p:blipFill>
+        <p:spPr>
+          <a:xfrm>
+            <a:off x="384583" y="3063207"/>
+            <a:ext cx="8726191" cy="1272742"/>
+          </a:xfrm>
+          <a:prstGeom prst="rect">
+            <a:avLst/>
+          </a:prstGeom>
+        </p:spPr>
+      </p:pic>
+      <p:pic>
+        <p:nvPicPr>
+          <p:cNvPr id="7" name="Grafik 6"/>
+          <p:cNvPicPr>
+            <a:picLocks noChangeAspect="1"/>
+          </p:cNvPicPr>
+          <p:nvPr/>
+        </p:nvPicPr>
+        <p:blipFill>
+          <a:blip r:embed="rId5">
+            <a:extLst>
+              <a:ext uri="{28A0092B-C50C-407E-A947-70E740481C1C}">
+                <a14:useLocalDpi xmlns:a14="http://schemas.microsoft.com/office/drawing/2010/main" val="0"/>
+              </a:ext>
+            </a:extLst>
+          </a:blip>
+          <a:stretch>
+            <a:fillRect/>
+          </a:stretch>
+        </p:blipFill>
+        <p:spPr>
+          <a:xfrm>
+            <a:off x="454022" y="1881500"/>
+            <a:ext cx="8180998" cy="648000"/>
+          </a:xfrm>
+          <a:prstGeom prst="rect">
+            <a:avLst/>
+          </a:prstGeom>
+        </p:spPr>
+      </p:pic>
     </p:spTree>
     <p:extLst>
       <p:ext uri="{BB962C8B-B14F-4D97-AF65-F5344CB8AC3E}">
-        <p14:creationId xmlns:p14="http://schemas.microsoft.com/office/powerpoint/2010/main" val="2686137481"/>
+        <p14:creationId xmlns:p14="http://schemas.microsoft.com/office/powerpoint/2010/main" val="2962633887"/>
       </p:ext>
     </p:extLst>
   </p:cSld>
   <p:clrMapOvr>
     <a:masterClrMapping/>
   </p:clrMapOvr>
+  <p:timing>
+    <p:tnLst>
+      <p:par>
+        <p:cTn id="1" dur="indefinite" restart="never" nodeType="tmRoot"/>
+      </p:par>
+    </p:tnLst>
+  </p:timing>
 </p:sld>
 </file>
 
@@ -6659,10 +6844,15 @@
             <p:ph idx="1"/>
           </p:nvPr>
         </p:nvSpPr>
-        <p:spPr/>
+        <p:spPr>
+          <a:xfrm>
+            <a:off x="457200" y="1200151"/>
+            <a:ext cx="8229600" cy="2883767"/>
+          </a:xfrm>
+        </p:spPr>
         <p:txBody>
           <a:bodyPr>
-            <a:normAutofit lnSpcReduction="10000"/>
+            <a:normAutofit fontScale="92500" lnSpcReduction="20000"/>
           </a:bodyPr>
           <a:lstStyle/>
           <a:p>
@@ -6728,7 +6918,7 @@
           <a:p>
             <a:fld id="{ADBF581A-36B1-4C7D-8A13-2529E78B81D4}" type="datetime1">
               <a:rPr lang="de-DE" smtClean="0"/>
-              <a:t>21.06.2015</a:t>
+              <a:t>22.06.2015</a:t>
             </a:fld>
             <a:endParaRPr lang="de-DE"/>
           </a:p>
@@ -6792,6 +6982,166 @@
         </p:txBody>
       </p:sp>
     </p:spTree>
+  </p:cSld>
+  <p:clrMapOvr>
+    <a:masterClrMapping/>
+  </p:clrMapOvr>
+  <p:timing>
+    <p:tnLst>
+      <p:par>
+        <p:cTn id="1" dur="indefinite" restart="never" nodeType="tmRoot"/>
+      </p:par>
+    </p:tnLst>
+  </p:timing>
+</p:sld>
+</file>
+
+<file path=ppt/slides/slide20.xml><?xml version="1.0" encoding="utf-8"?>
+<p:sld xmlns:a="http://schemas.openxmlformats.org/drawingml/2006/main" xmlns:r="http://schemas.openxmlformats.org/officeDocument/2006/relationships" xmlns:p="http://schemas.openxmlformats.org/presentationml/2006/main">
+  <p:cSld>
+    <p:spTree>
+      <p:nvGrpSpPr>
+        <p:cNvPr id="1" name=""/>
+        <p:cNvGrpSpPr/>
+        <p:nvPr/>
+      </p:nvGrpSpPr>
+      <p:grpSpPr>
+        <a:xfrm>
+          <a:off x="0" y="0"/>
+          <a:ext cx="0" cy="0"/>
+          <a:chOff x="0" y="0"/>
+          <a:chExt cx="0" cy="0"/>
+        </a:xfrm>
+      </p:grpSpPr>
+      <p:sp>
+        <p:nvSpPr>
+          <p:cNvPr id="3" name="Inhaltsplatzhalter 2"/>
+          <p:cNvSpPr>
+            <a:spLocks noGrp="1"/>
+          </p:cNvSpPr>
+          <p:nvPr>
+            <p:ph idx="1"/>
+          </p:nvPr>
+        </p:nvSpPr>
+        <p:spPr>
+          <a:xfrm>
+            <a:off x="-108520" y="1419622"/>
+            <a:ext cx="8229600" cy="3394472"/>
+          </a:xfrm>
+        </p:spPr>
+        <p:txBody>
+          <a:bodyPr/>
+          <a:lstStyle/>
+          <a:p>
+            <a:pPr marL="457200" lvl="1" indent="0">
+              <a:buNone/>
+            </a:pPr>
+            <a:r>
+              <a:rPr lang="de-DE" dirty="0" smtClean="0"/>
+              <a:t>		</a:t>
+            </a:r>
+          </a:p>
+          <a:p>
+            <a:pPr marL="457200" lvl="1" indent="0">
+              <a:buNone/>
+            </a:pPr>
+            <a:endParaRPr lang="de-DE" dirty="0"/>
+          </a:p>
+          <a:p>
+            <a:pPr marL="457200" lvl="1" indent="0">
+              <a:buNone/>
+            </a:pPr>
+            <a:r>
+              <a:rPr lang="de-DE" dirty="0" smtClean="0"/>
+              <a:t>		</a:t>
+            </a:r>
+            <a:r>
+              <a:rPr lang="de-DE" sz="3000" dirty="0" smtClean="0"/>
+              <a:t>Vielen Dank für eure Aufmerksamkeit!</a:t>
+            </a:r>
+            <a:endParaRPr lang="de-DE" sz="3000" dirty="0"/>
+          </a:p>
+        </p:txBody>
+      </p:sp>
+      <p:sp>
+        <p:nvSpPr>
+          <p:cNvPr id="4" name="Datumsplatzhalter 3"/>
+          <p:cNvSpPr>
+            <a:spLocks noGrp="1"/>
+          </p:cNvSpPr>
+          <p:nvPr>
+            <p:ph type="dt" sz="half" idx="10"/>
+          </p:nvPr>
+        </p:nvSpPr>
+        <p:spPr/>
+        <p:txBody>
+          <a:bodyPr/>
+          <a:lstStyle/>
+          <a:p>
+            <a:fld id="{296000BE-0612-4D88-A1AC-FF1287139C2E}" type="datetime1">
+              <a:rPr lang="de-DE" smtClean="0"/>
+              <a:t>22.06.2015</a:t>
+            </a:fld>
+            <a:endParaRPr lang="de-DE" dirty="0"/>
+          </a:p>
+        </p:txBody>
+      </p:sp>
+      <p:sp>
+        <p:nvSpPr>
+          <p:cNvPr id="5" name="Fußzeilenplatzhalter 4"/>
+          <p:cNvSpPr>
+            <a:spLocks noGrp="1"/>
+          </p:cNvSpPr>
+          <p:nvPr>
+            <p:ph type="ftr" sz="quarter" idx="11"/>
+          </p:nvPr>
+        </p:nvSpPr>
+        <p:spPr/>
+        <p:txBody>
+          <a:bodyPr/>
+          <a:lstStyle/>
+          <a:p>
+            <a:r>
+              <a:rPr lang="de-DE" smtClean="0"/>
+              <a:t>FM-Synthese</a:t>
+            </a:r>
+            <a:endParaRPr lang="de-DE" dirty="0"/>
+          </a:p>
+        </p:txBody>
+      </p:sp>
+      <p:sp>
+        <p:nvSpPr>
+          <p:cNvPr id="6" name="Foliennummernplatzhalter 5"/>
+          <p:cNvSpPr>
+            <a:spLocks noGrp="1"/>
+          </p:cNvSpPr>
+          <p:nvPr>
+            <p:ph type="sldNum" sz="quarter" idx="12"/>
+          </p:nvPr>
+        </p:nvSpPr>
+        <p:spPr/>
+        <p:txBody>
+          <a:bodyPr/>
+          <a:lstStyle/>
+          <a:p>
+            <a:fld id="{8740CB20-F870-467D-84CE-AB32061190A1}" type="slidenum">
+              <a:rPr lang="en-US" smtClean="0"/>
+              <a:t>20</a:t>
+            </a:fld>
+            <a:r>
+              <a:rPr lang="de-DE" smtClean="0"/>
+              <a:t>   </a:t>
+            </a:r>
+            <a:endParaRPr lang="de-DE" dirty="0"/>
+          </a:p>
+        </p:txBody>
+      </p:sp>
+    </p:spTree>
+    <p:extLst>
+      <p:ext uri="{BB962C8B-B14F-4D97-AF65-F5344CB8AC3E}">
+        <p14:creationId xmlns:p14="http://schemas.microsoft.com/office/powerpoint/2010/main" val="2686137481"/>
+      </p:ext>
+    </p:extLst>
   </p:cSld>
   <p:clrMapOvr>
     <a:masterClrMapping/>
@@ -6888,14 +7238,7 @@
           <a:p>
             <a:r>
               <a:rPr lang="de-DE" dirty="0" smtClean="0"/>
-              <a:t>Parallelschaltung: </a:t>
-            </a:r>
-            <a:br>
-              <a:rPr lang="de-DE" dirty="0" smtClean="0"/>
-            </a:br>
-            <a:r>
-              <a:rPr lang="de-DE" dirty="0" smtClean="0"/>
-              <a:t>2 Träger mit jeweils eigenem Modulator</a:t>
+              <a:t>Parallelschaltung</a:t>
             </a:r>
             <a:endParaRPr lang="de-DE" dirty="0"/>
           </a:p>
@@ -6944,7 +7287,7 @@
           <a:p>
             <a:fld id="{296000BE-0612-4D88-A1AC-FF1287139C2E}" type="datetime1">
               <a:rPr lang="de-DE" smtClean="0"/>
-              <a:t>21.06.2015</a:t>
+              <a:t>22.06.2015</a:t>
             </a:fld>
             <a:endParaRPr lang="de-DE" dirty="0"/>
           </a:p>
@@ -7524,7 +7867,7 @@
         </p:blipFill>
         <p:spPr>
           <a:xfrm>
-            <a:off x="534679" y="3016835"/>
+            <a:off x="629598" y="3308068"/>
             <a:ext cx="3789237" cy="982723"/>
           </a:xfrm>
           <a:prstGeom prst="rect">
@@ -7554,7 +7897,7 @@
         </p:blipFill>
         <p:spPr>
           <a:xfrm>
-            <a:off x="132155" y="2307480"/>
+            <a:off x="258506" y="2596750"/>
             <a:ext cx="2856993" cy="788429"/>
           </a:xfrm>
           <a:prstGeom prst="rect">
@@ -7570,7 +7913,7 @@
         </p:nvSpPr>
         <p:spPr>
           <a:xfrm>
-            <a:off x="467544" y="1851670"/>
+            <a:off x="608262" y="2353521"/>
             <a:ext cx="3105017" cy="369332"/>
           </a:xfrm>
           <a:prstGeom prst="rect">
@@ -7786,6 +8129,48 @@
                 </a:outerShdw>
               </a:effectLst>
             </a:endParaRPr>
+          </a:p>
+        </p:txBody>
+      </p:sp>
+      <p:sp>
+        <p:nvSpPr>
+          <p:cNvPr id="3" name="Rechteck 2"/>
+          <p:cNvSpPr/>
+          <p:nvPr/>
+        </p:nvSpPr>
+        <p:spPr>
+          <a:xfrm>
+            <a:off x="473381" y="1150455"/>
+            <a:ext cx="4058290" cy="954107"/>
+          </a:xfrm>
+          <a:prstGeom prst="rect">
+            <a:avLst/>
+          </a:prstGeom>
+        </p:spPr>
+        <p:txBody>
+          <a:bodyPr wrap="none">
+            <a:spAutoFit/>
+          </a:bodyPr>
+          <a:lstStyle/>
+          <a:p>
+            <a:r>
+              <a:rPr lang="de-DE" sz="2800" dirty="0"/>
+              <a:t>2 </a:t>
+            </a:r>
+            <a:r>
+              <a:rPr lang="de-DE" sz="2800" dirty="0" smtClean="0"/>
+              <a:t>Träger,</a:t>
+            </a:r>
+          </a:p>
+          <a:p>
+            <a:r>
+              <a:rPr lang="de-DE" sz="2800" b="1" dirty="0" smtClean="0"/>
+              <a:t>jeweils eigener </a:t>
+            </a:r>
+            <a:r>
+              <a:rPr lang="de-DE" sz="2800" dirty="0"/>
+              <a:t>Modulator</a:t>
+            </a:r>
           </a:p>
         </p:txBody>
       </p:sp>
@@ -7843,7 +8228,11 @@
           <a:p>
             <a:r>
               <a:rPr lang="de-DE" dirty="0" smtClean="0"/>
-              <a:t>Vergleich: Einzel- vs. Parallelschaltung</a:t>
+              <a:t>Einzel- </a:t>
+            </a:r>
+            <a:r>
+              <a:rPr lang="de-DE" dirty="0" smtClean="0"/>
+              <a:t>vs. Parallelschaltung</a:t>
             </a:r>
             <a:endParaRPr lang="de-DE" dirty="0"/>
           </a:p>
@@ -7873,8 +8262,8 @@
         </p:blipFill>
         <p:spPr>
           <a:xfrm>
-            <a:off x="-116702" y="909315"/>
-            <a:ext cx="4688702" cy="2094483"/>
+            <a:off x="-116702" y="909316"/>
+            <a:ext cx="4616694" cy="2062316"/>
           </a:xfrm>
         </p:spPr>
       </p:pic>
@@ -7895,7 +8284,7 @@
           <a:p>
             <a:fld id="{296000BE-0612-4D88-A1AC-FF1287139C2E}" type="datetime1">
               <a:rPr lang="de-DE" smtClean="0"/>
-              <a:t>21.06.2015</a:t>
+              <a:t>22.06.2015</a:t>
             </a:fld>
             <a:endParaRPr lang="de-DE" dirty="0"/>
           </a:p>
@@ -7978,8 +8367,8 @@
         </p:blipFill>
         <p:spPr>
           <a:xfrm>
-            <a:off x="-116702" y="3065237"/>
-            <a:ext cx="4698369" cy="2098801"/>
+            <a:off x="-134552" y="2975914"/>
+            <a:ext cx="4652393" cy="2078263"/>
           </a:xfrm>
           <a:prstGeom prst="rect">
             <a:avLst/>
@@ -8016,6 +8405,51 @@
           </a:prstGeom>
         </p:spPr>
       </p:pic>
+      <p:sp>
+        <p:nvSpPr>
+          <p:cNvPr id="3" name="Pfeil nach rechts 2"/>
+          <p:cNvSpPr/>
+          <p:nvPr/>
+        </p:nvSpPr>
+        <p:spPr>
+          <a:xfrm>
+            <a:off x="4281926" y="2750879"/>
+            <a:ext cx="432048" cy="484632"/>
+          </a:xfrm>
+          <a:prstGeom prst="rightArrow">
+            <a:avLst/>
+          </a:prstGeom>
+          <a:ln>
+            <a:solidFill>
+              <a:schemeClr val="accent1"/>
+            </a:solidFill>
+          </a:ln>
+        </p:spPr>
+        <p:style>
+          <a:lnRef idx="2">
+            <a:schemeClr val="accent1">
+              <a:shade val="50000"/>
+            </a:schemeClr>
+          </a:lnRef>
+          <a:fillRef idx="1">
+            <a:schemeClr val="accent1"/>
+          </a:fillRef>
+          <a:effectRef idx="0">
+            <a:schemeClr val="accent1"/>
+          </a:effectRef>
+          <a:fontRef idx="minor">
+            <a:schemeClr val="lt1"/>
+          </a:fontRef>
+        </p:style>
+        <p:txBody>
+          <a:bodyPr rtlCol="0" anchor="ctr"/>
+          <a:lstStyle/>
+          <a:p>
+            <a:pPr algn="ctr"/>
+            <a:endParaRPr lang="de-DE"/>
+          </a:p>
+        </p:txBody>
+      </p:sp>
     </p:spTree>
     <p:extLst>
       <p:ext uri="{BB962C8B-B14F-4D97-AF65-F5344CB8AC3E}">
@@ -8070,15 +8504,22 @@
           <a:p>
             <a:r>
               <a:rPr lang="de-DE" dirty="0" smtClean="0"/>
-              <a:t>Parallelschaltung:</a:t>
+              <a:t/>
             </a:r>
             <a:br>
               <a:rPr lang="de-DE" dirty="0" smtClean="0"/>
             </a:br>
             <a:r>
               <a:rPr lang="de-DE" dirty="0" smtClean="0"/>
-              <a:t>2 Träger mit demselben Modulator</a:t>
-            </a:r>
+              <a:t>Parallelschaltung</a:t>
+            </a:r>
+            <a:r>
+              <a:rPr lang="de-DE" dirty="0" smtClean="0"/>
+              <a:t/>
+            </a:r>
+            <a:br>
+              <a:rPr lang="de-DE" dirty="0" smtClean="0"/>
+            </a:br>
             <a:endParaRPr lang="de-DE" dirty="0"/>
           </a:p>
         </p:txBody>
@@ -8126,7 +8567,7 @@
           <a:p>
             <a:fld id="{296000BE-0612-4D88-A1AC-FF1287139C2E}" type="datetime1">
               <a:rPr lang="de-DE" smtClean="0"/>
-              <a:t>21.06.2015</a:t>
+              <a:t>22.06.2015</a:t>
             </a:fld>
             <a:endParaRPr lang="de-DE" dirty="0"/>
           </a:p>
@@ -8612,7 +9053,7 @@
         </p:nvSpPr>
         <p:spPr>
           <a:xfrm>
-            <a:off x="467544" y="1851670"/>
+            <a:off x="457200" y="2409270"/>
             <a:ext cx="3105017" cy="369332"/>
           </a:xfrm>
           <a:prstGeom prst="rect">
@@ -8656,7 +9097,7 @@
         </p:blipFill>
         <p:spPr>
           <a:xfrm>
-            <a:off x="534679" y="3016835"/>
+            <a:off x="533829" y="3397874"/>
             <a:ext cx="3789237" cy="982723"/>
           </a:xfrm>
           <a:prstGeom prst="rect">
@@ -8686,7 +9127,7 @@
         </p:blipFill>
         <p:spPr>
           <a:xfrm>
-            <a:off x="132155" y="2307480"/>
+            <a:off x="120533" y="2702063"/>
             <a:ext cx="2856993" cy="788429"/>
           </a:xfrm>
           <a:prstGeom prst="rect">
@@ -8694,6 +9135,50 @@
           </a:prstGeom>
         </p:spPr>
       </p:pic>
+      <p:sp>
+        <p:nvSpPr>
+          <p:cNvPr id="3" name="Rechteck 2"/>
+          <p:cNvSpPr/>
+          <p:nvPr/>
+        </p:nvSpPr>
+        <p:spPr>
+          <a:xfrm>
+            <a:off x="467544" y="1471471"/>
+            <a:ext cx="4051365" cy="523220"/>
+          </a:xfrm>
+          <a:prstGeom prst="rect">
+            <a:avLst/>
+          </a:prstGeom>
+        </p:spPr>
+        <p:txBody>
+          <a:bodyPr wrap="none">
+            <a:spAutoFit/>
+          </a:bodyPr>
+          <a:lstStyle/>
+          <a:p>
+            <a:r>
+              <a:rPr lang="de-DE" sz="2800" dirty="0"/>
+              <a:t>2 </a:t>
+            </a:r>
+            <a:r>
+              <a:rPr lang="de-DE" sz="2800" dirty="0" smtClean="0"/>
+              <a:t>Träger, </a:t>
+            </a:r>
+            <a:r>
+              <a:rPr lang="de-DE" sz="2800" b="1" dirty="0" smtClean="0"/>
+              <a:t>selber</a:t>
+            </a:r>
+            <a:r>
+              <a:rPr lang="de-DE" sz="2800" dirty="0" smtClean="0"/>
+              <a:t> </a:t>
+            </a:r>
+            <a:r>
+              <a:rPr lang="de-DE" sz="2800" dirty="0"/>
+              <a:t>Modulator</a:t>
+            </a:r>
+          </a:p>
+        </p:txBody>
+      </p:sp>
     </p:spTree>
     <p:extLst>
       <p:ext uri="{BB962C8B-B14F-4D97-AF65-F5344CB8AC3E}">
@@ -8743,7 +9228,7 @@
         </p:nvSpPr>
         <p:spPr>
           <a:xfrm>
-            <a:off x="464840" y="483518"/>
+            <a:off x="464840" y="339502"/>
             <a:ext cx="8229600" cy="857250"/>
           </a:xfrm>
         </p:spPr>
@@ -8753,20 +9238,17 @@
           <a:p>
             <a:r>
               <a:rPr lang="de-DE" sz="2800" dirty="0" smtClean="0"/>
-              <a:t>Vergleich: </a:t>
+              <a:t> 2 Träger mit </a:t>
+            </a:r>
+            <a:r>
+              <a:rPr lang="de-DE" sz="2800" dirty="0" smtClean="0"/>
+              <a:t>2 Modulatoren mit gleichen Einstellungen  </a:t>
             </a:r>
             <a:br>
               <a:rPr lang="de-DE" sz="2800" dirty="0" smtClean="0"/>
             </a:br>
             <a:r>
               <a:rPr lang="de-DE" sz="2800" dirty="0" smtClean="0"/>
-              <a:t>2 Träger mit 2 Modulatoren mit gleichen Einstellungen  </a:t>
-            </a:r>
-            <a:br>
-              <a:rPr lang="de-DE" sz="2800" dirty="0" smtClean="0"/>
-            </a:br>
-            <a:r>
-              <a:rPr lang="de-DE" sz="2800" dirty="0" smtClean="0"/>
               <a:t>vs. 2 Träger mit demselben Modulator</a:t>
             </a:r>
             <a:endParaRPr lang="de-DE" sz="2800" dirty="0"/>
@@ -8790,7 +9272,7 @@
           <a:p>
             <a:fld id="{296000BE-0612-4D88-A1AC-FF1287139C2E}" type="datetime1">
               <a:rPr lang="de-DE" smtClean="0"/>
-              <a:t>21.06.2015</a:t>
+              <a:t>22.06.2015</a:t>
             </a:fld>
             <a:endParaRPr lang="de-DE" dirty="0"/>
           </a:p>
@@ -8960,14 +9442,7 @@
           <a:p>
             <a:r>
               <a:rPr lang="de-DE" dirty="0" smtClean="0"/>
-              <a:t>Parallelschaltung: </a:t>
-            </a:r>
-            <a:br>
-              <a:rPr lang="de-DE" dirty="0" smtClean="0"/>
-            </a:br>
-            <a:r>
-              <a:rPr lang="de-DE" dirty="0" smtClean="0"/>
-              <a:t>1 Träger mit 2 unabhängigen Modulatoren</a:t>
+              <a:t>Parallelschaltung </a:t>
             </a:r>
             <a:endParaRPr lang="de-DE" dirty="0"/>
           </a:p>
@@ -8990,7 +9465,7 @@
           <a:p>
             <a:fld id="{296000BE-0612-4D88-A1AC-FF1287139C2E}" type="datetime1">
               <a:rPr lang="de-DE" smtClean="0"/>
-              <a:t>21.06.2015</a:t>
+              <a:t>22.06.2015</a:t>
             </a:fld>
             <a:endParaRPr lang="de-DE" dirty="0"/>
           </a:p>
@@ -9389,7 +9864,7 @@
         </p:blipFill>
         <p:spPr>
           <a:xfrm>
-            <a:off x="233772" y="3269538"/>
+            <a:off x="233772" y="3303880"/>
             <a:ext cx="5115639" cy="924054"/>
           </a:xfrm>
           <a:prstGeom prst="rect">
@@ -9419,7 +9894,7 @@
         </p:blipFill>
         <p:spPr>
           <a:xfrm>
-            <a:off x="-74873" y="2589539"/>
+            <a:off x="-74873" y="2750108"/>
             <a:ext cx="5706271" cy="457264"/>
           </a:xfrm>
           <a:prstGeom prst="rect">
@@ -9472,6 +9947,49 @@
           <a:p>
             <a:pPr algn="ctr"/>
             <a:endParaRPr lang="de-DE"/>
+          </a:p>
+        </p:txBody>
+      </p:sp>
+      <p:sp>
+        <p:nvSpPr>
+          <p:cNvPr id="3" name="Textfeld 2"/>
+          <p:cNvSpPr txBox="1"/>
+          <p:nvPr/>
+        </p:nvSpPr>
+        <p:spPr>
+          <a:xfrm>
+            <a:off x="230030" y="1347660"/>
+            <a:ext cx="6066420" cy="954107"/>
+          </a:xfrm>
+          <a:prstGeom prst="rect">
+            <a:avLst/>
+          </a:prstGeom>
+          <a:noFill/>
+        </p:spPr>
+        <p:txBody>
+          <a:bodyPr wrap="square" rtlCol="0">
+            <a:spAutoFit/>
+          </a:bodyPr>
+          <a:lstStyle/>
+          <a:p>
+            <a:r>
+              <a:rPr lang="de-DE" sz="2800" dirty="0"/>
+              <a:t>1 </a:t>
+            </a:r>
+            <a:r>
+              <a:rPr lang="de-DE" sz="2800" dirty="0" smtClean="0"/>
+              <a:t>Träger, </a:t>
+            </a:r>
+          </a:p>
+          <a:p>
+            <a:r>
+              <a:rPr lang="de-DE" sz="2800" b="1" dirty="0" smtClean="0"/>
+              <a:t>2 unabhängige </a:t>
+            </a:r>
+            <a:r>
+              <a:rPr lang="de-DE" sz="2800" dirty="0"/>
+              <a:t>Modulatoren</a:t>
+            </a:r>
           </a:p>
         </p:txBody>
       </p:sp>
@@ -9588,7 +10106,7 @@
           <a:p>
             <a:fld id="{296000BE-0612-4D88-A1AC-FF1287139C2E}" type="datetime1">
               <a:rPr lang="de-DE" smtClean="0"/>
-              <a:t>21.06.2015</a:t>
+              <a:t>22.06.2015</a:t>
             </a:fld>
             <a:endParaRPr lang="de-DE" dirty="0"/>
           </a:p>
@@ -9964,7 +10482,7 @@
           <a:p>
             <a:fld id="{296000BE-0612-4D88-A1AC-FF1287139C2E}" type="datetime1">
               <a:rPr lang="de-DE" smtClean="0"/>
-              <a:t>21.06.2015</a:t>
+              <a:t>22.06.2015</a:t>
             </a:fld>
             <a:endParaRPr lang="de-DE" dirty="0"/>
           </a:p>
@@ -10085,6 +10603,51 @@
           </a:prstGeom>
         </p:spPr>
       </p:pic>
+      <p:sp>
+        <p:nvSpPr>
+          <p:cNvPr id="10" name="Pfeil nach rechts 9"/>
+          <p:cNvSpPr/>
+          <p:nvPr/>
+        </p:nvSpPr>
+        <p:spPr>
+          <a:xfrm>
+            <a:off x="4103536" y="2783425"/>
+            <a:ext cx="432048" cy="484632"/>
+          </a:xfrm>
+          <a:prstGeom prst="rightArrow">
+            <a:avLst/>
+          </a:prstGeom>
+          <a:ln>
+            <a:solidFill>
+              <a:schemeClr val="accent1"/>
+            </a:solidFill>
+          </a:ln>
+        </p:spPr>
+        <p:style>
+          <a:lnRef idx="2">
+            <a:schemeClr val="accent1">
+              <a:shade val="50000"/>
+            </a:schemeClr>
+          </a:lnRef>
+          <a:fillRef idx="1">
+            <a:schemeClr val="accent1"/>
+          </a:fillRef>
+          <a:effectRef idx="0">
+            <a:schemeClr val="accent1"/>
+          </a:effectRef>
+          <a:fontRef idx="minor">
+            <a:schemeClr val="lt1"/>
+          </a:fontRef>
+        </p:style>
+        <p:txBody>
+          <a:bodyPr rtlCol="0" anchor="ctr"/>
+          <a:lstStyle/>
+          <a:p>
+            <a:pPr algn="ctr"/>
+            <a:endParaRPr lang="de-DE"/>
+          </a:p>
+        </p:txBody>
+      </p:sp>
     </p:spTree>
     <p:extLst>
       <p:ext uri="{BB962C8B-B14F-4D97-AF65-F5344CB8AC3E}">

--- a/Praesentation/FMSynthese-Matze.pptx
+++ b/Praesentation/FMSynthese-Matze.pptx
@@ -3602,11 +3602,7 @@
             </a:r>
             <a:r>
               <a:rPr lang="en-US" dirty="0" smtClean="0"/>
-              <a:t> </a:t>
-            </a:r>
-            <a:r>
-              <a:rPr lang="en-US" dirty="0" smtClean="0"/>
-              <a:t>FM-</a:t>
+              <a:t> FM-</a:t>
             </a:r>
             <a:r>
               <a:rPr lang="en-US" dirty="0" err="1" smtClean="0"/>
@@ -6413,15 +6409,7 @@
           <a:p>
             <a:r>
               <a:rPr lang="de-DE" dirty="0" smtClean="0"/>
-              <a:t>D</a:t>
-            </a:r>
-            <a:r>
-              <a:rPr lang="de-DE" dirty="0" smtClean="0"/>
-              <a:t>urch </a:t>
-            </a:r>
-            <a:r>
-              <a:rPr lang="de-DE" dirty="0" smtClean="0"/>
-              <a:t>moderne </a:t>
+              <a:t>Durch moderne </a:t>
             </a:r>
             <a:r>
               <a:rPr lang="de-DE" dirty="0" err="1" smtClean="0"/>
@@ -8228,11 +8216,7 @@
           <a:p>
             <a:r>
               <a:rPr lang="de-DE" dirty="0" smtClean="0"/>
-              <a:t>Einzel- </a:t>
-            </a:r>
-            <a:r>
-              <a:rPr lang="de-DE" dirty="0" smtClean="0"/>
-              <a:t>vs. Parallelschaltung</a:t>
+              <a:t>Einzel- vs. Parallelschaltung</a:t>
             </a:r>
             <a:endParaRPr lang="de-DE" dirty="0"/>
           </a:p>
@@ -8513,10 +8497,6 @@
               <a:rPr lang="de-DE" dirty="0" smtClean="0"/>
               <a:t>Parallelschaltung</a:t>
             </a:r>
-            <a:r>
-              <a:rPr lang="de-DE" dirty="0" smtClean="0"/>
-              <a:t/>
-            </a:r>
             <a:br>
               <a:rPr lang="de-DE" dirty="0" smtClean="0"/>
             </a:br>
@@ -9238,11 +9218,7 @@
           <a:p>
             <a:r>
               <a:rPr lang="de-DE" sz="2800" dirty="0" smtClean="0"/>
-              <a:t> 2 Träger mit </a:t>
-            </a:r>
-            <a:r>
-              <a:rPr lang="de-DE" sz="2800" dirty="0" smtClean="0"/>
-              <a:t>2 Modulatoren mit gleichen Einstellungen  </a:t>
+              <a:t> 2 Träger mit 2 Modulatoren mit gleichen Einstellungen  </a:t>
             </a:r>
             <a:br>
               <a:rPr lang="de-DE" sz="2800" dirty="0" smtClean="0"/>
@@ -9381,7 +9357,7 @@
         <p:spPr>
           <a:xfrm>
             <a:off x="4499992" y="1888915"/>
-            <a:ext cx="4838512" cy="2161404"/>
+            <a:ext cx="4838511" cy="2161404"/>
           </a:xfrm>
           <a:prstGeom prst="rect">
             <a:avLst/>
